--- a/img/10/120/1008/rocketmq-image-source.pptx
+++ b/img/10/120/1008/rocketmq-image-source.pptx
@@ -5,11 +5,13 @@
     <p:sldMasterId id="2147483648" r:id="rId1"/>
   </p:sldMasterIdLst>
   <p:notesMasterIdLst>
-    <p:notesMasterId r:id="rId4"/>
+    <p:notesMasterId r:id="rId6"/>
   </p:notesMasterIdLst>
   <p:sldIdLst>
     <p:sldId id="256" r:id="rId2"/>
     <p:sldId id="257" r:id="rId3"/>
+    <p:sldId id="258" r:id="rId4"/>
+    <p:sldId id="259" r:id="rId5"/>
   </p:sldIdLst>
   <p:sldSz cx="9144000" cy="6858000" type="screen4x3"/>
   <p:notesSz cx="6858000" cy="9144000"/>
@@ -594,7 +596,7 @@
           <a:lstStyle/>
           <a:p>
             <a:r>
-              <a:rPr lang="en-US" sz="1200" kern="1200" smtClean="0">
+              <a:rPr lang="en-US" sz="1200" kern="1200" dirty="0" err="1" smtClean="0">
                 <a:solidFill>
                   <a:schemeClr val="tx1"/>
                 </a:solidFill>
@@ -626,6 +628,218 @@
             <a:fld id="{29F63167-81B7-914B-93E1-A752D06E2A6B}" type="slidenum">
               <a:rPr lang="en-US" smtClean="0"/>
               <a:t>2</a:t>
+            </a:fld>
+            <a:endParaRPr lang="en-US"/>
+          </a:p>
+        </p:txBody>
+      </p:sp>
+    </p:spTree>
+    <p:extLst>
+      <p:ext uri="{BB962C8B-B14F-4D97-AF65-F5344CB8AC3E}">
+        <p14:creationId xmlns:p14="http://schemas.microsoft.com/office/powerpoint/2010/main" val="693393168"/>
+      </p:ext>
+    </p:extLst>
+  </p:cSld>
+  <p:clrMapOvr>
+    <a:masterClrMapping/>
+  </p:clrMapOvr>
+</p:notes>
+</file>
+
+<file path=ppt/notesSlides/notesSlide3.xml><?xml version="1.0" encoding="utf-8"?>
+<p:notes xmlns:a="http://schemas.openxmlformats.org/drawingml/2006/main" xmlns:r="http://schemas.openxmlformats.org/officeDocument/2006/relationships" xmlns:p="http://schemas.openxmlformats.org/presentationml/2006/main">
+  <p:cSld>
+    <p:spTree>
+      <p:nvGrpSpPr>
+        <p:cNvPr id="1" name=""/>
+        <p:cNvGrpSpPr/>
+        <p:nvPr/>
+      </p:nvGrpSpPr>
+      <p:grpSpPr>
+        <a:xfrm>
+          <a:off x="0" y="0"/>
+          <a:ext cx="0" cy="0"/>
+          <a:chOff x="0" y="0"/>
+          <a:chExt cx="0" cy="0"/>
+        </a:xfrm>
+      </p:grpSpPr>
+      <p:sp>
+        <p:nvSpPr>
+          <p:cNvPr id="2" name="Slide Image Placeholder 1"/>
+          <p:cNvSpPr>
+            <a:spLocks noGrp="1" noRot="1" noChangeAspect="1"/>
+          </p:cNvSpPr>
+          <p:nvPr>
+            <p:ph type="sldImg"/>
+          </p:nvPr>
+        </p:nvSpPr>
+        <p:spPr/>
+      </p:sp>
+      <p:sp>
+        <p:nvSpPr>
+          <p:cNvPr id="3" name="Notes Placeholder 2"/>
+          <p:cNvSpPr>
+            <a:spLocks noGrp="1"/>
+          </p:cNvSpPr>
+          <p:nvPr>
+            <p:ph type="body" idx="1"/>
+          </p:nvPr>
+        </p:nvSpPr>
+        <p:spPr/>
+        <p:txBody>
+          <a:bodyPr/>
+          <a:lstStyle/>
+          <a:p>
+            <a:r>
+              <a:rPr lang="en-US" sz="1200" kern="1200" dirty="0" err="1" smtClean="0">
+                <a:solidFill>
+                  <a:schemeClr val="tx1"/>
+                </a:solidFill>
+                <a:latin typeface="+mn-lt"/>
+                <a:ea typeface="+mn-ea"/>
+                <a:cs typeface="+mn-cs"/>
+              </a:rPr>
+              <a:t>AllocateMachineRoomNearby</a:t>
+            </a:r>
+            <a:r>
+              <a:rPr lang="en-US" sz="1200" kern="1200" dirty="0" smtClean="0">
+                <a:solidFill>
+                  <a:schemeClr val="tx1"/>
+                </a:solidFill>
+                <a:latin typeface="+mn-lt"/>
+                <a:ea typeface="+mn-ea"/>
+                <a:cs typeface="+mn-cs"/>
+              </a:rPr>
+              <a:t> -&gt; </a:t>
+            </a:r>
+            <a:r>
+              <a:rPr lang="en-US" sz="1200" kern="1200" dirty="0" err="1" smtClean="0">
+                <a:solidFill>
+                  <a:schemeClr val="tx1"/>
+                </a:solidFill>
+                <a:latin typeface="+mn-lt"/>
+                <a:ea typeface="+mn-ea"/>
+                <a:cs typeface="+mn-cs"/>
+              </a:rPr>
+              <a:t>AllocateMessageQueueAveragelyByCircle</a:t>
+            </a:r>
+            <a:endParaRPr lang="en-US" dirty="0"/>
+          </a:p>
+        </p:txBody>
+      </p:sp>
+      <p:sp>
+        <p:nvSpPr>
+          <p:cNvPr id="4" name="Slide Number Placeholder 3"/>
+          <p:cNvSpPr>
+            <a:spLocks noGrp="1"/>
+          </p:cNvSpPr>
+          <p:nvPr>
+            <p:ph type="sldNum" sz="quarter" idx="10"/>
+          </p:nvPr>
+        </p:nvSpPr>
+        <p:spPr/>
+        <p:txBody>
+          <a:bodyPr/>
+          <a:lstStyle/>
+          <a:p>
+            <a:fld id="{29F63167-81B7-914B-93E1-A752D06E2A6B}" type="slidenum">
+              <a:rPr lang="en-US" smtClean="0"/>
+              <a:t>3</a:t>
+            </a:fld>
+            <a:endParaRPr lang="en-US"/>
+          </a:p>
+        </p:txBody>
+      </p:sp>
+    </p:spTree>
+    <p:extLst>
+      <p:ext uri="{BB962C8B-B14F-4D97-AF65-F5344CB8AC3E}">
+        <p14:creationId xmlns:p14="http://schemas.microsoft.com/office/powerpoint/2010/main" val="693393168"/>
+      </p:ext>
+    </p:extLst>
+  </p:cSld>
+  <p:clrMapOvr>
+    <a:masterClrMapping/>
+  </p:clrMapOvr>
+</p:notes>
+</file>
+
+<file path=ppt/notesSlides/notesSlide4.xml><?xml version="1.0" encoding="utf-8"?>
+<p:notes xmlns:a="http://schemas.openxmlformats.org/drawingml/2006/main" xmlns:r="http://schemas.openxmlformats.org/officeDocument/2006/relationships" xmlns:p="http://schemas.openxmlformats.org/presentationml/2006/main">
+  <p:cSld>
+    <p:spTree>
+      <p:nvGrpSpPr>
+        <p:cNvPr id="1" name=""/>
+        <p:cNvGrpSpPr/>
+        <p:nvPr/>
+      </p:nvGrpSpPr>
+      <p:grpSpPr>
+        <a:xfrm>
+          <a:off x="0" y="0"/>
+          <a:ext cx="0" cy="0"/>
+          <a:chOff x="0" y="0"/>
+          <a:chExt cx="0" cy="0"/>
+        </a:xfrm>
+      </p:grpSpPr>
+      <p:sp>
+        <p:nvSpPr>
+          <p:cNvPr id="2" name="Slide Image Placeholder 1"/>
+          <p:cNvSpPr>
+            <a:spLocks noGrp="1" noRot="1" noChangeAspect="1"/>
+          </p:cNvSpPr>
+          <p:nvPr>
+            <p:ph type="sldImg"/>
+          </p:nvPr>
+        </p:nvSpPr>
+        <p:spPr/>
+      </p:sp>
+      <p:sp>
+        <p:nvSpPr>
+          <p:cNvPr id="3" name="Notes Placeholder 2"/>
+          <p:cNvSpPr>
+            <a:spLocks noGrp="1"/>
+          </p:cNvSpPr>
+          <p:nvPr>
+            <p:ph type="body" idx="1"/>
+          </p:nvPr>
+        </p:nvSpPr>
+        <p:spPr/>
+        <p:txBody>
+          <a:bodyPr/>
+          <a:lstStyle/>
+          <a:p>
+            <a:r>
+              <a:rPr lang="en-US" sz="1200" kern="1200" dirty="0" err="1" smtClean="0">
+                <a:solidFill>
+                  <a:schemeClr val="tx1"/>
+                </a:solidFill>
+                <a:latin typeface="+mn-lt"/>
+                <a:ea typeface="+mn-ea"/>
+                <a:cs typeface="+mn-cs"/>
+              </a:rPr>
+              <a:t>AllocateMessageQueueByMachineRoom</a:t>
+            </a:r>
+            <a:endParaRPr lang="en-US" dirty="0"/>
+          </a:p>
+        </p:txBody>
+      </p:sp>
+      <p:sp>
+        <p:nvSpPr>
+          <p:cNvPr id="4" name="Slide Number Placeholder 3"/>
+          <p:cNvSpPr>
+            <a:spLocks noGrp="1"/>
+          </p:cNvSpPr>
+          <p:nvPr>
+            <p:ph type="sldNum" sz="quarter" idx="10"/>
+          </p:nvPr>
+        </p:nvSpPr>
+        <p:spPr/>
+        <p:txBody>
+          <a:bodyPr/>
+          <a:lstStyle/>
+          <a:p>
+            <a:fld id="{29F63167-81B7-914B-93E1-A752D06E2A6B}" type="slidenum">
+              <a:rPr lang="en-US" smtClean="0"/>
+              <a:t>4</a:t>
             </a:fld>
             <a:endParaRPr lang="en-US"/>
           </a:p>
@@ -3675,7 +3889,7 @@
           <a:p>
             <a:pPr algn="ctr"/>
             <a:r>
-              <a:rPr lang="en-US" sz="1000" dirty="0" smtClean="0">
+              <a:rPr lang="en-US" sz="1000" b="1" dirty="0" smtClean="0">
                 <a:solidFill>
                   <a:schemeClr val="tx1"/>
                 </a:solidFill>
@@ -3728,7 +3942,7 @@
           <a:p>
             <a:pPr algn="ctr"/>
             <a:r>
-              <a:rPr lang="en-US" sz="1000" dirty="0">
+              <a:rPr lang="en-US" sz="1000" b="1" dirty="0">
                 <a:solidFill>
                   <a:schemeClr val="tx1"/>
                 </a:solidFill>
@@ -3781,14 +3995,14 @@
           <a:p>
             <a:pPr algn="ctr"/>
             <a:r>
-              <a:rPr lang="en-US" sz="1000" dirty="0" smtClean="0">
+              <a:rPr lang="en-US" sz="1000" b="1" dirty="0" smtClean="0">
                 <a:solidFill>
                   <a:schemeClr val="tx1"/>
                 </a:solidFill>
               </a:rPr>
               <a:t>Q3</a:t>
             </a:r>
-            <a:endParaRPr lang="en-US" sz="1000" dirty="0">
+            <a:endParaRPr lang="en-US" sz="1000" b="1" dirty="0">
               <a:solidFill>
                 <a:schemeClr val="tx1"/>
               </a:solidFill>
@@ -3839,7 +4053,7 @@
           <a:p>
             <a:pPr algn="ctr"/>
             <a:r>
-              <a:rPr lang="en-US" sz="1000" dirty="0">
+              <a:rPr lang="en-US" sz="1000" b="1" dirty="0">
                 <a:solidFill>
                   <a:schemeClr val="tx1"/>
                 </a:solidFill>
@@ -3847,7 +4061,7 @@
               <a:t>C</a:t>
             </a:r>
             <a:r>
-              <a:rPr lang="en-US" sz="1000" dirty="0" smtClean="0">
+              <a:rPr lang="en-US" sz="1000" b="1" dirty="0" smtClean="0">
                 <a:solidFill>
                   <a:schemeClr val="tx1"/>
                 </a:solidFill>
@@ -3900,14 +4114,14 @@
           <a:p>
             <a:pPr algn="ctr"/>
             <a:r>
-              <a:rPr lang="en-US" sz="1000" dirty="0" smtClean="0">
+              <a:rPr lang="en-US" sz="1000" b="1" dirty="0" smtClean="0">
                 <a:solidFill>
                   <a:schemeClr val="tx1"/>
                 </a:solidFill>
               </a:rPr>
               <a:t>C2</a:t>
             </a:r>
-            <a:endParaRPr lang="en-US" sz="1000" dirty="0">
+            <a:endParaRPr lang="en-US" sz="1000" b="1" dirty="0">
               <a:solidFill>
                 <a:schemeClr val="tx1"/>
               </a:solidFill>
@@ -3958,14 +4172,14 @@
           <a:p>
             <a:pPr algn="ctr"/>
             <a:r>
-              <a:rPr lang="en-US" sz="1000" dirty="0" smtClean="0">
+              <a:rPr lang="en-US" sz="1000" b="1" dirty="0" smtClean="0">
                 <a:solidFill>
                   <a:schemeClr val="tx1"/>
                 </a:solidFill>
               </a:rPr>
               <a:t>C3</a:t>
             </a:r>
-            <a:endParaRPr lang="en-US" sz="1000" dirty="0">
+            <a:endParaRPr lang="en-US" sz="1000" b="1" dirty="0">
               <a:solidFill>
                 <a:schemeClr val="tx1"/>
               </a:solidFill>
@@ -4204,7 +4418,7 @@
           <a:p>
             <a:pPr algn="ctr"/>
             <a:r>
-              <a:rPr lang="en-US" sz="1000" dirty="0" smtClean="0">
+              <a:rPr lang="en-US" sz="1000" b="1" dirty="0" smtClean="0">
                 <a:solidFill>
                   <a:schemeClr val="tx1"/>
                 </a:solidFill>
@@ -4257,7 +4471,7 @@
           <a:p>
             <a:pPr algn="ctr"/>
             <a:r>
-              <a:rPr lang="en-US" sz="1000" dirty="0">
+              <a:rPr lang="en-US" sz="1000" b="1" dirty="0">
                 <a:solidFill>
                   <a:schemeClr val="tx1"/>
                 </a:solidFill>
@@ -4310,14 +4524,14 @@
           <a:p>
             <a:pPr algn="ctr"/>
             <a:r>
-              <a:rPr lang="en-US" sz="1000" dirty="0" smtClean="0">
+              <a:rPr lang="en-US" sz="1000" b="1" dirty="0" smtClean="0">
                 <a:solidFill>
                   <a:schemeClr val="tx1"/>
                 </a:solidFill>
               </a:rPr>
               <a:t>Q3</a:t>
             </a:r>
-            <a:endParaRPr lang="en-US" sz="1000" dirty="0">
+            <a:endParaRPr lang="en-US" sz="1000" b="1" dirty="0">
               <a:solidFill>
                 <a:schemeClr val="tx1"/>
               </a:solidFill>
@@ -4368,14 +4582,14 @@
           <a:p>
             <a:pPr algn="ctr"/>
             <a:r>
-              <a:rPr lang="en-US" sz="1000" dirty="0" smtClean="0">
+              <a:rPr lang="en-US" sz="1000" b="1" dirty="0" smtClean="0">
                 <a:solidFill>
                   <a:schemeClr val="tx1"/>
                 </a:solidFill>
               </a:rPr>
               <a:t>Q4</a:t>
             </a:r>
-            <a:endParaRPr lang="en-US" sz="1000" dirty="0">
+            <a:endParaRPr lang="en-US" sz="1000" b="1" dirty="0">
               <a:solidFill>
                 <a:schemeClr val="tx1"/>
               </a:solidFill>
@@ -4426,14 +4640,14 @@
           <a:p>
             <a:pPr algn="ctr"/>
             <a:r>
-              <a:rPr lang="en-US" sz="1000" dirty="0" smtClean="0">
+              <a:rPr lang="en-US" sz="1000" b="1" dirty="0" smtClean="0">
                 <a:solidFill>
                   <a:schemeClr val="tx1"/>
                 </a:solidFill>
               </a:rPr>
               <a:t>Q5</a:t>
             </a:r>
-            <a:endParaRPr lang="en-US" sz="1000" dirty="0">
+            <a:endParaRPr lang="en-US" sz="1000" b="1" dirty="0">
               <a:solidFill>
                 <a:schemeClr val="tx1"/>
               </a:solidFill>
@@ -4484,14 +4698,14 @@
           <a:p>
             <a:pPr algn="ctr"/>
             <a:r>
-              <a:rPr lang="en-US" sz="1000" dirty="0" smtClean="0">
+              <a:rPr lang="en-US" sz="1000" b="1" dirty="0" smtClean="0">
                 <a:solidFill>
                   <a:schemeClr val="tx1"/>
                 </a:solidFill>
               </a:rPr>
               <a:t>Q6</a:t>
             </a:r>
-            <a:endParaRPr lang="en-US" sz="1000" dirty="0">
+            <a:endParaRPr lang="en-US" sz="1000" b="1" dirty="0">
               <a:solidFill>
                 <a:schemeClr val="tx1"/>
               </a:solidFill>
@@ -4542,14 +4756,14 @@
           <a:p>
             <a:pPr algn="ctr"/>
             <a:r>
-              <a:rPr lang="en-US" sz="1000" dirty="0" smtClean="0">
+              <a:rPr lang="en-US" sz="1000" b="1" dirty="0" smtClean="0">
                 <a:solidFill>
                   <a:schemeClr val="tx1"/>
                 </a:solidFill>
               </a:rPr>
               <a:t>Q7</a:t>
             </a:r>
-            <a:endParaRPr lang="en-US" sz="1000" dirty="0">
+            <a:endParaRPr lang="en-US" sz="1000" b="1" dirty="0">
               <a:solidFill>
                 <a:schemeClr val="tx1"/>
               </a:solidFill>
@@ -4600,7 +4814,7 @@
           <a:p>
             <a:pPr algn="ctr"/>
             <a:r>
-              <a:rPr lang="en-US" sz="1000" dirty="0">
+              <a:rPr lang="en-US" sz="1000" b="1" dirty="0">
                 <a:solidFill>
                   <a:schemeClr val="tx1"/>
                 </a:solidFill>
@@ -4608,7 +4822,7 @@
               <a:t>C</a:t>
             </a:r>
             <a:r>
-              <a:rPr lang="en-US" sz="1000" dirty="0" smtClean="0">
+              <a:rPr lang="en-US" sz="1000" b="1" dirty="0" smtClean="0">
                 <a:solidFill>
                   <a:schemeClr val="tx1"/>
                 </a:solidFill>
@@ -4661,14 +4875,14 @@
           <a:p>
             <a:pPr algn="ctr"/>
             <a:r>
-              <a:rPr lang="en-US" sz="1000" dirty="0" smtClean="0">
+              <a:rPr lang="en-US" sz="1000" b="1" dirty="0" smtClean="0">
                 <a:solidFill>
                   <a:schemeClr val="tx1"/>
                 </a:solidFill>
               </a:rPr>
               <a:t>C2</a:t>
             </a:r>
-            <a:endParaRPr lang="en-US" sz="1000" dirty="0">
+            <a:endParaRPr lang="en-US" sz="1000" b="1" dirty="0">
               <a:solidFill>
                 <a:schemeClr val="tx1"/>
               </a:solidFill>
@@ -4719,14 +4933,14 @@
           <a:p>
             <a:pPr algn="ctr"/>
             <a:r>
-              <a:rPr lang="en-US" sz="1000" dirty="0" smtClean="0">
+              <a:rPr lang="en-US" sz="1000" b="1" dirty="0" smtClean="0">
                 <a:solidFill>
                   <a:schemeClr val="tx1"/>
                 </a:solidFill>
               </a:rPr>
               <a:t>C3</a:t>
             </a:r>
-            <a:endParaRPr lang="en-US" sz="1000" dirty="0">
+            <a:endParaRPr lang="en-US" sz="1000" b="1" dirty="0">
               <a:solidFill>
                 <a:schemeClr val="tx1"/>
               </a:solidFill>
@@ -4903,14 +5117,14 @@
           <a:p>
             <a:pPr algn="ctr"/>
             <a:r>
-              <a:rPr lang="en-US" sz="1000" dirty="0" smtClean="0">
+              <a:rPr lang="en-US" sz="1000" b="1" dirty="0" smtClean="0">
                 <a:solidFill>
                   <a:schemeClr val="tx1"/>
                 </a:solidFill>
               </a:rPr>
               <a:t>C4</a:t>
             </a:r>
-            <a:endParaRPr lang="en-US" sz="1000" dirty="0">
+            <a:endParaRPr lang="en-US" sz="1000" b="1" dirty="0">
               <a:solidFill>
                 <a:schemeClr val="tx1"/>
               </a:solidFill>
@@ -4961,14 +5175,14 @@
           <a:p>
             <a:pPr algn="ctr"/>
             <a:r>
-              <a:rPr lang="en-US" sz="1000" dirty="0" smtClean="0">
+              <a:rPr lang="en-US" sz="1000" b="1" dirty="0" smtClean="0">
                 <a:solidFill>
                   <a:schemeClr val="tx1"/>
                 </a:solidFill>
               </a:rPr>
               <a:t>C5</a:t>
             </a:r>
-            <a:endParaRPr lang="en-US" sz="1000" dirty="0">
+            <a:endParaRPr lang="en-US" sz="1000" b="1" dirty="0">
               <a:solidFill>
                 <a:schemeClr val="tx1"/>
               </a:solidFill>
@@ -5019,14 +5233,14 @@
           <a:p>
             <a:pPr algn="ctr"/>
             <a:r>
-              <a:rPr lang="en-US" sz="1000" dirty="0" smtClean="0">
+              <a:rPr lang="en-US" sz="1000" b="1" dirty="0" smtClean="0">
                 <a:solidFill>
                   <a:schemeClr val="tx1"/>
                 </a:solidFill>
               </a:rPr>
               <a:t>C6</a:t>
             </a:r>
-            <a:endParaRPr lang="en-US" sz="1000" dirty="0">
+            <a:endParaRPr lang="en-US" sz="1000" b="1" dirty="0">
               <a:solidFill>
                 <a:schemeClr val="tx1"/>
               </a:solidFill>
@@ -5077,14 +5291,14 @@
           <a:p>
             <a:pPr algn="ctr"/>
             <a:r>
-              <a:rPr lang="en-US" sz="1000" dirty="0" smtClean="0">
+              <a:rPr lang="en-US" sz="1000" b="1" dirty="0" smtClean="0">
                 <a:solidFill>
                   <a:schemeClr val="tx1"/>
                 </a:solidFill>
               </a:rPr>
               <a:t>C7</a:t>
             </a:r>
-            <a:endParaRPr lang="en-US" sz="1000" dirty="0">
+            <a:endParaRPr lang="en-US" sz="1000" b="1" dirty="0">
               <a:solidFill>
                 <a:schemeClr val="tx1"/>
               </a:solidFill>
@@ -5260,6 +5474,68 @@
           </a:fontRef>
         </p:style>
       </p:cxnSp>
+      <p:sp>
+        <p:nvSpPr>
+          <p:cNvPr id="60" name="TextBox 59"/>
+          <p:cNvSpPr txBox="1"/>
+          <p:nvPr/>
+        </p:nvSpPr>
+        <p:spPr>
+          <a:xfrm>
+            <a:off x="2766348" y="3918240"/>
+            <a:ext cx="1338828" cy="246221"/>
+          </a:xfrm>
+          <a:prstGeom prst="rect">
+            <a:avLst/>
+          </a:prstGeom>
+          <a:noFill/>
+        </p:spPr>
+        <p:txBody>
+          <a:bodyPr wrap="none" rtlCol="0">
+            <a:spAutoFit/>
+          </a:bodyPr>
+          <a:lstStyle/>
+          <a:p>
+            <a:pPr algn="r"/>
+            <a:r>
+              <a:rPr lang="en-US" sz="1000" dirty="0" smtClean="0"/>
+              <a:t>消息队列小于消费者</a:t>
+            </a:r>
+            <a:endParaRPr lang="en-US" sz="1000" dirty="0"/>
+          </a:p>
+        </p:txBody>
+      </p:sp>
+      <p:sp>
+        <p:nvSpPr>
+          <p:cNvPr id="61" name="TextBox 60"/>
+          <p:cNvSpPr txBox="1"/>
+          <p:nvPr/>
+        </p:nvSpPr>
+        <p:spPr>
+          <a:xfrm>
+            <a:off x="5631779" y="3909773"/>
+            <a:ext cx="1339392" cy="246221"/>
+          </a:xfrm>
+          <a:prstGeom prst="rect">
+            <a:avLst/>
+          </a:prstGeom>
+          <a:noFill/>
+        </p:spPr>
+        <p:txBody>
+          <a:bodyPr wrap="none" rtlCol="0">
+            <a:spAutoFit/>
+          </a:bodyPr>
+          <a:lstStyle/>
+          <a:p>
+            <a:pPr algn="r"/>
+            <a:r>
+              <a:rPr lang="en-US" sz="1000" dirty="0" smtClean="0"/>
+              <a:t>消息队列大于消费者</a:t>
+            </a:r>
+            <a:endParaRPr lang="en-US" sz="1000" dirty="0"/>
+          </a:p>
+        </p:txBody>
+      </p:sp>
     </p:spTree>
     <p:extLst>
       <p:ext uri="{BB962C8B-B14F-4D97-AF65-F5344CB8AC3E}">
@@ -5333,7 +5609,7 @@
           <a:p>
             <a:pPr algn="ctr"/>
             <a:r>
-              <a:rPr lang="en-US" sz="1000" dirty="0" smtClean="0">
+              <a:rPr lang="en-US" sz="1000" b="1" dirty="0" smtClean="0">
                 <a:solidFill>
                   <a:schemeClr val="tx1"/>
                 </a:solidFill>
@@ -5386,7 +5662,7 @@
           <a:p>
             <a:pPr algn="ctr"/>
             <a:r>
-              <a:rPr lang="en-US" sz="1000" dirty="0">
+              <a:rPr lang="en-US" sz="1000" b="1" dirty="0">
                 <a:solidFill>
                   <a:schemeClr val="tx1"/>
                 </a:solidFill>
@@ -5439,14 +5715,14 @@
           <a:p>
             <a:pPr algn="ctr"/>
             <a:r>
-              <a:rPr lang="en-US" sz="1000" dirty="0" smtClean="0">
+              <a:rPr lang="en-US" sz="1000" b="1" dirty="0" smtClean="0">
                 <a:solidFill>
                   <a:schemeClr val="tx1"/>
                 </a:solidFill>
               </a:rPr>
               <a:t>Q3</a:t>
             </a:r>
-            <a:endParaRPr lang="en-US" sz="1000" dirty="0">
+            <a:endParaRPr lang="en-US" sz="1000" b="1" dirty="0">
               <a:solidFill>
                 <a:schemeClr val="tx1"/>
               </a:solidFill>
@@ -5497,7 +5773,7 @@
           <a:p>
             <a:pPr algn="ctr"/>
             <a:r>
-              <a:rPr lang="en-US" sz="1000" dirty="0">
+              <a:rPr lang="en-US" sz="1000" b="1" dirty="0">
                 <a:solidFill>
                   <a:schemeClr val="tx1"/>
                 </a:solidFill>
@@ -5505,7 +5781,7 @@
               <a:t>C</a:t>
             </a:r>
             <a:r>
-              <a:rPr lang="en-US" sz="1000" dirty="0" smtClean="0">
+              <a:rPr lang="en-US" sz="1000" b="1" dirty="0" smtClean="0">
                 <a:solidFill>
                   <a:schemeClr val="tx1"/>
                 </a:solidFill>
@@ -5558,14 +5834,14 @@
           <a:p>
             <a:pPr algn="ctr"/>
             <a:r>
-              <a:rPr lang="en-US" sz="1000" dirty="0" smtClean="0">
+              <a:rPr lang="en-US" sz="1000" b="1" dirty="0" smtClean="0">
                 <a:solidFill>
                   <a:schemeClr val="tx1"/>
                 </a:solidFill>
               </a:rPr>
               <a:t>C2</a:t>
             </a:r>
-            <a:endParaRPr lang="en-US" sz="1000" dirty="0">
+            <a:endParaRPr lang="en-US" sz="1000" b="1" dirty="0">
               <a:solidFill>
                 <a:schemeClr val="tx1"/>
               </a:solidFill>
@@ -5616,14 +5892,14 @@
           <a:p>
             <a:pPr algn="ctr"/>
             <a:r>
-              <a:rPr lang="en-US" sz="1000" dirty="0" smtClean="0">
+              <a:rPr lang="en-US" sz="1000" b="1" dirty="0" smtClean="0">
                 <a:solidFill>
                   <a:schemeClr val="tx1"/>
                 </a:solidFill>
               </a:rPr>
               <a:t>C3</a:t>
             </a:r>
-            <a:endParaRPr lang="en-US" sz="1000" dirty="0">
+            <a:endParaRPr lang="en-US" sz="1000" b="1" dirty="0">
               <a:solidFill>
                 <a:schemeClr val="tx1"/>
               </a:solidFill>
@@ -5862,7 +6138,7 @@
           <a:p>
             <a:pPr algn="ctr"/>
             <a:r>
-              <a:rPr lang="en-US" sz="1000" dirty="0" smtClean="0">
+              <a:rPr lang="en-US" sz="1000" b="1" dirty="0" smtClean="0">
                 <a:solidFill>
                   <a:schemeClr val="tx1"/>
                 </a:solidFill>
@@ -5915,7 +6191,7 @@
           <a:p>
             <a:pPr algn="ctr"/>
             <a:r>
-              <a:rPr lang="en-US" sz="1000" dirty="0">
+              <a:rPr lang="en-US" sz="1000" b="1" dirty="0">
                 <a:solidFill>
                   <a:schemeClr val="tx1"/>
                 </a:solidFill>
@@ -5968,14 +6244,14 @@
           <a:p>
             <a:pPr algn="ctr"/>
             <a:r>
-              <a:rPr lang="en-US" sz="1000" dirty="0" smtClean="0">
+              <a:rPr lang="en-US" sz="1000" b="1" dirty="0" smtClean="0">
                 <a:solidFill>
                   <a:schemeClr val="tx1"/>
                 </a:solidFill>
               </a:rPr>
               <a:t>Q3</a:t>
             </a:r>
-            <a:endParaRPr lang="en-US" sz="1000" dirty="0">
+            <a:endParaRPr lang="en-US" sz="1000" b="1" dirty="0">
               <a:solidFill>
                 <a:schemeClr val="tx1"/>
               </a:solidFill>
@@ -6026,14 +6302,14 @@
           <a:p>
             <a:pPr algn="ctr"/>
             <a:r>
-              <a:rPr lang="en-US" sz="1000" dirty="0" smtClean="0">
+              <a:rPr lang="en-US" sz="1000" b="1" dirty="0" smtClean="0">
                 <a:solidFill>
                   <a:schemeClr val="tx1"/>
                 </a:solidFill>
               </a:rPr>
               <a:t>Q4</a:t>
             </a:r>
-            <a:endParaRPr lang="en-US" sz="1000" dirty="0">
+            <a:endParaRPr lang="en-US" sz="1000" b="1" dirty="0">
               <a:solidFill>
                 <a:schemeClr val="tx1"/>
               </a:solidFill>
@@ -6084,14 +6360,14 @@
           <a:p>
             <a:pPr algn="ctr"/>
             <a:r>
-              <a:rPr lang="en-US" sz="1000" dirty="0" smtClean="0">
+              <a:rPr lang="en-US" sz="1000" b="1" dirty="0" smtClean="0">
                 <a:solidFill>
                   <a:schemeClr val="tx1"/>
                 </a:solidFill>
               </a:rPr>
               <a:t>Q5</a:t>
             </a:r>
-            <a:endParaRPr lang="en-US" sz="1000" dirty="0">
+            <a:endParaRPr lang="en-US" sz="1000" b="1" dirty="0">
               <a:solidFill>
                 <a:schemeClr val="tx1"/>
               </a:solidFill>
@@ -6142,14 +6418,14 @@
           <a:p>
             <a:pPr algn="ctr"/>
             <a:r>
-              <a:rPr lang="en-US" sz="1000" dirty="0" smtClean="0">
+              <a:rPr lang="en-US" sz="1000" b="1" dirty="0" smtClean="0">
                 <a:solidFill>
                   <a:schemeClr val="tx1"/>
                 </a:solidFill>
               </a:rPr>
               <a:t>Q6</a:t>
             </a:r>
-            <a:endParaRPr lang="en-US" sz="1000" dirty="0">
+            <a:endParaRPr lang="en-US" sz="1000" b="1" dirty="0">
               <a:solidFill>
                 <a:schemeClr val="tx1"/>
               </a:solidFill>
@@ -6200,14 +6476,14 @@
           <a:p>
             <a:pPr algn="ctr"/>
             <a:r>
-              <a:rPr lang="en-US" sz="1000" dirty="0" smtClean="0">
+              <a:rPr lang="en-US" sz="1000" b="1" dirty="0" smtClean="0">
                 <a:solidFill>
                   <a:schemeClr val="tx1"/>
                 </a:solidFill>
               </a:rPr>
               <a:t>Q7</a:t>
             </a:r>
-            <a:endParaRPr lang="en-US" sz="1000" dirty="0">
+            <a:endParaRPr lang="en-US" sz="1000" b="1" dirty="0">
               <a:solidFill>
                 <a:schemeClr val="tx1"/>
               </a:solidFill>
@@ -6258,7 +6534,7 @@
           <a:p>
             <a:pPr algn="ctr"/>
             <a:r>
-              <a:rPr lang="en-US" sz="1000" dirty="0">
+              <a:rPr lang="en-US" sz="1000" b="1" dirty="0">
                 <a:solidFill>
                   <a:schemeClr val="tx1"/>
                 </a:solidFill>
@@ -6266,7 +6542,7 @@
               <a:t>C</a:t>
             </a:r>
             <a:r>
-              <a:rPr lang="en-US" sz="1000" dirty="0" smtClean="0">
+              <a:rPr lang="en-US" sz="1000" b="1" dirty="0" smtClean="0">
                 <a:solidFill>
                   <a:schemeClr val="tx1"/>
                 </a:solidFill>
@@ -6319,14 +6595,14 @@
           <a:p>
             <a:pPr algn="ctr"/>
             <a:r>
-              <a:rPr lang="en-US" sz="1000" dirty="0" smtClean="0">
+              <a:rPr lang="en-US" sz="1000" b="1" dirty="0" smtClean="0">
                 <a:solidFill>
                   <a:schemeClr val="tx1"/>
                 </a:solidFill>
               </a:rPr>
               <a:t>C2</a:t>
             </a:r>
-            <a:endParaRPr lang="en-US" sz="1000" dirty="0">
+            <a:endParaRPr lang="en-US" sz="1000" b="1" dirty="0">
               <a:solidFill>
                 <a:schemeClr val="tx1"/>
               </a:solidFill>
@@ -6377,14 +6653,14 @@
           <a:p>
             <a:pPr algn="ctr"/>
             <a:r>
-              <a:rPr lang="en-US" sz="1000" dirty="0" smtClean="0">
+              <a:rPr lang="en-US" sz="1000" b="1" dirty="0" smtClean="0">
                 <a:solidFill>
                   <a:schemeClr val="tx1"/>
                 </a:solidFill>
               </a:rPr>
               <a:t>C3</a:t>
             </a:r>
-            <a:endParaRPr lang="en-US" sz="1000" dirty="0">
+            <a:endParaRPr lang="en-US" sz="1000" b="1" dirty="0">
               <a:solidFill>
                 <a:schemeClr val="tx1"/>
               </a:solidFill>
@@ -6561,14 +6837,14 @@
           <a:p>
             <a:pPr algn="ctr"/>
             <a:r>
-              <a:rPr lang="en-US" sz="1000" dirty="0" smtClean="0">
+              <a:rPr lang="en-US" sz="1000" b="1" dirty="0" smtClean="0">
                 <a:solidFill>
                   <a:schemeClr val="tx1"/>
                 </a:solidFill>
               </a:rPr>
               <a:t>C4</a:t>
             </a:r>
-            <a:endParaRPr lang="en-US" sz="1000" dirty="0">
+            <a:endParaRPr lang="en-US" sz="1000" b="1" dirty="0">
               <a:solidFill>
                 <a:schemeClr val="tx1"/>
               </a:solidFill>
@@ -6619,14 +6895,14 @@
           <a:p>
             <a:pPr algn="ctr"/>
             <a:r>
-              <a:rPr lang="en-US" sz="1000" dirty="0" smtClean="0">
+              <a:rPr lang="en-US" sz="1000" b="1" dirty="0" smtClean="0">
                 <a:solidFill>
                   <a:schemeClr val="tx1"/>
                 </a:solidFill>
               </a:rPr>
               <a:t>C5</a:t>
             </a:r>
-            <a:endParaRPr lang="en-US" sz="1000" dirty="0">
+            <a:endParaRPr lang="en-US" sz="1000" b="1" dirty="0">
               <a:solidFill>
                 <a:schemeClr val="tx1"/>
               </a:solidFill>
@@ -6677,14 +6953,14 @@
           <a:p>
             <a:pPr algn="ctr"/>
             <a:r>
-              <a:rPr lang="en-US" sz="1000" dirty="0" smtClean="0">
+              <a:rPr lang="en-US" sz="1000" b="1" dirty="0" smtClean="0">
                 <a:solidFill>
                   <a:schemeClr val="tx1"/>
                 </a:solidFill>
               </a:rPr>
               <a:t>C6</a:t>
             </a:r>
-            <a:endParaRPr lang="en-US" sz="1000" dirty="0">
+            <a:endParaRPr lang="en-US" sz="1000" b="1" dirty="0">
               <a:solidFill>
                 <a:schemeClr val="tx1"/>
               </a:solidFill>
@@ -6735,14 +7011,14 @@
           <a:p>
             <a:pPr algn="ctr"/>
             <a:r>
-              <a:rPr lang="en-US" sz="1000" dirty="0" smtClean="0">
+              <a:rPr lang="en-US" sz="1000" b="1" dirty="0" smtClean="0">
                 <a:solidFill>
                   <a:schemeClr val="tx1"/>
                 </a:solidFill>
               </a:rPr>
               <a:t>C7</a:t>
             </a:r>
-            <a:endParaRPr lang="en-US" sz="1000" dirty="0">
+            <a:endParaRPr lang="en-US" sz="1000" b="1" dirty="0">
               <a:solidFill>
                 <a:schemeClr val="tx1"/>
               </a:solidFill>
@@ -6918,10 +7194,7525 @@
           </a:fontRef>
         </p:style>
       </p:cxnSp>
+      <p:sp>
+        <p:nvSpPr>
+          <p:cNvPr id="44" name="TextBox 43"/>
+          <p:cNvSpPr txBox="1"/>
+          <p:nvPr/>
+        </p:nvSpPr>
+        <p:spPr>
+          <a:xfrm>
+            <a:off x="2766348" y="3918240"/>
+            <a:ext cx="1338828" cy="246221"/>
+          </a:xfrm>
+          <a:prstGeom prst="rect">
+            <a:avLst/>
+          </a:prstGeom>
+          <a:noFill/>
+        </p:spPr>
+        <p:txBody>
+          <a:bodyPr wrap="none" rtlCol="0">
+            <a:spAutoFit/>
+          </a:bodyPr>
+          <a:lstStyle/>
+          <a:p>
+            <a:pPr algn="r"/>
+            <a:r>
+              <a:rPr lang="en-US" sz="1000" dirty="0" smtClean="0"/>
+              <a:t>消息队列小于消费者</a:t>
+            </a:r>
+            <a:endParaRPr lang="en-US" sz="1000" dirty="0"/>
+          </a:p>
+        </p:txBody>
+      </p:sp>
+      <p:sp>
+        <p:nvSpPr>
+          <p:cNvPr id="45" name="TextBox 44"/>
+          <p:cNvSpPr txBox="1"/>
+          <p:nvPr/>
+        </p:nvSpPr>
+        <p:spPr>
+          <a:xfrm>
+            <a:off x="5631779" y="3909773"/>
+            <a:ext cx="1339392" cy="246221"/>
+          </a:xfrm>
+          <a:prstGeom prst="rect">
+            <a:avLst/>
+          </a:prstGeom>
+          <a:noFill/>
+        </p:spPr>
+        <p:txBody>
+          <a:bodyPr wrap="none" rtlCol="0">
+            <a:spAutoFit/>
+          </a:bodyPr>
+          <a:lstStyle/>
+          <a:p>
+            <a:pPr algn="r"/>
+            <a:r>
+              <a:rPr lang="en-US" sz="1000" dirty="0" smtClean="0"/>
+              <a:t>消息队列大于消费者</a:t>
+            </a:r>
+            <a:endParaRPr lang="en-US" sz="1000" dirty="0"/>
+          </a:p>
+        </p:txBody>
+      </p:sp>
     </p:spTree>
     <p:extLst>
       <p:ext uri="{BB962C8B-B14F-4D97-AF65-F5344CB8AC3E}">
         <p14:creationId xmlns:p14="http://schemas.microsoft.com/office/powerpoint/2010/main" val="1369369973"/>
+      </p:ext>
+    </p:extLst>
+  </p:cSld>
+  <p:clrMapOvr>
+    <a:masterClrMapping/>
+  </p:clrMapOvr>
+</p:sld>
+</file>
+
+<file path=ppt/slides/slide3.xml><?xml version="1.0" encoding="utf-8"?>
+<p:sld xmlns:a="http://schemas.openxmlformats.org/drawingml/2006/main" xmlns:r="http://schemas.openxmlformats.org/officeDocument/2006/relationships" xmlns:p="http://schemas.openxmlformats.org/presentationml/2006/main">
+  <p:cSld>
+    <p:spTree>
+      <p:nvGrpSpPr>
+        <p:cNvPr id="1" name=""/>
+        <p:cNvGrpSpPr/>
+        <p:nvPr/>
+      </p:nvGrpSpPr>
+      <p:grpSpPr>
+        <a:xfrm>
+          <a:off x="0" y="0"/>
+          <a:ext cx="0" cy="0"/>
+          <a:chOff x="0" y="0"/>
+          <a:chExt cx="0" cy="0"/>
+        </a:xfrm>
+      </p:grpSpPr>
+      <p:sp>
+        <p:nvSpPr>
+          <p:cNvPr id="4" name="Rectangle 3"/>
+          <p:cNvSpPr/>
+          <p:nvPr/>
+        </p:nvSpPr>
+        <p:spPr>
+          <a:xfrm>
+            <a:off x="2013337" y="2081656"/>
+            <a:ext cx="279401" cy="330200"/>
+          </a:xfrm>
+          <a:prstGeom prst="rect">
+            <a:avLst/>
+          </a:prstGeom>
+          <a:solidFill>
+            <a:srgbClr val="21FF06">
+              <a:alpha val="70000"/>
+            </a:srgbClr>
+          </a:solidFill>
+          <a:ln>
+            <a:noFill/>
+          </a:ln>
+        </p:spPr>
+        <p:style>
+          <a:lnRef idx="1">
+            <a:schemeClr val="accent1"/>
+          </a:lnRef>
+          <a:fillRef idx="3">
+            <a:schemeClr val="accent1"/>
+          </a:fillRef>
+          <a:effectRef idx="2">
+            <a:schemeClr val="accent1"/>
+          </a:effectRef>
+          <a:fontRef idx="minor">
+            <a:schemeClr val="lt1"/>
+          </a:fontRef>
+        </p:style>
+        <p:txBody>
+          <a:bodyPr lIns="0" tIns="0" rIns="0" bIns="0" rtlCol="0" anchor="ctr"/>
+          <a:lstStyle/>
+          <a:p>
+            <a:pPr algn="ctr"/>
+            <a:r>
+              <a:rPr lang="en-US" sz="1000" dirty="0" smtClean="0">
+                <a:solidFill>
+                  <a:schemeClr val="tx1"/>
+                </a:solidFill>
+              </a:rPr>
+              <a:t>Q1</a:t>
+            </a:r>
+          </a:p>
+        </p:txBody>
+      </p:sp>
+      <p:sp>
+        <p:nvSpPr>
+          <p:cNvPr id="6" name="Rectangle 5"/>
+          <p:cNvSpPr/>
+          <p:nvPr/>
+        </p:nvSpPr>
+        <p:spPr>
+          <a:xfrm>
+            <a:off x="2377402" y="2081656"/>
+            <a:ext cx="279401" cy="330200"/>
+          </a:xfrm>
+          <a:prstGeom prst="rect">
+            <a:avLst/>
+          </a:prstGeom>
+          <a:solidFill>
+            <a:srgbClr val="21FF06">
+              <a:alpha val="70000"/>
+            </a:srgbClr>
+          </a:solidFill>
+          <a:ln>
+            <a:noFill/>
+          </a:ln>
+        </p:spPr>
+        <p:style>
+          <a:lnRef idx="1">
+            <a:schemeClr val="accent1"/>
+          </a:lnRef>
+          <a:fillRef idx="3">
+            <a:schemeClr val="accent1"/>
+          </a:fillRef>
+          <a:effectRef idx="2">
+            <a:schemeClr val="accent1"/>
+          </a:effectRef>
+          <a:fontRef idx="minor">
+            <a:schemeClr val="lt1"/>
+          </a:fontRef>
+        </p:style>
+        <p:txBody>
+          <a:bodyPr lIns="0" tIns="0" rIns="0" bIns="0" rtlCol="0" anchor="ctr"/>
+          <a:lstStyle/>
+          <a:p>
+            <a:pPr algn="ctr"/>
+            <a:r>
+              <a:rPr lang="en-US" sz="1000" dirty="0">
+                <a:solidFill>
+                  <a:schemeClr val="tx1"/>
+                </a:solidFill>
+              </a:rPr>
+              <a:t>Q2</a:t>
+            </a:r>
+          </a:p>
+        </p:txBody>
+      </p:sp>
+      <p:sp>
+        <p:nvSpPr>
+          <p:cNvPr id="7" name="Rectangle 6"/>
+          <p:cNvSpPr/>
+          <p:nvPr/>
+        </p:nvSpPr>
+        <p:spPr>
+          <a:xfrm>
+            <a:off x="2741468" y="2081656"/>
+            <a:ext cx="279401" cy="330200"/>
+          </a:xfrm>
+          <a:prstGeom prst="rect">
+            <a:avLst/>
+          </a:prstGeom>
+          <a:solidFill>
+            <a:srgbClr val="21FF06">
+              <a:alpha val="70000"/>
+            </a:srgbClr>
+          </a:solidFill>
+          <a:ln>
+            <a:noFill/>
+          </a:ln>
+        </p:spPr>
+        <p:style>
+          <a:lnRef idx="1">
+            <a:schemeClr val="accent1"/>
+          </a:lnRef>
+          <a:fillRef idx="3">
+            <a:schemeClr val="accent1"/>
+          </a:fillRef>
+          <a:effectRef idx="2">
+            <a:schemeClr val="accent1"/>
+          </a:effectRef>
+          <a:fontRef idx="minor">
+            <a:schemeClr val="lt1"/>
+          </a:fontRef>
+        </p:style>
+        <p:txBody>
+          <a:bodyPr lIns="0" tIns="0" rIns="0" bIns="0" rtlCol="0" anchor="ctr"/>
+          <a:lstStyle/>
+          <a:p>
+            <a:pPr algn="ctr"/>
+            <a:r>
+              <a:rPr lang="en-US" sz="1000" dirty="0" smtClean="0">
+                <a:solidFill>
+                  <a:schemeClr val="tx1"/>
+                </a:solidFill>
+              </a:rPr>
+              <a:t>Q3</a:t>
+            </a:r>
+            <a:endParaRPr lang="en-US" sz="1000" dirty="0">
+              <a:solidFill>
+                <a:schemeClr val="tx1"/>
+              </a:solidFill>
+            </a:endParaRPr>
+          </a:p>
+        </p:txBody>
+      </p:sp>
+      <p:sp>
+        <p:nvSpPr>
+          <p:cNvPr id="13" name="Rectangle 12"/>
+          <p:cNvSpPr/>
+          <p:nvPr/>
+        </p:nvSpPr>
+        <p:spPr>
+          <a:xfrm>
+            <a:off x="2013337" y="2818256"/>
+            <a:ext cx="279401" cy="330200"/>
+          </a:xfrm>
+          <a:prstGeom prst="rect">
+            <a:avLst/>
+          </a:prstGeom>
+          <a:solidFill>
+            <a:srgbClr val="CC66FF">
+              <a:alpha val="70000"/>
+            </a:srgbClr>
+          </a:solidFill>
+          <a:ln>
+            <a:noFill/>
+          </a:ln>
+        </p:spPr>
+        <p:style>
+          <a:lnRef idx="1">
+            <a:schemeClr val="accent1"/>
+          </a:lnRef>
+          <a:fillRef idx="3">
+            <a:schemeClr val="accent1"/>
+          </a:fillRef>
+          <a:effectRef idx="2">
+            <a:schemeClr val="accent1"/>
+          </a:effectRef>
+          <a:fontRef idx="minor">
+            <a:schemeClr val="lt1"/>
+          </a:fontRef>
+        </p:style>
+        <p:txBody>
+          <a:bodyPr lIns="0" tIns="0" rIns="0" bIns="0" rtlCol="0" anchor="ctr"/>
+          <a:lstStyle/>
+          <a:p>
+            <a:pPr algn="ctr"/>
+            <a:r>
+              <a:rPr lang="en-US" sz="1000" dirty="0">
+                <a:solidFill>
+                  <a:schemeClr val="tx1"/>
+                </a:solidFill>
+              </a:rPr>
+              <a:t>C</a:t>
+            </a:r>
+            <a:r>
+              <a:rPr lang="en-US" sz="1000" dirty="0" smtClean="0">
+                <a:solidFill>
+                  <a:schemeClr val="tx1"/>
+                </a:solidFill>
+              </a:rPr>
+              <a:t>1</a:t>
+            </a:r>
+          </a:p>
+        </p:txBody>
+      </p:sp>
+      <p:sp>
+        <p:nvSpPr>
+          <p:cNvPr id="14" name="Rectangle 13"/>
+          <p:cNvSpPr/>
+          <p:nvPr/>
+        </p:nvSpPr>
+        <p:spPr>
+          <a:xfrm>
+            <a:off x="2377402" y="2818256"/>
+            <a:ext cx="279401" cy="330200"/>
+          </a:xfrm>
+          <a:prstGeom prst="rect">
+            <a:avLst/>
+          </a:prstGeom>
+          <a:solidFill>
+            <a:srgbClr val="CC66FF">
+              <a:alpha val="70000"/>
+            </a:srgbClr>
+          </a:solidFill>
+          <a:ln>
+            <a:noFill/>
+          </a:ln>
+        </p:spPr>
+        <p:style>
+          <a:lnRef idx="1">
+            <a:schemeClr val="accent1"/>
+          </a:lnRef>
+          <a:fillRef idx="3">
+            <a:schemeClr val="accent1"/>
+          </a:fillRef>
+          <a:effectRef idx="2">
+            <a:schemeClr val="accent1"/>
+          </a:effectRef>
+          <a:fontRef idx="minor">
+            <a:schemeClr val="lt1"/>
+          </a:fontRef>
+        </p:style>
+        <p:txBody>
+          <a:bodyPr lIns="0" tIns="0" rIns="0" bIns="0" rtlCol="0" anchor="ctr"/>
+          <a:lstStyle/>
+          <a:p>
+            <a:pPr algn="ctr"/>
+            <a:r>
+              <a:rPr lang="en-US" sz="1000" dirty="0" smtClean="0">
+                <a:solidFill>
+                  <a:schemeClr val="tx1"/>
+                </a:solidFill>
+              </a:rPr>
+              <a:t>C2</a:t>
+            </a:r>
+            <a:endParaRPr lang="en-US" sz="1000" dirty="0">
+              <a:solidFill>
+                <a:schemeClr val="tx1"/>
+              </a:solidFill>
+            </a:endParaRPr>
+          </a:p>
+        </p:txBody>
+      </p:sp>
+      <p:sp>
+        <p:nvSpPr>
+          <p:cNvPr id="15" name="Rectangle 14"/>
+          <p:cNvSpPr/>
+          <p:nvPr/>
+        </p:nvSpPr>
+        <p:spPr>
+          <a:xfrm>
+            <a:off x="2741468" y="2818256"/>
+            <a:ext cx="279401" cy="330200"/>
+          </a:xfrm>
+          <a:prstGeom prst="rect">
+            <a:avLst/>
+          </a:prstGeom>
+          <a:solidFill>
+            <a:srgbClr val="CC66FF">
+              <a:alpha val="70000"/>
+            </a:srgbClr>
+          </a:solidFill>
+          <a:ln>
+            <a:noFill/>
+          </a:ln>
+        </p:spPr>
+        <p:style>
+          <a:lnRef idx="1">
+            <a:schemeClr val="accent1"/>
+          </a:lnRef>
+          <a:fillRef idx="3">
+            <a:schemeClr val="accent1"/>
+          </a:fillRef>
+          <a:effectRef idx="2">
+            <a:schemeClr val="accent1"/>
+          </a:effectRef>
+          <a:fontRef idx="minor">
+            <a:schemeClr val="lt1"/>
+          </a:fontRef>
+        </p:style>
+        <p:txBody>
+          <a:bodyPr lIns="0" tIns="0" rIns="0" bIns="0" rtlCol="0" anchor="ctr"/>
+          <a:lstStyle/>
+          <a:p>
+            <a:pPr algn="ctr"/>
+            <a:r>
+              <a:rPr lang="en-US" sz="1000" dirty="0" smtClean="0">
+                <a:solidFill>
+                  <a:schemeClr val="tx1"/>
+                </a:solidFill>
+              </a:rPr>
+              <a:t>C3</a:t>
+            </a:r>
+            <a:endParaRPr lang="en-US" sz="1000" dirty="0">
+              <a:solidFill>
+                <a:schemeClr val="tx1"/>
+              </a:solidFill>
+            </a:endParaRPr>
+          </a:p>
+        </p:txBody>
+      </p:sp>
+      <p:sp>
+        <p:nvSpPr>
+          <p:cNvPr id="16" name="TextBox 15"/>
+          <p:cNvSpPr txBox="1"/>
+          <p:nvPr/>
+        </p:nvSpPr>
+        <p:spPr>
+          <a:xfrm>
+            <a:off x="1117006" y="2129945"/>
+            <a:ext cx="697627" cy="246221"/>
+          </a:xfrm>
+          <a:prstGeom prst="rect">
+            <a:avLst/>
+          </a:prstGeom>
+          <a:noFill/>
+        </p:spPr>
+        <p:txBody>
+          <a:bodyPr wrap="none" rtlCol="0">
+            <a:spAutoFit/>
+          </a:bodyPr>
+          <a:lstStyle/>
+          <a:p>
+            <a:pPr algn="r"/>
+            <a:r>
+              <a:rPr lang="en-US" sz="1000" dirty="0" smtClean="0"/>
+              <a:t>消息队列</a:t>
+            </a:r>
+            <a:endParaRPr lang="en-US" sz="1000" dirty="0"/>
+          </a:p>
+        </p:txBody>
+      </p:sp>
+      <p:sp>
+        <p:nvSpPr>
+          <p:cNvPr id="17" name="TextBox 16"/>
+          <p:cNvSpPr txBox="1"/>
+          <p:nvPr/>
+        </p:nvSpPr>
+        <p:spPr>
+          <a:xfrm>
+            <a:off x="1253713" y="2875011"/>
+            <a:ext cx="569387" cy="246221"/>
+          </a:xfrm>
+          <a:prstGeom prst="rect">
+            <a:avLst/>
+          </a:prstGeom>
+          <a:noFill/>
+        </p:spPr>
+        <p:txBody>
+          <a:bodyPr wrap="none" rtlCol="0">
+            <a:spAutoFit/>
+          </a:bodyPr>
+          <a:lstStyle/>
+          <a:p>
+            <a:pPr algn="r"/>
+            <a:r>
+              <a:rPr lang="en-US" sz="1000" dirty="0" smtClean="0"/>
+              <a:t>消费者</a:t>
+            </a:r>
+            <a:endParaRPr lang="en-US" sz="1000" dirty="0"/>
+          </a:p>
+        </p:txBody>
+      </p:sp>
+      <p:cxnSp>
+        <p:nvCxnSpPr>
+          <p:cNvPr id="19" name="Straight Arrow Connector 18"/>
+          <p:cNvCxnSpPr>
+            <a:stCxn id="13" idx="0"/>
+            <a:endCxn id="4" idx="2"/>
+          </p:cNvCxnSpPr>
+          <p:nvPr/>
+        </p:nvCxnSpPr>
+        <p:spPr>
+          <a:xfrm flipV="1">
+            <a:off x="2153038" y="2411856"/>
+            <a:ext cx="0" cy="406400"/>
+          </a:xfrm>
+          <a:prstGeom prst="straightConnector1">
+            <a:avLst/>
+          </a:prstGeom>
+          <a:ln w="6350">
+            <a:solidFill>
+              <a:schemeClr val="tx1">
+                <a:lumMod val="50000"/>
+                <a:lumOff val="50000"/>
+              </a:schemeClr>
+            </a:solidFill>
+            <a:tailEnd type="stealth" w="lg" len="lg"/>
+          </a:ln>
+        </p:spPr>
+        <p:style>
+          <a:lnRef idx="2">
+            <a:schemeClr val="accent1"/>
+          </a:lnRef>
+          <a:fillRef idx="0">
+            <a:schemeClr val="accent1"/>
+          </a:fillRef>
+          <a:effectRef idx="1">
+            <a:schemeClr val="accent1"/>
+          </a:effectRef>
+          <a:fontRef idx="minor">
+            <a:schemeClr val="tx1"/>
+          </a:fontRef>
+        </p:style>
+      </p:cxnSp>
+      <p:cxnSp>
+        <p:nvCxnSpPr>
+          <p:cNvPr id="20" name="Straight Arrow Connector 19"/>
+          <p:cNvCxnSpPr>
+            <a:stCxn id="14" idx="0"/>
+            <a:endCxn id="6" idx="2"/>
+          </p:cNvCxnSpPr>
+          <p:nvPr/>
+        </p:nvCxnSpPr>
+        <p:spPr>
+          <a:xfrm flipV="1">
+            <a:off x="2517103" y="2411856"/>
+            <a:ext cx="0" cy="406400"/>
+          </a:xfrm>
+          <a:prstGeom prst="straightConnector1">
+            <a:avLst/>
+          </a:prstGeom>
+          <a:ln w="6350">
+            <a:solidFill>
+              <a:schemeClr val="tx1">
+                <a:lumMod val="50000"/>
+                <a:lumOff val="50000"/>
+              </a:schemeClr>
+            </a:solidFill>
+            <a:tailEnd type="stealth" w="lg" len="lg"/>
+          </a:ln>
+        </p:spPr>
+        <p:style>
+          <a:lnRef idx="2">
+            <a:schemeClr val="accent1"/>
+          </a:lnRef>
+          <a:fillRef idx="0">
+            <a:schemeClr val="accent1"/>
+          </a:fillRef>
+          <a:effectRef idx="1">
+            <a:schemeClr val="accent1"/>
+          </a:effectRef>
+          <a:fontRef idx="minor">
+            <a:schemeClr val="tx1"/>
+          </a:fontRef>
+        </p:style>
+      </p:cxnSp>
+      <p:cxnSp>
+        <p:nvCxnSpPr>
+          <p:cNvPr id="24" name="Straight Arrow Connector 23"/>
+          <p:cNvCxnSpPr>
+            <a:stCxn id="15" idx="0"/>
+            <a:endCxn id="7" idx="2"/>
+          </p:cNvCxnSpPr>
+          <p:nvPr/>
+        </p:nvCxnSpPr>
+        <p:spPr>
+          <a:xfrm flipV="1">
+            <a:off x="2881169" y="2411856"/>
+            <a:ext cx="0" cy="406400"/>
+          </a:xfrm>
+          <a:prstGeom prst="straightConnector1">
+            <a:avLst/>
+          </a:prstGeom>
+          <a:ln w="6350">
+            <a:solidFill>
+              <a:schemeClr val="tx1">
+                <a:lumMod val="50000"/>
+                <a:lumOff val="50000"/>
+              </a:schemeClr>
+            </a:solidFill>
+            <a:tailEnd type="stealth" w="lg" len="lg"/>
+          </a:ln>
+        </p:spPr>
+        <p:style>
+          <a:lnRef idx="2">
+            <a:schemeClr val="accent1"/>
+          </a:lnRef>
+          <a:fillRef idx="0">
+            <a:schemeClr val="accent1"/>
+          </a:fillRef>
+          <a:effectRef idx="1">
+            <a:schemeClr val="accent1"/>
+          </a:effectRef>
+          <a:fontRef idx="minor">
+            <a:schemeClr val="tx1"/>
+          </a:fontRef>
+        </p:style>
+      </p:cxnSp>
+      <p:sp>
+        <p:nvSpPr>
+          <p:cNvPr id="40" name="Rectangle 39"/>
+          <p:cNvSpPr/>
+          <p:nvPr/>
+        </p:nvSpPr>
+        <p:spPr>
+          <a:xfrm>
+            <a:off x="3105535" y="2818256"/>
+            <a:ext cx="279401" cy="330200"/>
+          </a:xfrm>
+          <a:prstGeom prst="rect">
+            <a:avLst/>
+          </a:prstGeom>
+          <a:solidFill>
+            <a:srgbClr val="CC66FF">
+              <a:alpha val="70000"/>
+            </a:srgbClr>
+          </a:solidFill>
+          <a:ln>
+            <a:noFill/>
+          </a:ln>
+        </p:spPr>
+        <p:style>
+          <a:lnRef idx="1">
+            <a:schemeClr val="accent1"/>
+          </a:lnRef>
+          <a:fillRef idx="3">
+            <a:schemeClr val="accent1"/>
+          </a:fillRef>
+          <a:effectRef idx="2">
+            <a:schemeClr val="accent1"/>
+          </a:effectRef>
+          <a:fontRef idx="minor">
+            <a:schemeClr val="lt1"/>
+          </a:fontRef>
+        </p:style>
+        <p:txBody>
+          <a:bodyPr lIns="0" tIns="0" rIns="0" bIns="0" rtlCol="0" anchor="ctr"/>
+          <a:lstStyle/>
+          <a:p>
+            <a:pPr algn="ctr"/>
+            <a:r>
+              <a:rPr lang="en-US" sz="1000" dirty="0" smtClean="0">
+                <a:solidFill>
+                  <a:schemeClr val="tx1"/>
+                </a:solidFill>
+              </a:rPr>
+              <a:t>C4</a:t>
+            </a:r>
+            <a:endParaRPr lang="en-US" sz="1000" dirty="0">
+              <a:solidFill>
+                <a:schemeClr val="tx1"/>
+              </a:solidFill>
+            </a:endParaRPr>
+          </a:p>
+        </p:txBody>
+      </p:sp>
+      <p:sp>
+        <p:nvSpPr>
+          <p:cNvPr id="41" name="Rectangle 40"/>
+          <p:cNvSpPr/>
+          <p:nvPr/>
+        </p:nvSpPr>
+        <p:spPr>
+          <a:xfrm>
+            <a:off x="3469601" y="2818256"/>
+            <a:ext cx="279401" cy="330200"/>
+          </a:xfrm>
+          <a:prstGeom prst="rect">
+            <a:avLst/>
+          </a:prstGeom>
+          <a:solidFill>
+            <a:srgbClr val="CC66FF">
+              <a:alpha val="70000"/>
+            </a:srgbClr>
+          </a:solidFill>
+          <a:ln>
+            <a:noFill/>
+          </a:ln>
+        </p:spPr>
+        <p:style>
+          <a:lnRef idx="1">
+            <a:schemeClr val="accent1"/>
+          </a:lnRef>
+          <a:fillRef idx="3">
+            <a:schemeClr val="accent1"/>
+          </a:fillRef>
+          <a:effectRef idx="2">
+            <a:schemeClr val="accent1"/>
+          </a:effectRef>
+          <a:fontRef idx="minor">
+            <a:schemeClr val="lt1"/>
+          </a:fontRef>
+        </p:style>
+        <p:txBody>
+          <a:bodyPr lIns="0" tIns="0" rIns="0" bIns="0" rtlCol="0" anchor="ctr"/>
+          <a:lstStyle/>
+          <a:p>
+            <a:pPr algn="ctr"/>
+            <a:r>
+              <a:rPr lang="en-US" sz="1000" dirty="0" smtClean="0">
+                <a:solidFill>
+                  <a:schemeClr val="tx1"/>
+                </a:solidFill>
+              </a:rPr>
+              <a:t>C5</a:t>
+            </a:r>
+            <a:endParaRPr lang="en-US" sz="1000" dirty="0">
+              <a:solidFill>
+                <a:schemeClr val="tx1"/>
+              </a:solidFill>
+            </a:endParaRPr>
+          </a:p>
+        </p:txBody>
+      </p:sp>
+      <p:sp>
+        <p:nvSpPr>
+          <p:cNvPr id="2" name="Rectangle 1"/>
+          <p:cNvSpPr/>
+          <p:nvPr/>
+        </p:nvSpPr>
+        <p:spPr>
+          <a:xfrm>
+            <a:off x="1916237" y="1979372"/>
+            <a:ext cx="1939458" cy="1269997"/>
+          </a:xfrm>
+          <a:prstGeom prst="rect">
+            <a:avLst/>
+          </a:prstGeom>
+          <a:noFill/>
+          <a:ln w="3175" cap="flat" cmpd="sng">
+            <a:solidFill>
+              <a:schemeClr val="tx1">
+                <a:lumMod val="65000"/>
+                <a:lumOff val="35000"/>
+              </a:schemeClr>
+            </a:solidFill>
+            <a:prstDash val="dash"/>
+          </a:ln>
+        </p:spPr>
+        <p:style>
+          <a:lnRef idx="1">
+            <a:schemeClr val="accent1"/>
+          </a:lnRef>
+          <a:fillRef idx="3">
+            <a:schemeClr val="accent1"/>
+          </a:fillRef>
+          <a:effectRef idx="2">
+            <a:schemeClr val="accent1"/>
+          </a:effectRef>
+          <a:fontRef idx="minor">
+            <a:schemeClr val="lt1"/>
+          </a:fontRef>
+        </p:style>
+        <p:txBody>
+          <a:bodyPr rtlCol="0" anchor="ctr"/>
+          <a:lstStyle/>
+          <a:p>
+            <a:pPr algn="ctr"/>
+            <a:endParaRPr lang="en-US"/>
+          </a:p>
+        </p:txBody>
+      </p:sp>
+      <p:sp>
+        <p:nvSpPr>
+          <p:cNvPr id="60" name="Rectangle 59"/>
+          <p:cNvSpPr/>
+          <p:nvPr/>
+        </p:nvSpPr>
+        <p:spPr>
+          <a:xfrm>
+            <a:off x="4113066" y="2081656"/>
+            <a:ext cx="279401" cy="330200"/>
+          </a:xfrm>
+          <a:prstGeom prst="rect">
+            <a:avLst/>
+          </a:prstGeom>
+          <a:solidFill>
+            <a:srgbClr val="21FF06">
+              <a:alpha val="70000"/>
+            </a:srgbClr>
+          </a:solidFill>
+          <a:ln>
+            <a:noFill/>
+          </a:ln>
+        </p:spPr>
+        <p:style>
+          <a:lnRef idx="1">
+            <a:schemeClr val="accent1"/>
+          </a:lnRef>
+          <a:fillRef idx="3">
+            <a:schemeClr val="accent1"/>
+          </a:fillRef>
+          <a:effectRef idx="2">
+            <a:schemeClr val="accent1"/>
+          </a:effectRef>
+          <a:fontRef idx="minor">
+            <a:schemeClr val="lt1"/>
+          </a:fontRef>
+        </p:style>
+        <p:txBody>
+          <a:bodyPr lIns="0" tIns="0" rIns="0" bIns="0" rtlCol="0" anchor="ctr"/>
+          <a:lstStyle/>
+          <a:p>
+            <a:pPr algn="ctr"/>
+            <a:r>
+              <a:rPr lang="en-US" sz="1000" dirty="0" smtClean="0">
+                <a:solidFill>
+                  <a:schemeClr val="tx1"/>
+                </a:solidFill>
+              </a:rPr>
+              <a:t>Q4</a:t>
+            </a:r>
+          </a:p>
+        </p:txBody>
+      </p:sp>
+      <p:sp>
+        <p:nvSpPr>
+          <p:cNvPr id="61" name="Rectangle 60"/>
+          <p:cNvSpPr/>
+          <p:nvPr/>
+        </p:nvSpPr>
+        <p:spPr>
+          <a:xfrm>
+            <a:off x="4477131" y="2081656"/>
+            <a:ext cx="279401" cy="330200"/>
+          </a:xfrm>
+          <a:prstGeom prst="rect">
+            <a:avLst/>
+          </a:prstGeom>
+          <a:solidFill>
+            <a:srgbClr val="21FF06">
+              <a:alpha val="70000"/>
+            </a:srgbClr>
+          </a:solidFill>
+          <a:ln>
+            <a:noFill/>
+          </a:ln>
+        </p:spPr>
+        <p:style>
+          <a:lnRef idx="1">
+            <a:schemeClr val="accent1"/>
+          </a:lnRef>
+          <a:fillRef idx="3">
+            <a:schemeClr val="accent1"/>
+          </a:fillRef>
+          <a:effectRef idx="2">
+            <a:schemeClr val="accent1"/>
+          </a:effectRef>
+          <a:fontRef idx="minor">
+            <a:schemeClr val="lt1"/>
+          </a:fontRef>
+        </p:style>
+        <p:txBody>
+          <a:bodyPr lIns="0" tIns="0" rIns="0" bIns="0" rtlCol="0" anchor="ctr"/>
+          <a:lstStyle/>
+          <a:p>
+            <a:pPr algn="ctr"/>
+            <a:r>
+              <a:rPr lang="en-US" sz="1000" dirty="0" smtClean="0">
+                <a:solidFill>
+                  <a:schemeClr val="tx1"/>
+                </a:solidFill>
+              </a:rPr>
+              <a:t>Q5</a:t>
+            </a:r>
+            <a:endParaRPr lang="en-US" sz="1000" dirty="0">
+              <a:solidFill>
+                <a:schemeClr val="tx1"/>
+              </a:solidFill>
+            </a:endParaRPr>
+          </a:p>
+        </p:txBody>
+      </p:sp>
+      <p:sp>
+        <p:nvSpPr>
+          <p:cNvPr id="62" name="Rectangle 61"/>
+          <p:cNvSpPr/>
+          <p:nvPr/>
+        </p:nvSpPr>
+        <p:spPr>
+          <a:xfrm>
+            <a:off x="4841197" y="2081656"/>
+            <a:ext cx="279401" cy="330200"/>
+          </a:xfrm>
+          <a:prstGeom prst="rect">
+            <a:avLst/>
+          </a:prstGeom>
+          <a:solidFill>
+            <a:srgbClr val="21FF06">
+              <a:alpha val="70000"/>
+            </a:srgbClr>
+          </a:solidFill>
+          <a:ln>
+            <a:noFill/>
+          </a:ln>
+        </p:spPr>
+        <p:style>
+          <a:lnRef idx="1">
+            <a:schemeClr val="accent1"/>
+          </a:lnRef>
+          <a:fillRef idx="3">
+            <a:schemeClr val="accent1"/>
+          </a:fillRef>
+          <a:effectRef idx="2">
+            <a:schemeClr val="accent1"/>
+          </a:effectRef>
+          <a:fontRef idx="minor">
+            <a:schemeClr val="lt1"/>
+          </a:fontRef>
+        </p:style>
+        <p:txBody>
+          <a:bodyPr lIns="0" tIns="0" rIns="0" bIns="0" rtlCol="0" anchor="ctr"/>
+          <a:lstStyle/>
+          <a:p>
+            <a:pPr algn="ctr"/>
+            <a:r>
+              <a:rPr lang="en-US" sz="1000" dirty="0" smtClean="0">
+                <a:solidFill>
+                  <a:schemeClr val="tx1"/>
+                </a:solidFill>
+              </a:rPr>
+              <a:t>Q6</a:t>
+            </a:r>
+            <a:endParaRPr lang="en-US" sz="1000" dirty="0">
+              <a:solidFill>
+                <a:schemeClr val="tx1"/>
+              </a:solidFill>
+            </a:endParaRPr>
+          </a:p>
+        </p:txBody>
+      </p:sp>
+      <p:sp>
+        <p:nvSpPr>
+          <p:cNvPr id="71" name="Rectangle 70"/>
+          <p:cNvSpPr/>
+          <p:nvPr/>
+        </p:nvSpPr>
+        <p:spPr>
+          <a:xfrm>
+            <a:off x="4015966" y="1979372"/>
+            <a:ext cx="1939458" cy="1269997"/>
+          </a:xfrm>
+          <a:prstGeom prst="rect">
+            <a:avLst/>
+          </a:prstGeom>
+          <a:noFill/>
+          <a:ln w="3175" cap="flat" cmpd="sng">
+            <a:solidFill>
+              <a:schemeClr val="tx1">
+                <a:lumMod val="65000"/>
+                <a:lumOff val="35000"/>
+              </a:schemeClr>
+            </a:solidFill>
+            <a:prstDash val="dash"/>
+          </a:ln>
+        </p:spPr>
+        <p:style>
+          <a:lnRef idx="1">
+            <a:schemeClr val="accent1"/>
+          </a:lnRef>
+          <a:fillRef idx="3">
+            <a:schemeClr val="accent1"/>
+          </a:fillRef>
+          <a:effectRef idx="2">
+            <a:schemeClr val="accent1"/>
+          </a:effectRef>
+          <a:fontRef idx="minor">
+            <a:schemeClr val="lt1"/>
+          </a:fontRef>
+        </p:style>
+        <p:txBody>
+          <a:bodyPr rtlCol="0" anchor="ctr"/>
+          <a:lstStyle/>
+          <a:p>
+            <a:pPr algn="ctr"/>
+            <a:endParaRPr lang="en-US"/>
+          </a:p>
+        </p:txBody>
+      </p:sp>
+      <p:sp>
+        <p:nvSpPr>
+          <p:cNvPr id="72" name="Rectangle 71"/>
+          <p:cNvSpPr/>
+          <p:nvPr/>
+        </p:nvSpPr>
+        <p:spPr>
+          <a:xfrm>
+            <a:off x="6212795" y="2081656"/>
+            <a:ext cx="279401" cy="330200"/>
+          </a:xfrm>
+          <a:prstGeom prst="rect">
+            <a:avLst/>
+          </a:prstGeom>
+          <a:solidFill>
+            <a:srgbClr val="21FF06">
+              <a:alpha val="70000"/>
+            </a:srgbClr>
+          </a:solidFill>
+          <a:ln>
+            <a:noFill/>
+          </a:ln>
+        </p:spPr>
+        <p:style>
+          <a:lnRef idx="1">
+            <a:schemeClr val="accent1"/>
+          </a:lnRef>
+          <a:fillRef idx="3">
+            <a:schemeClr val="accent1"/>
+          </a:fillRef>
+          <a:effectRef idx="2">
+            <a:schemeClr val="accent1"/>
+          </a:effectRef>
+          <a:fontRef idx="minor">
+            <a:schemeClr val="lt1"/>
+          </a:fontRef>
+        </p:style>
+        <p:txBody>
+          <a:bodyPr lIns="0" tIns="0" rIns="0" bIns="0" rtlCol="0" anchor="ctr"/>
+          <a:lstStyle/>
+          <a:p>
+            <a:pPr algn="ctr"/>
+            <a:r>
+              <a:rPr lang="en-US" sz="1000" dirty="0" smtClean="0">
+                <a:solidFill>
+                  <a:schemeClr val="tx1"/>
+                </a:solidFill>
+              </a:rPr>
+              <a:t>Q7</a:t>
+            </a:r>
+          </a:p>
+        </p:txBody>
+      </p:sp>
+      <p:sp>
+        <p:nvSpPr>
+          <p:cNvPr id="73" name="Rectangle 72"/>
+          <p:cNvSpPr/>
+          <p:nvPr/>
+        </p:nvSpPr>
+        <p:spPr>
+          <a:xfrm>
+            <a:off x="6576860" y="2081656"/>
+            <a:ext cx="279401" cy="330200"/>
+          </a:xfrm>
+          <a:prstGeom prst="rect">
+            <a:avLst/>
+          </a:prstGeom>
+          <a:solidFill>
+            <a:srgbClr val="21FF06">
+              <a:alpha val="70000"/>
+            </a:srgbClr>
+          </a:solidFill>
+          <a:ln>
+            <a:noFill/>
+          </a:ln>
+        </p:spPr>
+        <p:style>
+          <a:lnRef idx="1">
+            <a:schemeClr val="accent1"/>
+          </a:lnRef>
+          <a:fillRef idx="3">
+            <a:schemeClr val="accent1"/>
+          </a:fillRef>
+          <a:effectRef idx="2">
+            <a:schemeClr val="accent1"/>
+          </a:effectRef>
+          <a:fontRef idx="minor">
+            <a:schemeClr val="lt1"/>
+          </a:fontRef>
+        </p:style>
+        <p:txBody>
+          <a:bodyPr lIns="0" tIns="0" rIns="0" bIns="0" rtlCol="0" anchor="ctr"/>
+          <a:lstStyle/>
+          <a:p>
+            <a:pPr algn="ctr"/>
+            <a:r>
+              <a:rPr lang="en-US" sz="1000" dirty="0" smtClean="0">
+                <a:solidFill>
+                  <a:schemeClr val="tx1"/>
+                </a:solidFill>
+              </a:rPr>
+              <a:t>Q8</a:t>
+            </a:r>
+            <a:endParaRPr lang="en-US" sz="1000" dirty="0">
+              <a:solidFill>
+                <a:schemeClr val="tx1"/>
+              </a:solidFill>
+            </a:endParaRPr>
+          </a:p>
+        </p:txBody>
+      </p:sp>
+      <p:sp>
+        <p:nvSpPr>
+          <p:cNvPr id="74" name="Rectangle 73"/>
+          <p:cNvSpPr/>
+          <p:nvPr/>
+        </p:nvSpPr>
+        <p:spPr>
+          <a:xfrm>
+            <a:off x="6940926" y="2081656"/>
+            <a:ext cx="279401" cy="330200"/>
+          </a:xfrm>
+          <a:prstGeom prst="rect">
+            <a:avLst/>
+          </a:prstGeom>
+          <a:solidFill>
+            <a:srgbClr val="21FF06">
+              <a:alpha val="70000"/>
+            </a:srgbClr>
+          </a:solidFill>
+          <a:ln>
+            <a:noFill/>
+          </a:ln>
+        </p:spPr>
+        <p:style>
+          <a:lnRef idx="1">
+            <a:schemeClr val="accent1"/>
+          </a:lnRef>
+          <a:fillRef idx="3">
+            <a:schemeClr val="accent1"/>
+          </a:fillRef>
+          <a:effectRef idx="2">
+            <a:schemeClr val="accent1"/>
+          </a:effectRef>
+          <a:fontRef idx="minor">
+            <a:schemeClr val="lt1"/>
+          </a:fontRef>
+        </p:style>
+        <p:txBody>
+          <a:bodyPr lIns="0" tIns="0" rIns="0" bIns="0" rtlCol="0" anchor="ctr"/>
+          <a:lstStyle/>
+          <a:p>
+            <a:pPr algn="ctr"/>
+            <a:r>
+              <a:rPr lang="en-US" sz="1000" dirty="0" smtClean="0">
+                <a:solidFill>
+                  <a:schemeClr val="tx1"/>
+                </a:solidFill>
+              </a:rPr>
+              <a:t>Q9</a:t>
+            </a:r>
+            <a:endParaRPr lang="en-US" sz="1000" dirty="0">
+              <a:solidFill>
+                <a:schemeClr val="tx1"/>
+              </a:solidFill>
+            </a:endParaRPr>
+          </a:p>
+        </p:txBody>
+      </p:sp>
+      <p:sp>
+        <p:nvSpPr>
+          <p:cNvPr id="75" name="Rectangle 74"/>
+          <p:cNvSpPr/>
+          <p:nvPr/>
+        </p:nvSpPr>
+        <p:spPr>
+          <a:xfrm>
+            <a:off x="6212795" y="2818256"/>
+            <a:ext cx="279401" cy="330200"/>
+          </a:xfrm>
+          <a:prstGeom prst="rect">
+            <a:avLst/>
+          </a:prstGeom>
+          <a:solidFill>
+            <a:srgbClr val="CC66FF">
+              <a:alpha val="70000"/>
+            </a:srgbClr>
+          </a:solidFill>
+          <a:ln>
+            <a:noFill/>
+          </a:ln>
+        </p:spPr>
+        <p:style>
+          <a:lnRef idx="1">
+            <a:schemeClr val="accent1"/>
+          </a:lnRef>
+          <a:fillRef idx="3">
+            <a:schemeClr val="accent1"/>
+          </a:fillRef>
+          <a:effectRef idx="2">
+            <a:schemeClr val="accent1"/>
+          </a:effectRef>
+          <a:fontRef idx="minor">
+            <a:schemeClr val="lt1"/>
+          </a:fontRef>
+        </p:style>
+        <p:txBody>
+          <a:bodyPr lIns="0" tIns="0" rIns="0" bIns="0" rtlCol="0" anchor="ctr"/>
+          <a:lstStyle/>
+          <a:p>
+            <a:pPr algn="ctr"/>
+            <a:r>
+              <a:rPr lang="en-US" sz="1000" dirty="0" smtClean="0">
+                <a:solidFill>
+                  <a:schemeClr val="tx1"/>
+                </a:solidFill>
+              </a:rPr>
+              <a:t>C</a:t>
+            </a:r>
+            <a:r>
+              <a:rPr lang="en-US" sz="1000" dirty="0">
+                <a:solidFill>
+                  <a:schemeClr val="tx1"/>
+                </a:solidFill>
+              </a:rPr>
+              <a:t>6</a:t>
+            </a:r>
+            <a:endParaRPr lang="en-US" sz="1000" dirty="0" smtClean="0">
+              <a:solidFill>
+                <a:schemeClr val="tx1"/>
+              </a:solidFill>
+            </a:endParaRPr>
+          </a:p>
+        </p:txBody>
+      </p:sp>
+      <p:sp>
+        <p:nvSpPr>
+          <p:cNvPr id="76" name="Rectangle 75"/>
+          <p:cNvSpPr/>
+          <p:nvPr/>
+        </p:nvSpPr>
+        <p:spPr>
+          <a:xfrm>
+            <a:off x="6576860" y="2818256"/>
+            <a:ext cx="279401" cy="330200"/>
+          </a:xfrm>
+          <a:prstGeom prst="rect">
+            <a:avLst/>
+          </a:prstGeom>
+          <a:solidFill>
+            <a:srgbClr val="CC66FF">
+              <a:alpha val="70000"/>
+            </a:srgbClr>
+          </a:solidFill>
+          <a:ln>
+            <a:noFill/>
+          </a:ln>
+        </p:spPr>
+        <p:style>
+          <a:lnRef idx="1">
+            <a:schemeClr val="accent1"/>
+          </a:lnRef>
+          <a:fillRef idx="3">
+            <a:schemeClr val="accent1"/>
+          </a:fillRef>
+          <a:effectRef idx="2">
+            <a:schemeClr val="accent1"/>
+          </a:effectRef>
+          <a:fontRef idx="minor">
+            <a:schemeClr val="lt1"/>
+          </a:fontRef>
+        </p:style>
+        <p:txBody>
+          <a:bodyPr lIns="0" tIns="0" rIns="0" bIns="0" rtlCol="0" anchor="ctr"/>
+          <a:lstStyle/>
+          <a:p>
+            <a:pPr algn="ctr"/>
+            <a:r>
+              <a:rPr lang="en-US" sz="1000" dirty="0" smtClean="0">
+                <a:solidFill>
+                  <a:schemeClr val="tx1"/>
+                </a:solidFill>
+              </a:rPr>
+              <a:t>C7</a:t>
+            </a:r>
+            <a:endParaRPr lang="en-US" sz="1000" dirty="0">
+              <a:solidFill>
+                <a:schemeClr val="tx1"/>
+              </a:solidFill>
+            </a:endParaRPr>
+          </a:p>
+        </p:txBody>
+      </p:sp>
+      <p:sp>
+        <p:nvSpPr>
+          <p:cNvPr id="77" name="Rectangle 76"/>
+          <p:cNvSpPr/>
+          <p:nvPr/>
+        </p:nvSpPr>
+        <p:spPr>
+          <a:xfrm>
+            <a:off x="6940926" y="2818256"/>
+            <a:ext cx="279401" cy="330200"/>
+          </a:xfrm>
+          <a:prstGeom prst="rect">
+            <a:avLst/>
+          </a:prstGeom>
+          <a:solidFill>
+            <a:srgbClr val="CC66FF">
+              <a:alpha val="70000"/>
+            </a:srgbClr>
+          </a:solidFill>
+          <a:ln>
+            <a:noFill/>
+          </a:ln>
+        </p:spPr>
+        <p:style>
+          <a:lnRef idx="1">
+            <a:schemeClr val="accent1"/>
+          </a:lnRef>
+          <a:fillRef idx="3">
+            <a:schemeClr val="accent1"/>
+          </a:fillRef>
+          <a:effectRef idx="2">
+            <a:schemeClr val="accent1"/>
+          </a:effectRef>
+          <a:fontRef idx="minor">
+            <a:schemeClr val="lt1"/>
+          </a:fontRef>
+        </p:style>
+        <p:txBody>
+          <a:bodyPr lIns="0" tIns="0" rIns="0" bIns="0" rtlCol="0" anchor="ctr"/>
+          <a:lstStyle/>
+          <a:p>
+            <a:pPr algn="ctr"/>
+            <a:r>
+              <a:rPr lang="en-US" sz="1000" dirty="0" smtClean="0">
+                <a:solidFill>
+                  <a:schemeClr val="tx1"/>
+                </a:solidFill>
+              </a:rPr>
+              <a:t>C8</a:t>
+            </a:r>
+            <a:endParaRPr lang="en-US" sz="1000" dirty="0">
+              <a:solidFill>
+                <a:schemeClr val="tx1"/>
+              </a:solidFill>
+            </a:endParaRPr>
+          </a:p>
+        </p:txBody>
+      </p:sp>
+      <p:cxnSp>
+        <p:nvCxnSpPr>
+          <p:cNvPr id="78" name="Straight Arrow Connector 77"/>
+          <p:cNvCxnSpPr>
+            <a:stCxn id="75" idx="0"/>
+            <a:endCxn id="72" idx="2"/>
+          </p:cNvCxnSpPr>
+          <p:nvPr/>
+        </p:nvCxnSpPr>
+        <p:spPr>
+          <a:xfrm flipV="1">
+            <a:off x="6352496" y="2411856"/>
+            <a:ext cx="0" cy="406400"/>
+          </a:xfrm>
+          <a:prstGeom prst="straightConnector1">
+            <a:avLst/>
+          </a:prstGeom>
+          <a:ln w="6350">
+            <a:solidFill>
+              <a:schemeClr val="tx1">
+                <a:lumMod val="50000"/>
+                <a:lumOff val="50000"/>
+              </a:schemeClr>
+            </a:solidFill>
+            <a:tailEnd type="stealth" w="lg" len="lg"/>
+          </a:ln>
+        </p:spPr>
+        <p:style>
+          <a:lnRef idx="2">
+            <a:schemeClr val="accent1"/>
+          </a:lnRef>
+          <a:fillRef idx="0">
+            <a:schemeClr val="accent1"/>
+          </a:fillRef>
+          <a:effectRef idx="1">
+            <a:schemeClr val="accent1"/>
+          </a:effectRef>
+          <a:fontRef idx="minor">
+            <a:schemeClr val="tx1"/>
+          </a:fontRef>
+        </p:style>
+      </p:cxnSp>
+      <p:cxnSp>
+        <p:nvCxnSpPr>
+          <p:cNvPr id="79" name="Straight Arrow Connector 78"/>
+          <p:cNvCxnSpPr>
+            <a:stCxn id="76" idx="0"/>
+            <a:endCxn id="73" idx="2"/>
+          </p:cNvCxnSpPr>
+          <p:nvPr/>
+        </p:nvCxnSpPr>
+        <p:spPr>
+          <a:xfrm flipV="1">
+            <a:off x="6716561" y="2411856"/>
+            <a:ext cx="0" cy="406400"/>
+          </a:xfrm>
+          <a:prstGeom prst="straightConnector1">
+            <a:avLst/>
+          </a:prstGeom>
+          <a:ln w="6350">
+            <a:solidFill>
+              <a:schemeClr val="tx1">
+                <a:lumMod val="50000"/>
+                <a:lumOff val="50000"/>
+              </a:schemeClr>
+            </a:solidFill>
+            <a:tailEnd type="stealth" w="lg" len="lg"/>
+          </a:ln>
+        </p:spPr>
+        <p:style>
+          <a:lnRef idx="2">
+            <a:schemeClr val="accent1"/>
+          </a:lnRef>
+          <a:fillRef idx="0">
+            <a:schemeClr val="accent1"/>
+          </a:fillRef>
+          <a:effectRef idx="1">
+            <a:schemeClr val="accent1"/>
+          </a:effectRef>
+          <a:fontRef idx="minor">
+            <a:schemeClr val="tx1"/>
+          </a:fontRef>
+        </p:style>
+      </p:cxnSp>
+      <p:cxnSp>
+        <p:nvCxnSpPr>
+          <p:cNvPr id="80" name="Straight Arrow Connector 79"/>
+          <p:cNvCxnSpPr>
+            <a:stCxn id="77" idx="0"/>
+            <a:endCxn id="74" idx="2"/>
+          </p:cNvCxnSpPr>
+          <p:nvPr/>
+        </p:nvCxnSpPr>
+        <p:spPr>
+          <a:xfrm flipV="1">
+            <a:off x="7080627" y="2411856"/>
+            <a:ext cx="0" cy="406400"/>
+          </a:xfrm>
+          <a:prstGeom prst="straightConnector1">
+            <a:avLst/>
+          </a:prstGeom>
+          <a:ln w="6350">
+            <a:solidFill>
+              <a:schemeClr val="tx1">
+                <a:lumMod val="50000"/>
+                <a:lumOff val="50000"/>
+              </a:schemeClr>
+            </a:solidFill>
+            <a:tailEnd type="stealth" w="lg" len="lg"/>
+          </a:ln>
+        </p:spPr>
+        <p:style>
+          <a:lnRef idx="2">
+            <a:schemeClr val="accent1"/>
+          </a:lnRef>
+          <a:fillRef idx="0">
+            <a:schemeClr val="accent1"/>
+          </a:fillRef>
+          <a:effectRef idx="1">
+            <a:schemeClr val="accent1"/>
+          </a:effectRef>
+          <a:fontRef idx="minor">
+            <a:schemeClr val="tx1"/>
+          </a:fontRef>
+        </p:style>
+      </p:cxnSp>
+      <p:sp>
+        <p:nvSpPr>
+          <p:cNvPr id="81" name="Rectangle 80"/>
+          <p:cNvSpPr/>
+          <p:nvPr/>
+        </p:nvSpPr>
+        <p:spPr>
+          <a:xfrm>
+            <a:off x="7304993" y="2818256"/>
+            <a:ext cx="279401" cy="330200"/>
+          </a:xfrm>
+          <a:prstGeom prst="rect">
+            <a:avLst/>
+          </a:prstGeom>
+          <a:solidFill>
+            <a:srgbClr val="CC66FF">
+              <a:alpha val="70000"/>
+            </a:srgbClr>
+          </a:solidFill>
+          <a:ln>
+            <a:noFill/>
+          </a:ln>
+        </p:spPr>
+        <p:style>
+          <a:lnRef idx="1">
+            <a:schemeClr val="accent1"/>
+          </a:lnRef>
+          <a:fillRef idx="3">
+            <a:schemeClr val="accent1"/>
+          </a:fillRef>
+          <a:effectRef idx="2">
+            <a:schemeClr val="accent1"/>
+          </a:effectRef>
+          <a:fontRef idx="minor">
+            <a:schemeClr val="lt1"/>
+          </a:fontRef>
+        </p:style>
+        <p:txBody>
+          <a:bodyPr lIns="0" tIns="0" rIns="0" bIns="0" rtlCol="0" anchor="ctr"/>
+          <a:lstStyle/>
+          <a:p>
+            <a:pPr algn="ctr"/>
+            <a:r>
+              <a:rPr lang="en-US" sz="1000" dirty="0" smtClean="0">
+                <a:solidFill>
+                  <a:schemeClr val="tx1"/>
+                </a:solidFill>
+              </a:rPr>
+              <a:t>C9</a:t>
+            </a:r>
+            <a:endParaRPr lang="en-US" sz="1000" dirty="0">
+              <a:solidFill>
+                <a:schemeClr val="tx1"/>
+              </a:solidFill>
+            </a:endParaRPr>
+          </a:p>
+        </p:txBody>
+      </p:sp>
+      <p:sp>
+        <p:nvSpPr>
+          <p:cNvPr id="82" name="Rectangle 81"/>
+          <p:cNvSpPr/>
+          <p:nvPr/>
+        </p:nvSpPr>
+        <p:spPr>
+          <a:xfrm>
+            <a:off x="7669059" y="2818256"/>
+            <a:ext cx="279401" cy="330200"/>
+          </a:xfrm>
+          <a:prstGeom prst="rect">
+            <a:avLst/>
+          </a:prstGeom>
+          <a:solidFill>
+            <a:srgbClr val="CC66FF">
+              <a:alpha val="70000"/>
+            </a:srgbClr>
+          </a:solidFill>
+          <a:ln>
+            <a:noFill/>
+          </a:ln>
+        </p:spPr>
+        <p:style>
+          <a:lnRef idx="1">
+            <a:schemeClr val="accent1"/>
+          </a:lnRef>
+          <a:fillRef idx="3">
+            <a:schemeClr val="accent1"/>
+          </a:fillRef>
+          <a:effectRef idx="2">
+            <a:schemeClr val="accent1"/>
+          </a:effectRef>
+          <a:fontRef idx="minor">
+            <a:schemeClr val="lt1"/>
+          </a:fontRef>
+        </p:style>
+        <p:txBody>
+          <a:bodyPr lIns="0" tIns="0" rIns="0" bIns="0" rtlCol="0" anchor="ctr"/>
+          <a:lstStyle/>
+          <a:p>
+            <a:pPr algn="ctr"/>
+            <a:r>
+              <a:rPr lang="en-US" sz="1000" dirty="0" smtClean="0">
+                <a:solidFill>
+                  <a:schemeClr val="tx1"/>
+                </a:solidFill>
+              </a:rPr>
+              <a:t>C10</a:t>
+            </a:r>
+            <a:endParaRPr lang="en-US" sz="1000" dirty="0">
+              <a:solidFill>
+                <a:schemeClr val="tx1"/>
+              </a:solidFill>
+            </a:endParaRPr>
+          </a:p>
+        </p:txBody>
+      </p:sp>
+      <p:sp>
+        <p:nvSpPr>
+          <p:cNvPr id="83" name="Rectangle 82"/>
+          <p:cNvSpPr/>
+          <p:nvPr/>
+        </p:nvSpPr>
+        <p:spPr>
+          <a:xfrm>
+            <a:off x="6115695" y="1979372"/>
+            <a:ext cx="1939458" cy="1269997"/>
+          </a:xfrm>
+          <a:prstGeom prst="rect">
+            <a:avLst/>
+          </a:prstGeom>
+          <a:noFill/>
+          <a:ln w="3175" cap="flat" cmpd="sng">
+            <a:solidFill>
+              <a:schemeClr val="tx1">
+                <a:lumMod val="65000"/>
+                <a:lumOff val="35000"/>
+              </a:schemeClr>
+            </a:solidFill>
+            <a:prstDash val="dash"/>
+          </a:ln>
+        </p:spPr>
+        <p:style>
+          <a:lnRef idx="1">
+            <a:schemeClr val="accent1"/>
+          </a:lnRef>
+          <a:fillRef idx="3">
+            <a:schemeClr val="accent1"/>
+          </a:fillRef>
+          <a:effectRef idx="2">
+            <a:schemeClr val="accent1"/>
+          </a:effectRef>
+          <a:fontRef idx="minor">
+            <a:schemeClr val="lt1"/>
+          </a:fontRef>
+        </p:style>
+        <p:txBody>
+          <a:bodyPr rtlCol="0" anchor="ctr"/>
+          <a:lstStyle/>
+          <a:p>
+            <a:pPr algn="ctr"/>
+            <a:endParaRPr lang="en-US"/>
+          </a:p>
+        </p:txBody>
+      </p:sp>
+      <p:cxnSp>
+        <p:nvCxnSpPr>
+          <p:cNvPr id="84" name="Straight Arrow Connector 83"/>
+          <p:cNvCxnSpPr>
+            <a:stCxn id="13" idx="0"/>
+            <a:endCxn id="60" idx="2"/>
+          </p:cNvCxnSpPr>
+          <p:nvPr/>
+        </p:nvCxnSpPr>
+        <p:spPr>
+          <a:xfrm flipV="1">
+            <a:off x="2153038" y="2411856"/>
+            <a:ext cx="2099729" cy="406400"/>
+          </a:xfrm>
+          <a:prstGeom prst="straightConnector1">
+            <a:avLst/>
+          </a:prstGeom>
+          <a:ln w="6350">
+            <a:solidFill>
+              <a:schemeClr val="tx1">
+                <a:lumMod val="50000"/>
+                <a:lumOff val="50000"/>
+              </a:schemeClr>
+            </a:solidFill>
+            <a:tailEnd type="stealth" w="lg" len="lg"/>
+          </a:ln>
+        </p:spPr>
+        <p:style>
+          <a:lnRef idx="2">
+            <a:schemeClr val="accent1"/>
+          </a:lnRef>
+          <a:fillRef idx="0">
+            <a:schemeClr val="accent1"/>
+          </a:fillRef>
+          <a:effectRef idx="1">
+            <a:schemeClr val="accent1"/>
+          </a:effectRef>
+          <a:fontRef idx="minor">
+            <a:schemeClr val="tx1"/>
+          </a:fontRef>
+        </p:style>
+      </p:cxnSp>
+      <p:cxnSp>
+        <p:nvCxnSpPr>
+          <p:cNvPr id="85" name="Straight Arrow Connector 84"/>
+          <p:cNvCxnSpPr>
+            <a:stCxn id="14" idx="0"/>
+            <a:endCxn id="61" idx="2"/>
+          </p:cNvCxnSpPr>
+          <p:nvPr/>
+        </p:nvCxnSpPr>
+        <p:spPr>
+          <a:xfrm flipV="1">
+            <a:off x="2517103" y="2411856"/>
+            <a:ext cx="2099729" cy="406400"/>
+          </a:xfrm>
+          <a:prstGeom prst="straightConnector1">
+            <a:avLst/>
+          </a:prstGeom>
+          <a:ln w="6350">
+            <a:solidFill>
+              <a:schemeClr val="tx1">
+                <a:lumMod val="50000"/>
+                <a:lumOff val="50000"/>
+              </a:schemeClr>
+            </a:solidFill>
+            <a:tailEnd type="stealth" w="lg" len="lg"/>
+          </a:ln>
+        </p:spPr>
+        <p:style>
+          <a:lnRef idx="2">
+            <a:schemeClr val="accent1"/>
+          </a:lnRef>
+          <a:fillRef idx="0">
+            <a:schemeClr val="accent1"/>
+          </a:fillRef>
+          <a:effectRef idx="1">
+            <a:schemeClr val="accent1"/>
+          </a:effectRef>
+          <a:fontRef idx="minor">
+            <a:schemeClr val="tx1"/>
+          </a:fontRef>
+        </p:style>
+      </p:cxnSp>
+      <p:cxnSp>
+        <p:nvCxnSpPr>
+          <p:cNvPr id="86" name="Straight Arrow Connector 85"/>
+          <p:cNvCxnSpPr>
+            <a:stCxn id="15" idx="0"/>
+            <a:endCxn id="62" idx="2"/>
+          </p:cNvCxnSpPr>
+          <p:nvPr/>
+        </p:nvCxnSpPr>
+        <p:spPr>
+          <a:xfrm flipV="1">
+            <a:off x="2881169" y="2411856"/>
+            <a:ext cx="2099729" cy="406400"/>
+          </a:xfrm>
+          <a:prstGeom prst="straightConnector1">
+            <a:avLst/>
+          </a:prstGeom>
+          <a:ln w="6350">
+            <a:solidFill>
+              <a:schemeClr val="tx1">
+                <a:lumMod val="50000"/>
+                <a:lumOff val="50000"/>
+              </a:schemeClr>
+            </a:solidFill>
+            <a:tailEnd type="stealth" w="lg" len="lg"/>
+          </a:ln>
+        </p:spPr>
+        <p:style>
+          <a:lnRef idx="2">
+            <a:schemeClr val="accent1"/>
+          </a:lnRef>
+          <a:fillRef idx="0">
+            <a:schemeClr val="accent1"/>
+          </a:fillRef>
+          <a:effectRef idx="1">
+            <a:schemeClr val="accent1"/>
+          </a:effectRef>
+          <a:fontRef idx="minor">
+            <a:schemeClr val="tx1"/>
+          </a:fontRef>
+        </p:style>
+      </p:cxnSp>
+      <p:sp>
+        <p:nvSpPr>
+          <p:cNvPr id="88" name="Rectangle 87"/>
+          <p:cNvSpPr/>
+          <p:nvPr/>
+        </p:nvSpPr>
+        <p:spPr>
+          <a:xfrm>
+            <a:off x="2013337" y="3597183"/>
+            <a:ext cx="279401" cy="330200"/>
+          </a:xfrm>
+          <a:prstGeom prst="rect">
+            <a:avLst/>
+          </a:prstGeom>
+          <a:solidFill>
+            <a:srgbClr val="21FF06">
+              <a:alpha val="70000"/>
+            </a:srgbClr>
+          </a:solidFill>
+          <a:ln>
+            <a:noFill/>
+          </a:ln>
+        </p:spPr>
+        <p:style>
+          <a:lnRef idx="1">
+            <a:schemeClr val="accent1"/>
+          </a:lnRef>
+          <a:fillRef idx="3">
+            <a:schemeClr val="accent1"/>
+          </a:fillRef>
+          <a:effectRef idx="2">
+            <a:schemeClr val="accent1"/>
+          </a:effectRef>
+          <a:fontRef idx="minor">
+            <a:schemeClr val="lt1"/>
+          </a:fontRef>
+        </p:style>
+        <p:txBody>
+          <a:bodyPr lIns="0" tIns="0" rIns="0" bIns="0" rtlCol="0" anchor="ctr"/>
+          <a:lstStyle/>
+          <a:p>
+            <a:pPr algn="ctr"/>
+            <a:r>
+              <a:rPr lang="en-US" sz="1000" dirty="0" smtClean="0">
+                <a:solidFill>
+                  <a:schemeClr val="tx1"/>
+                </a:solidFill>
+              </a:rPr>
+              <a:t>Q1</a:t>
+            </a:r>
+          </a:p>
+        </p:txBody>
+      </p:sp>
+      <p:sp>
+        <p:nvSpPr>
+          <p:cNvPr id="89" name="Rectangle 88"/>
+          <p:cNvSpPr/>
+          <p:nvPr/>
+        </p:nvSpPr>
+        <p:spPr>
+          <a:xfrm>
+            <a:off x="2377402" y="3597183"/>
+            <a:ext cx="279401" cy="330200"/>
+          </a:xfrm>
+          <a:prstGeom prst="rect">
+            <a:avLst/>
+          </a:prstGeom>
+          <a:solidFill>
+            <a:srgbClr val="21FF06">
+              <a:alpha val="70000"/>
+            </a:srgbClr>
+          </a:solidFill>
+          <a:ln>
+            <a:noFill/>
+          </a:ln>
+        </p:spPr>
+        <p:style>
+          <a:lnRef idx="1">
+            <a:schemeClr val="accent1"/>
+          </a:lnRef>
+          <a:fillRef idx="3">
+            <a:schemeClr val="accent1"/>
+          </a:fillRef>
+          <a:effectRef idx="2">
+            <a:schemeClr val="accent1"/>
+          </a:effectRef>
+          <a:fontRef idx="minor">
+            <a:schemeClr val="lt1"/>
+          </a:fontRef>
+        </p:style>
+        <p:txBody>
+          <a:bodyPr lIns="0" tIns="0" rIns="0" bIns="0" rtlCol="0" anchor="ctr"/>
+          <a:lstStyle/>
+          <a:p>
+            <a:pPr algn="ctr"/>
+            <a:r>
+              <a:rPr lang="en-US" sz="1000" dirty="0">
+                <a:solidFill>
+                  <a:schemeClr val="tx1"/>
+                </a:solidFill>
+              </a:rPr>
+              <a:t>Q2</a:t>
+            </a:r>
+          </a:p>
+        </p:txBody>
+      </p:sp>
+      <p:sp>
+        <p:nvSpPr>
+          <p:cNvPr id="90" name="Rectangle 89"/>
+          <p:cNvSpPr/>
+          <p:nvPr/>
+        </p:nvSpPr>
+        <p:spPr>
+          <a:xfrm>
+            <a:off x="2741468" y="3597183"/>
+            <a:ext cx="279401" cy="330200"/>
+          </a:xfrm>
+          <a:prstGeom prst="rect">
+            <a:avLst/>
+          </a:prstGeom>
+          <a:solidFill>
+            <a:srgbClr val="21FF06">
+              <a:alpha val="70000"/>
+            </a:srgbClr>
+          </a:solidFill>
+          <a:ln>
+            <a:noFill/>
+          </a:ln>
+        </p:spPr>
+        <p:style>
+          <a:lnRef idx="1">
+            <a:schemeClr val="accent1"/>
+          </a:lnRef>
+          <a:fillRef idx="3">
+            <a:schemeClr val="accent1"/>
+          </a:fillRef>
+          <a:effectRef idx="2">
+            <a:schemeClr val="accent1"/>
+          </a:effectRef>
+          <a:fontRef idx="minor">
+            <a:schemeClr val="lt1"/>
+          </a:fontRef>
+        </p:style>
+        <p:txBody>
+          <a:bodyPr lIns="0" tIns="0" rIns="0" bIns="0" rtlCol="0" anchor="ctr"/>
+          <a:lstStyle/>
+          <a:p>
+            <a:pPr algn="ctr"/>
+            <a:r>
+              <a:rPr lang="en-US" sz="1000" dirty="0" smtClean="0">
+                <a:solidFill>
+                  <a:schemeClr val="tx1"/>
+                </a:solidFill>
+              </a:rPr>
+              <a:t>Q3</a:t>
+            </a:r>
+            <a:endParaRPr lang="en-US" sz="1000" dirty="0">
+              <a:solidFill>
+                <a:schemeClr val="tx1"/>
+              </a:solidFill>
+            </a:endParaRPr>
+          </a:p>
+        </p:txBody>
+      </p:sp>
+      <p:sp>
+        <p:nvSpPr>
+          <p:cNvPr id="91" name="Rectangle 90"/>
+          <p:cNvSpPr/>
+          <p:nvPr/>
+        </p:nvSpPr>
+        <p:spPr>
+          <a:xfrm>
+            <a:off x="2749966" y="4333783"/>
+            <a:ext cx="279401" cy="330200"/>
+          </a:xfrm>
+          <a:prstGeom prst="rect">
+            <a:avLst/>
+          </a:prstGeom>
+          <a:solidFill>
+            <a:srgbClr val="CC66FF">
+              <a:alpha val="70000"/>
+            </a:srgbClr>
+          </a:solidFill>
+          <a:ln>
+            <a:noFill/>
+          </a:ln>
+        </p:spPr>
+        <p:style>
+          <a:lnRef idx="1">
+            <a:schemeClr val="accent1"/>
+          </a:lnRef>
+          <a:fillRef idx="3">
+            <a:schemeClr val="accent1"/>
+          </a:fillRef>
+          <a:effectRef idx="2">
+            <a:schemeClr val="accent1"/>
+          </a:effectRef>
+          <a:fontRef idx="minor">
+            <a:schemeClr val="lt1"/>
+          </a:fontRef>
+        </p:style>
+        <p:txBody>
+          <a:bodyPr lIns="0" tIns="0" rIns="0" bIns="0" rtlCol="0" anchor="ctr"/>
+          <a:lstStyle/>
+          <a:p>
+            <a:pPr algn="ctr"/>
+            <a:r>
+              <a:rPr lang="en-US" sz="1000" dirty="0">
+                <a:solidFill>
+                  <a:schemeClr val="tx1"/>
+                </a:solidFill>
+              </a:rPr>
+              <a:t>C</a:t>
+            </a:r>
+            <a:r>
+              <a:rPr lang="en-US" sz="1000" dirty="0" smtClean="0">
+                <a:solidFill>
+                  <a:schemeClr val="tx1"/>
+                </a:solidFill>
+              </a:rPr>
+              <a:t>1</a:t>
+            </a:r>
+          </a:p>
+        </p:txBody>
+      </p:sp>
+      <p:sp>
+        <p:nvSpPr>
+          <p:cNvPr id="92" name="Rectangle 91"/>
+          <p:cNvSpPr/>
+          <p:nvPr/>
+        </p:nvSpPr>
+        <p:spPr>
+          <a:xfrm>
+            <a:off x="3114031" y="4333783"/>
+            <a:ext cx="279401" cy="330200"/>
+          </a:xfrm>
+          <a:prstGeom prst="rect">
+            <a:avLst/>
+          </a:prstGeom>
+          <a:solidFill>
+            <a:srgbClr val="CC66FF">
+              <a:alpha val="70000"/>
+            </a:srgbClr>
+          </a:solidFill>
+          <a:ln>
+            <a:noFill/>
+          </a:ln>
+        </p:spPr>
+        <p:style>
+          <a:lnRef idx="1">
+            <a:schemeClr val="accent1"/>
+          </a:lnRef>
+          <a:fillRef idx="3">
+            <a:schemeClr val="accent1"/>
+          </a:fillRef>
+          <a:effectRef idx="2">
+            <a:schemeClr val="accent1"/>
+          </a:effectRef>
+          <a:fontRef idx="minor">
+            <a:schemeClr val="lt1"/>
+          </a:fontRef>
+        </p:style>
+        <p:txBody>
+          <a:bodyPr lIns="0" tIns="0" rIns="0" bIns="0" rtlCol="0" anchor="ctr"/>
+          <a:lstStyle/>
+          <a:p>
+            <a:pPr algn="ctr"/>
+            <a:r>
+              <a:rPr lang="en-US" sz="1000" dirty="0" smtClean="0">
+                <a:solidFill>
+                  <a:schemeClr val="tx1"/>
+                </a:solidFill>
+              </a:rPr>
+              <a:t>C2</a:t>
+            </a:r>
+            <a:endParaRPr lang="en-US" sz="1000" dirty="0">
+              <a:solidFill>
+                <a:schemeClr val="tx1"/>
+              </a:solidFill>
+            </a:endParaRPr>
+          </a:p>
+        </p:txBody>
+      </p:sp>
+      <p:sp>
+        <p:nvSpPr>
+          <p:cNvPr id="93" name="Rectangle 92"/>
+          <p:cNvSpPr/>
+          <p:nvPr/>
+        </p:nvSpPr>
+        <p:spPr>
+          <a:xfrm>
+            <a:off x="3478097" y="4333783"/>
+            <a:ext cx="279401" cy="330200"/>
+          </a:xfrm>
+          <a:prstGeom prst="rect">
+            <a:avLst/>
+          </a:prstGeom>
+          <a:solidFill>
+            <a:srgbClr val="CC66FF">
+              <a:alpha val="70000"/>
+            </a:srgbClr>
+          </a:solidFill>
+          <a:ln>
+            <a:noFill/>
+          </a:ln>
+        </p:spPr>
+        <p:style>
+          <a:lnRef idx="1">
+            <a:schemeClr val="accent1"/>
+          </a:lnRef>
+          <a:fillRef idx="3">
+            <a:schemeClr val="accent1"/>
+          </a:fillRef>
+          <a:effectRef idx="2">
+            <a:schemeClr val="accent1"/>
+          </a:effectRef>
+          <a:fontRef idx="minor">
+            <a:schemeClr val="lt1"/>
+          </a:fontRef>
+        </p:style>
+        <p:txBody>
+          <a:bodyPr lIns="0" tIns="0" rIns="0" bIns="0" rtlCol="0" anchor="ctr"/>
+          <a:lstStyle/>
+          <a:p>
+            <a:pPr algn="ctr"/>
+            <a:r>
+              <a:rPr lang="en-US" sz="1000" dirty="0" smtClean="0">
+                <a:solidFill>
+                  <a:schemeClr val="tx1"/>
+                </a:solidFill>
+              </a:rPr>
+              <a:t>C3</a:t>
+            </a:r>
+            <a:endParaRPr lang="en-US" sz="1000" dirty="0">
+              <a:solidFill>
+                <a:schemeClr val="tx1"/>
+              </a:solidFill>
+            </a:endParaRPr>
+          </a:p>
+        </p:txBody>
+      </p:sp>
+      <p:sp>
+        <p:nvSpPr>
+          <p:cNvPr id="94" name="TextBox 93"/>
+          <p:cNvSpPr txBox="1"/>
+          <p:nvPr/>
+        </p:nvSpPr>
+        <p:spPr>
+          <a:xfrm>
+            <a:off x="1117006" y="3645472"/>
+            <a:ext cx="697627" cy="246221"/>
+          </a:xfrm>
+          <a:prstGeom prst="rect">
+            <a:avLst/>
+          </a:prstGeom>
+          <a:noFill/>
+        </p:spPr>
+        <p:txBody>
+          <a:bodyPr wrap="none" rtlCol="0">
+            <a:spAutoFit/>
+          </a:bodyPr>
+          <a:lstStyle/>
+          <a:p>
+            <a:pPr algn="r"/>
+            <a:r>
+              <a:rPr lang="en-US" sz="1000" dirty="0" smtClean="0"/>
+              <a:t>消息队列</a:t>
+            </a:r>
+            <a:endParaRPr lang="en-US" sz="1000" dirty="0"/>
+          </a:p>
+        </p:txBody>
+      </p:sp>
+      <p:sp>
+        <p:nvSpPr>
+          <p:cNvPr id="95" name="TextBox 94"/>
+          <p:cNvSpPr txBox="1"/>
+          <p:nvPr/>
+        </p:nvSpPr>
+        <p:spPr>
+          <a:xfrm>
+            <a:off x="1253713" y="4390538"/>
+            <a:ext cx="569387" cy="246221"/>
+          </a:xfrm>
+          <a:prstGeom prst="rect">
+            <a:avLst/>
+          </a:prstGeom>
+          <a:noFill/>
+        </p:spPr>
+        <p:txBody>
+          <a:bodyPr wrap="none" rtlCol="0">
+            <a:spAutoFit/>
+          </a:bodyPr>
+          <a:lstStyle/>
+          <a:p>
+            <a:pPr algn="r"/>
+            <a:r>
+              <a:rPr lang="en-US" sz="1000" dirty="0" smtClean="0"/>
+              <a:t>消费者</a:t>
+            </a:r>
+            <a:endParaRPr lang="en-US" sz="1000" dirty="0"/>
+          </a:p>
+        </p:txBody>
+      </p:sp>
+      <p:cxnSp>
+        <p:nvCxnSpPr>
+          <p:cNvPr id="96" name="Straight Arrow Connector 95"/>
+          <p:cNvCxnSpPr>
+            <a:stCxn id="91" idx="0"/>
+            <a:endCxn id="88" idx="2"/>
+          </p:cNvCxnSpPr>
+          <p:nvPr/>
+        </p:nvCxnSpPr>
+        <p:spPr>
+          <a:xfrm flipH="1" flipV="1">
+            <a:off x="2153038" y="3927383"/>
+            <a:ext cx="736629" cy="406400"/>
+          </a:xfrm>
+          <a:prstGeom prst="straightConnector1">
+            <a:avLst/>
+          </a:prstGeom>
+          <a:ln w="6350">
+            <a:solidFill>
+              <a:schemeClr val="tx1">
+                <a:lumMod val="50000"/>
+                <a:lumOff val="50000"/>
+              </a:schemeClr>
+            </a:solidFill>
+            <a:tailEnd type="stealth" w="lg" len="lg"/>
+          </a:ln>
+        </p:spPr>
+        <p:style>
+          <a:lnRef idx="2">
+            <a:schemeClr val="accent1"/>
+          </a:lnRef>
+          <a:fillRef idx="0">
+            <a:schemeClr val="accent1"/>
+          </a:fillRef>
+          <a:effectRef idx="1">
+            <a:schemeClr val="accent1"/>
+          </a:effectRef>
+          <a:fontRef idx="minor">
+            <a:schemeClr val="tx1"/>
+          </a:fontRef>
+        </p:style>
+      </p:cxnSp>
+      <p:cxnSp>
+        <p:nvCxnSpPr>
+          <p:cNvPr id="97" name="Straight Arrow Connector 96"/>
+          <p:cNvCxnSpPr>
+            <a:stCxn id="92" idx="0"/>
+            <a:endCxn id="89" idx="2"/>
+          </p:cNvCxnSpPr>
+          <p:nvPr/>
+        </p:nvCxnSpPr>
+        <p:spPr>
+          <a:xfrm flipH="1" flipV="1">
+            <a:off x="2517103" y="3927383"/>
+            <a:ext cx="736629" cy="406400"/>
+          </a:xfrm>
+          <a:prstGeom prst="straightConnector1">
+            <a:avLst/>
+          </a:prstGeom>
+          <a:ln w="6350">
+            <a:solidFill>
+              <a:schemeClr val="tx1">
+                <a:lumMod val="50000"/>
+                <a:lumOff val="50000"/>
+              </a:schemeClr>
+            </a:solidFill>
+            <a:tailEnd type="stealth" w="lg" len="lg"/>
+          </a:ln>
+        </p:spPr>
+        <p:style>
+          <a:lnRef idx="2">
+            <a:schemeClr val="accent1"/>
+          </a:lnRef>
+          <a:fillRef idx="0">
+            <a:schemeClr val="accent1"/>
+          </a:fillRef>
+          <a:effectRef idx="1">
+            <a:schemeClr val="accent1"/>
+          </a:effectRef>
+          <a:fontRef idx="minor">
+            <a:schemeClr val="tx1"/>
+          </a:fontRef>
+        </p:style>
+      </p:cxnSp>
+      <p:cxnSp>
+        <p:nvCxnSpPr>
+          <p:cNvPr id="98" name="Straight Arrow Connector 97"/>
+          <p:cNvCxnSpPr>
+            <a:stCxn id="93" idx="0"/>
+            <a:endCxn id="90" idx="2"/>
+          </p:cNvCxnSpPr>
+          <p:nvPr/>
+        </p:nvCxnSpPr>
+        <p:spPr>
+          <a:xfrm flipH="1" flipV="1">
+            <a:off x="2881169" y="3927383"/>
+            <a:ext cx="736629" cy="406400"/>
+          </a:xfrm>
+          <a:prstGeom prst="straightConnector1">
+            <a:avLst/>
+          </a:prstGeom>
+          <a:ln w="6350">
+            <a:solidFill>
+              <a:schemeClr val="tx1">
+                <a:lumMod val="50000"/>
+                <a:lumOff val="50000"/>
+              </a:schemeClr>
+            </a:solidFill>
+            <a:tailEnd type="stealth" w="lg" len="lg"/>
+          </a:ln>
+        </p:spPr>
+        <p:style>
+          <a:lnRef idx="2">
+            <a:schemeClr val="accent1"/>
+          </a:lnRef>
+          <a:fillRef idx="0">
+            <a:schemeClr val="accent1"/>
+          </a:fillRef>
+          <a:effectRef idx="1">
+            <a:schemeClr val="accent1"/>
+          </a:effectRef>
+          <a:fontRef idx="minor">
+            <a:schemeClr val="tx1"/>
+          </a:fontRef>
+        </p:style>
+      </p:cxnSp>
+      <p:sp>
+        <p:nvSpPr>
+          <p:cNvPr id="101" name="Rectangle 100"/>
+          <p:cNvSpPr/>
+          <p:nvPr/>
+        </p:nvSpPr>
+        <p:spPr>
+          <a:xfrm>
+            <a:off x="1916237" y="3494899"/>
+            <a:ext cx="1939458" cy="1269997"/>
+          </a:xfrm>
+          <a:prstGeom prst="rect">
+            <a:avLst/>
+          </a:prstGeom>
+          <a:noFill/>
+          <a:ln w="3175" cap="flat" cmpd="sng">
+            <a:solidFill>
+              <a:schemeClr val="tx1">
+                <a:lumMod val="65000"/>
+                <a:lumOff val="35000"/>
+              </a:schemeClr>
+            </a:solidFill>
+            <a:prstDash val="dash"/>
+          </a:ln>
+        </p:spPr>
+        <p:style>
+          <a:lnRef idx="1">
+            <a:schemeClr val="accent1"/>
+          </a:lnRef>
+          <a:fillRef idx="3">
+            <a:schemeClr val="accent1"/>
+          </a:fillRef>
+          <a:effectRef idx="2">
+            <a:schemeClr val="accent1"/>
+          </a:effectRef>
+          <a:fontRef idx="minor">
+            <a:schemeClr val="lt1"/>
+          </a:fontRef>
+        </p:style>
+        <p:txBody>
+          <a:bodyPr rtlCol="0" anchor="ctr"/>
+          <a:lstStyle/>
+          <a:p>
+            <a:pPr algn="ctr"/>
+            <a:endParaRPr lang="en-US"/>
+          </a:p>
+        </p:txBody>
+      </p:sp>
+      <p:sp>
+        <p:nvSpPr>
+          <p:cNvPr id="105" name="Rectangle 104"/>
+          <p:cNvSpPr/>
+          <p:nvPr/>
+        </p:nvSpPr>
+        <p:spPr>
+          <a:xfrm>
+            <a:off x="4015966" y="3494899"/>
+            <a:ext cx="1939458" cy="1269997"/>
+          </a:xfrm>
+          <a:prstGeom prst="rect">
+            <a:avLst/>
+          </a:prstGeom>
+          <a:noFill/>
+          <a:ln w="3175" cap="flat" cmpd="sng">
+            <a:solidFill>
+              <a:schemeClr val="tx1">
+                <a:lumMod val="65000"/>
+                <a:lumOff val="35000"/>
+              </a:schemeClr>
+            </a:solidFill>
+            <a:prstDash val="dash"/>
+          </a:ln>
+        </p:spPr>
+        <p:style>
+          <a:lnRef idx="1">
+            <a:schemeClr val="accent1"/>
+          </a:lnRef>
+          <a:fillRef idx="3">
+            <a:schemeClr val="accent1"/>
+          </a:fillRef>
+          <a:effectRef idx="2">
+            <a:schemeClr val="accent1"/>
+          </a:effectRef>
+          <a:fontRef idx="minor">
+            <a:schemeClr val="lt1"/>
+          </a:fontRef>
+        </p:style>
+        <p:txBody>
+          <a:bodyPr rtlCol="0" anchor="ctr"/>
+          <a:lstStyle/>
+          <a:p>
+            <a:pPr algn="ctr"/>
+            <a:endParaRPr lang="en-US"/>
+          </a:p>
+        </p:txBody>
+      </p:sp>
+      <p:sp>
+        <p:nvSpPr>
+          <p:cNvPr id="109" name="Rectangle 108"/>
+          <p:cNvSpPr/>
+          <p:nvPr/>
+        </p:nvSpPr>
+        <p:spPr>
+          <a:xfrm>
+            <a:off x="6212795" y="4333783"/>
+            <a:ext cx="279401" cy="330200"/>
+          </a:xfrm>
+          <a:prstGeom prst="rect">
+            <a:avLst/>
+          </a:prstGeom>
+          <a:solidFill>
+            <a:srgbClr val="CC66FF">
+              <a:alpha val="70000"/>
+            </a:srgbClr>
+          </a:solidFill>
+          <a:ln>
+            <a:noFill/>
+          </a:ln>
+        </p:spPr>
+        <p:style>
+          <a:lnRef idx="1">
+            <a:schemeClr val="accent1"/>
+          </a:lnRef>
+          <a:fillRef idx="3">
+            <a:schemeClr val="accent1"/>
+          </a:fillRef>
+          <a:effectRef idx="2">
+            <a:schemeClr val="accent1"/>
+          </a:effectRef>
+          <a:fontRef idx="minor">
+            <a:schemeClr val="lt1"/>
+          </a:fontRef>
+        </p:style>
+        <p:txBody>
+          <a:bodyPr lIns="0" tIns="0" rIns="0" bIns="0" rtlCol="0" anchor="ctr"/>
+          <a:lstStyle/>
+          <a:p>
+            <a:pPr algn="ctr"/>
+            <a:r>
+              <a:rPr lang="en-US" sz="1000" dirty="0" smtClean="0">
+                <a:solidFill>
+                  <a:schemeClr val="tx1"/>
+                </a:solidFill>
+              </a:rPr>
+              <a:t>C4</a:t>
+            </a:r>
+          </a:p>
+        </p:txBody>
+      </p:sp>
+      <p:sp>
+        <p:nvSpPr>
+          <p:cNvPr id="110" name="Rectangle 109"/>
+          <p:cNvSpPr/>
+          <p:nvPr/>
+        </p:nvSpPr>
+        <p:spPr>
+          <a:xfrm>
+            <a:off x="6576860" y="4333783"/>
+            <a:ext cx="279401" cy="330200"/>
+          </a:xfrm>
+          <a:prstGeom prst="rect">
+            <a:avLst/>
+          </a:prstGeom>
+          <a:solidFill>
+            <a:srgbClr val="CC66FF">
+              <a:alpha val="70000"/>
+            </a:srgbClr>
+          </a:solidFill>
+          <a:ln>
+            <a:noFill/>
+          </a:ln>
+        </p:spPr>
+        <p:style>
+          <a:lnRef idx="1">
+            <a:schemeClr val="accent1"/>
+          </a:lnRef>
+          <a:fillRef idx="3">
+            <a:schemeClr val="accent1"/>
+          </a:fillRef>
+          <a:effectRef idx="2">
+            <a:schemeClr val="accent1"/>
+          </a:effectRef>
+          <a:fontRef idx="minor">
+            <a:schemeClr val="lt1"/>
+          </a:fontRef>
+        </p:style>
+        <p:txBody>
+          <a:bodyPr lIns="0" tIns="0" rIns="0" bIns="0" rtlCol="0" anchor="ctr"/>
+          <a:lstStyle/>
+          <a:p>
+            <a:pPr algn="ctr"/>
+            <a:r>
+              <a:rPr lang="en-US" sz="1000" dirty="0" smtClean="0">
+                <a:solidFill>
+                  <a:schemeClr val="tx1"/>
+                </a:solidFill>
+              </a:rPr>
+              <a:t>C5</a:t>
+            </a:r>
+            <a:endParaRPr lang="en-US" sz="1000" dirty="0">
+              <a:solidFill>
+                <a:schemeClr val="tx1"/>
+              </a:solidFill>
+            </a:endParaRPr>
+          </a:p>
+        </p:txBody>
+      </p:sp>
+      <p:sp>
+        <p:nvSpPr>
+          <p:cNvPr id="111" name="Rectangle 110"/>
+          <p:cNvSpPr/>
+          <p:nvPr/>
+        </p:nvSpPr>
+        <p:spPr>
+          <a:xfrm>
+            <a:off x="6940926" y="4333783"/>
+            <a:ext cx="279401" cy="330200"/>
+          </a:xfrm>
+          <a:prstGeom prst="rect">
+            <a:avLst/>
+          </a:prstGeom>
+          <a:solidFill>
+            <a:srgbClr val="CC66FF">
+              <a:alpha val="70000"/>
+            </a:srgbClr>
+          </a:solidFill>
+          <a:ln>
+            <a:noFill/>
+          </a:ln>
+        </p:spPr>
+        <p:style>
+          <a:lnRef idx="1">
+            <a:schemeClr val="accent1"/>
+          </a:lnRef>
+          <a:fillRef idx="3">
+            <a:schemeClr val="accent1"/>
+          </a:fillRef>
+          <a:effectRef idx="2">
+            <a:schemeClr val="accent1"/>
+          </a:effectRef>
+          <a:fontRef idx="minor">
+            <a:schemeClr val="lt1"/>
+          </a:fontRef>
+        </p:style>
+        <p:txBody>
+          <a:bodyPr lIns="0" tIns="0" rIns="0" bIns="0" rtlCol="0" anchor="ctr"/>
+          <a:lstStyle/>
+          <a:p>
+            <a:pPr algn="ctr"/>
+            <a:r>
+              <a:rPr lang="en-US" sz="1000" dirty="0" smtClean="0">
+                <a:solidFill>
+                  <a:schemeClr val="tx1"/>
+                </a:solidFill>
+              </a:rPr>
+              <a:t>C6</a:t>
+            </a:r>
+            <a:endParaRPr lang="en-US" sz="1000" dirty="0">
+              <a:solidFill>
+                <a:schemeClr val="tx1"/>
+              </a:solidFill>
+            </a:endParaRPr>
+          </a:p>
+        </p:txBody>
+      </p:sp>
+      <p:cxnSp>
+        <p:nvCxnSpPr>
+          <p:cNvPr id="112" name="Straight Arrow Connector 111"/>
+          <p:cNvCxnSpPr>
+            <a:stCxn id="109" idx="0"/>
+          </p:cNvCxnSpPr>
+          <p:nvPr/>
+        </p:nvCxnSpPr>
+        <p:spPr>
+          <a:xfrm flipV="1">
+            <a:off x="6352496" y="3927383"/>
+            <a:ext cx="0" cy="406400"/>
+          </a:xfrm>
+          <a:prstGeom prst="straightConnector1">
+            <a:avLst/>
+          </a:prstGeom>
+          <a:ln w="6350">
+            <a:solidFill>
+              <a:schemeClr val="tx1">
+                <a:lumMod val="50000"/>
+                <a:lumOff val="50000"/>
+              </a:schemeClr>
+            </a:solidFill>
+            <a:tailEnd type="stealth" w="lg" len="lg"/>
+          </a:ln>
+        </p:spPr>
+        <p:style>
+          <a:lnRef idx="2">
+            <a:schemeClr val="accent1"/>
+          </a:lnRef>
+          <a:fillRef idx="0">
+            <a:schemeClr val="accent1"/>
+          </a:fillRef>
+          <a:effectRef idx="1">
+            <a:schemeClr val="accent1"/>
+          </a:effectRef>
+          <a:fontRef idx="minor">
+            <a:schemeClr val="tx1"/>
+          </a:fontRef>
+        </p:style>
+      </p:cxnSp>
+      <p:cxnSp>
+        <p:nvCxnSpPr>
+          <p:cNvPr id="113" name="Straight Arrow Connector 112"/>
+          <p:cNvCxnSpPr>
+            <a:stCxn id="110" idx="0"/>
+          </p:cNvCxnSpPr>
+          <p:nvPr/>
+        </p:nvCxnSpPr>
+        <p:spPr>
+          <a:xfrm flipV="1">
+            <a:off x="6716561" y="3927383"/>
+            <a:ext cx="0" cy="406400"/>
+          </a:xfrm>
+          <a:prstGeom prst="straightConnector1">
+            <a:avLst/>
+          </a:prstGeom>
+          <a:ln w="6350">
+            <a:solidFill>
+              <a:schemeClr val="tx1">
+                <a:lumMod val="50000"/>
+                <a:lumOff val="50000"/>
+              </a:schemeClr>
+            </a:solidFill>
+            <a:tailEnd type="stealth" w="lg" len="lg"/>
+          </a:ln>
+        </p:spPr>
+        <p:style>
+          <a:lnRef idx="2">
+            <a:schemeClr val="accent1"/>
+          </a:lnRef>
+          <a:fillRef idx="0">
+            <a:schemeClr val="accent1"/>
+          </a:fillRef>
+          <a:effectRef idx="1">
+            <a:schemeClr val="accent1"/>
+          </a:effectRef>
+          <a:fontRef idx="minor">
+            <a:schemeClr val="tx1"/>
+          </a:fontRef>
+        </p:style>
+      </p:cxnSp>
+      <p:cxnSp>
+        <p:nvCxnSpPr>
+          <p:cNvPr id="114" name="Straight Arrow Connector 113"/>
+          <p:cNvCxnSpPr>
+            <a:stCxn id="111" idx="0"/>
+          </p:cNvCxnSpPr>
+          <p:nvPr/>
+        </p:nvCxnSpPr>
+        <p:spPr>
+          <a:xfrm flipV="1">
+            <a:off x="7080627" y="3927383"/>
+            <a:ext cx="0" cy="406400"/>
+          </a:xfrm>
+          <a:prstGeom prst="straightConnector1">
+            <a:avLst/>
+          </a:prstGeom>
+          <a:ln w="6350">
+            <a:solidFill>
+              <a:schemeClr val="tx1">
+                <a:lumMod val="50000"/>
+                <a:lumOff val="50000"/>
+              </a:schemeClr>
+            </a:solidFill>
+            <a:tailEnd type="stealth" w="lg" len="lg"/>
+          </a:ln>
+        </p:spPr>
+        <p:style>
+          <a:lnRef idx="2">
+            <a:schemeClr val="accent1"/>
+          </a:lnRef>
+          <a:fillRef idx="0">
+            <a:schemeClr val="accent1"/>
+          </a:fillRef>
+          <a:effectRef idx="1">
+            <a:schemeClr val="accent1"/>
+          </a:effectRef>
+          <a:fontRef idx="minor">
+            <a:schemeClr val="tx1"/>
+          </a:fontRef>
+        </p:style>
+      </p:cxnSp>
+      <p:sp>
+        <p:nvSpPr>
+          <p:cNvPr id="117" name="Rectangle 116"/>
+          <p:cNvSpPr/>
+          <p:nvPr/>
+        </p:nvSpPr>
+        <p:spPr>
+          <a:xfrm>
+            <a:off x="6115695" y="3494899"/>
+            <a:ext cx="1939458" cy="1269997"/>
+          </a:xfrm>
+          <a:prstGeom prst="rect">
+            <a:avLst/>
+          </a:prstGeom>
+          <a:noFill/>
+          <a:ln w="3175" cap="flat" cmpd="sng">
+            <a:solidFill>
+              <a:schemeClr val="tx1">
+                <a:lumMod val="65000"/>
+                <a:lumOff val="35000"/>
+              </a:schemeClr>
+            </a:solidFill>
+            <a:prstDash val="dash"/>
+          </a:ln>
+        </p:spPr>
+        <p:style>
+          <a:lnRef idx="1">
+            <a:schemeClr val="accent1"/>
+          </a:lnRef>
+          <a:fillRef idx="3">
+            <a:schemeClr val="accent1"/>
+          </a:fillRef>
+          <a:effectRef idx="2">
+            <a:schemeClr val="accent1"/>
+          </a:effectRef>
+          <a:fontRef idx="minor">
+            <a:schemeClr val="lt1"/>
+          </a:fontRef>
+        </p:style>
+        <p:txBody>
+          <a:bodyPr rtlCol="0" anchor="ctr"/>
+          <a:lstStyle/>
+          <a:p>
+            <a:pPr algn="ctr"/>
+            <a:endParaRPr lang="en-US"/>
+          </a:p>
+        </p:txBody>
+      </p:sp>
+      <p:sp>
+        <p:nvSpPr>
+          <p:cNvPr id="121" name="Rectangle 120"/>
+          <p:cNvSpPr/>
+          <p:nvPr/>
+        </p:nvSpPr>
+        <p:spPr>
+          <a:xfrm>
+            <a:off x="3105535" y="3597183"/>
+            <a:ext cx="279401" cy="330200"/>
+          </a:xfrm>
+          <a:prstGeom prst="rect">
+            <a:avLst/>
+          </a:prstGeom>
+          <a:solidFill>
+            <a:srgbClr val="21FF06">
+              <a:alpha val="70000"/>
+            </a:srgbClr>
+          </a:solidFill>
+          <a:ln>
+            <a:noFill/>
+          </a:ln>
+        </p:spPr>
+        <p:style>
+          <a:lnRef idx="1">
+            <a:schemeClr val="accent1"/>
+          </a:lnRef>
+          <a:fillRef idx="3">
+            <a:schemeClr val="accent1"/>
+          </a:fillRef>
+          <a:effectRef idx="2">
+            <a:schemeClr val="accent1"/>
+          </a:effectRef>
+          <a:fontRef idx="minor">
+            <a:schemeClr val="lt1"/>
+          </a:fontRef>
+        </p:style>
+        <p:txBody>
+          <a:bodyPr lIns="0" tIns="0" rIns="0" bIns="0" rtlCol="0" anchor="ctr"/>
+          <a:lstStyle/>
+          <a:p>
+            <a:pPr algn="ctr"/>
+            <a:r>
+              <a:rPr lang="en-US" sz="1000" dirty="0" smtClean="0">
+                <a:solidFill>
+                  <a:schemeClr val="tx1"/>
+                </a:solidFill>
+              </a:rPr>
+              <a:t>Q4</a:t>
+            </a:r>
+            <a:endParaRPr lang="en-US" sz="1000" dirty="0">
+              <a:solidFill>
+                <a:schemeClr val="tx1"/>
+              </a:solidFill>
+            </a:endParaRPr>
+          </a:p>
+        </p:txBody>
+      </p:sp>
+      <p:sp>
+        <p:nvSpPr>
+          <p:cNvPr id="122" name="Rectangle 121"/>
+          <p:cNvSpPr/>
+          <p:nvPr/>
+        </p:nvSpPr>
+        <p:spPr>
+          <a:xfrm>
+            <a:off x="3469601" y="3597183"/>
+            <a:ext cx="279401" cy="330200"/>
+          </a:xfrm>
+          <a:prstGeom prst="rect">
+            <a:avLst/>
+          </a:prstGeom>
+          <a:solidFill>
+            <a:srgbClr val="21FF06">
+              <a:alpha val="70000"/>
+            </a:srgbClr>
+          </a:solidFill>
+          <a:ln>
+            <a:noFill/>
+          </a:ln>
+        </p:spPr>
+        <p:style>
+          <a:lnRef idx="1">
+            <a:schemeClr val="accent1"/>
+          </a:lnRef>
+          <a:fillRef idx="3">
+            <a:schemeClr val="accent1"/>
+          </a:fillRef>
+          <a:effectRef idx="2">
+            <a:schemeClr val="accent1"/>
+          </a:effectRef>
+          <a:fontRef idx="minor">
+            <a:schemeClr val="lt1"/>
+          </a:fontRef>
+        </p:style>
+        <p:txBody>
+          <a:bodyPr lIns="0" tIns="0" rIns="0" bIns="0" rtlCol="0" anchor="ctr"/>
+          <a:lstStyle/>
+          <a:p>
+            <a:pPr algn="ctr"/>
+            <a:r>
+              <a:rPr lang="en-US" sz="1000" dirty="0" smtClean="0">
+                <a:solidFill>
+                  <a:schemeClr val="tx1"/>
+                </a:solidFill>
+              </a:rPr>
+              <a:t>Q5</a:t>
+            </a:r>
+            <a:endParaRPr lang="en-US" sz="1000" dirty="0">
+              <a:solidFill>
+                <a:schemeClr val="tx1"/>
+              </a:solidFill>
+            </a:endParaRPr>
+          </a:p>
+        </p:txBody>
+      </p:sp>
+      <p:sp>
+        <p:nvSpPr>
+          <p:cNvPr id="128" name="Rectangle 127"/>
+          <p:cNvSpPr/>
+          <p:nvPr/>
+        </p:nvSpPr>
+        <p:spPr>
+          <a:xfrm>
+            <a:off x="4113066" y="3597183"/>
+            <a:ext cx="279401" cy="330200"/>
+          </a:xfrm>
+          <a:prstGeom prst="rect">
+            <a:avLst/>
+          </a:prstGeom>
+          <a:solidFill>
+            <a:srgbClr val="21FF06">
+              <a:alpha val="70000"/>
+            </a:srgbClr>
+          </a:solidFill>
+          <a:ln>
+            <a:noFill/>
+          </a:ln>
+        </p:spPr>
+        <p:style>
+          <a:lnRef idx="1">
+            <a:schemeClr val="accent1"/>
+          </a:lnRef>
+          <a:fillRef idx="3">
+            <a:schemeClr val="accent1"/>
+          </a:fillRef>
+          <a:effectRef idx="2">
+            <a:schemeClr val="accent1"/>
+          </a:effectRef>
+          <a:fontRef idx="minor">
+            <a:schemeClr val="lt1"/>
+          </a:fontRef>
+        </p:style>
+        <p:txBody>
+          <a:bodyPr lIns="0" tIns="0" rIns="0" bIns="0" rtlCol="0" anchor="ctr"/>
+          <a:lstStyle/>
+          <a:p>
+            <a:pPr algn="ctr"/>
+            <a:r>
+              <a:rPr lang="en-US" sz="1000" dirty="0" smtClean="0">
+                <a:solidFill>
+                  <a:schemeClr val="tx1"/>
+                </a:solidFill>
+              </a:rPr>
+              <a:t>Q6</a:t>
+            </a:r>
+          </a:p>
+        </p:txBody>
+      </p:sp>
+      <p:sp>
+        <p:nvSpPr>
+          <p:cNvPr id="129" name="Rectangle 128"/>
+          <p:cNvSpPr/>
+          <p:nvPr/>
+        </p:nvSpPr>
+        <p:spPr>
+          <a:xfrm>
+            <a:off x="4477131" y="3597183"/>
+            <a:ext cx="279401" cy="330200"/>
+          </a:xfrm>
+          <a:prstGeom prst="rect">
+            <a:avLst/>
+          </a:prstGeom>
+          <a:solidFill>
+            <a:srgbClr val="21FF06">
+              <a:alpha val="70000"/>
+            </a:srgbClr>
+          </a:solidFill>
+          <a:ln>
+            <a:noFill/>
+          </a:ln>
+        </p:spPr>
+        <p:style>
+          <a:lnRef idx="1">
+            <a:schemeClr val="accent1"/>
+          </a:lnRef>
+          <a:fillRef idx="3">
+            <a:schemeClr val="accent1"/>
+          </a:fillRef>
+          <a:effectRef idx="2">
+            <a:schemeClr val="accent1"/>
+          </a:effectRef>
+          <a:fontRef idx="minor">
+            <a:schemeClr val="lt1"/>
+          </a:fontRef>
+        </p:style>
+        <p:txBody>
+          <a:bodyPr lIns="0" tIns="0" rIns="0" bIns="0" rtlCol="0" anchor="ctr"/>
+          <a:lstStyle/>
+          <a:p>
+            <a:pPr algn="ctr"/>
+            <a:r>
+              <a:rPr lang="en-US" sz="1000" dirty="0" smtClean="0">
+                <a:solidFill>
+                  <a:schemeClr val="tx1"/>
+                </a:solidFill>
+              </a:rPr>
+              <a:t>Q7</a:t>
+            </a:r>
+            <a:endParaRPr lang="en-US" sz="1000" dirty="0">
+              <a:solidFill>
+                <a:schemeClr val="tx1"/>
+              </a:solidFill>
+            </a:endParaRPr>
+          </a:p>
+        </p:txBody>
+      </p:sp>
+      <p:sp>
+        <p:nvSpPr>
+          <p:cNvPr id="130" name="Rectangle 129"/>
+          <p:cNvSpPr/>
+          <p:nvPr/>
+        </p:nvSpPr>
+        <p:spPr>
+          <a:xfrm>
+            <a:off x="4841197" y="3597183"/>
+            <a:ext cx="279401" cy="330200"/>
+          </a:xfrm>
+          <a:prstGeom prst="rect">
+            <a:avLst/>
+          </a:prstGeom>
+          <a:solidFill>
+            <a:srgbClr val="21FF06">
+              <a:alpha val="70000"/>
+            </a:srgbClr>
+          </a:solidFill>
+          <a:ln>
+            <a:noFill/>
+          </a:ln>
+        </p:spPr>
+        <p:style>
+          <a:lnRef idx="1">
+            <a:schemeClr val="accent1"/>
+          </a:lnRef>
+          <a:fillRef idx="3">
+            <a:schemeClr val="accent1"/>
+          </a:fillRef>
+          <a:effectRef idx="2">
+            <a:schemeClr val="accent1"/>
+          </a:effectRef>
+          <a:fontRef idx="minor">
+            <a:schemeClr val="lt1"/>
+          </a:fontRef>
+        </p:style>
+        <p:txBody>
+          <a:bodyPr lIns="0" tIns="0" rIns="0" bIns="0" rtlCol="0" anchor="ctr"/>
+          <a:lstStyle/>
+          <a:p>
+            <a:pPr algn="ctr"/>
+            <a:r>
+              <a:rPr lang="en-US" sz="1000" dirty="0" smtClean="0">
+                <a:solidFill>
+                  <a:schemeClr val="tx1"/>
+                </a:solidFill>
+              </a:rPr>
+              <a:t>Q8</a:t>
+            </a:r>
+            <a:endParaRPr lang="en-US" sz="1000" dirty="0">
+              <a:solidFill>
+                <a:schemeClr val="tx1"/>
+              </a:solidFill>
+            </a:endParaRPr>
+          </a:p>
+        </p:txBody>
+      </p:sp>
+      <p:sp>
+        <p:nvSpPr>
+          <p:cNvPr id="131" name="Rectangle 130"/>
+          <p:cNvSpPr/>
+          <p:nvPr/>
+        </p:nvSpPr>
+        <p:spPr>
+          <a:xfrm>
+            <a:off x="5205264" y="3597183"/>
+            <a:ext cx="279401" cy="330200"/>
+          </a:xfrm>
+          <a:prstGeom prst="rect">
+            <a:avLst/>
+          </a:prstGeom>
+          <a:solidFill>
+            <a:srgbClr val="21FF06">
+              <a:alpha val="70000"/>
+            </a:srgbClr>
+          </a:solidFill>
+          <a:ln>
+            <a:noFill/>
+          </a:ln>
+        </p:spPr>
+        <p:style>
+          <a:lnRef idx="1">
+            <a:schemeClr val="accent1"/>
+          </a:lnRef>
+          <a:fillRef idx="3">
+            <a:schemeClr val="accent1"/>
+          </a:fillRef>
+          <a:effectRef idx="2">
+            <a:schemeClr val="accent1"/>
+          </a:effectRef>
+          <a:fontRef idx="minor">
+            <a:schemeClr val="lt1"/>
+          </a:fontRef>
+        </p:style>
+        <p:txBody>
+          <a:bodyPr lIns="0" tIns="0" rIns="0" bIns="0" rtlCol="0" anchor="ctr"/>
+          <a:lstStyle/>
+          <a:p>
+            <a:pPr algn="ctr"/>
+            <a:r>
+              <a:rPr lang="en-US" sz="1000" dirty="0" smtClean="0">
+                <a:solidFill>
+                  <a:schemeClr val="tx1"/>
+                </a:solidFill>
+              </a:rPr>
+              <a:t>Q9</a:t>
+            </a:r>
+            <a:endParaRPr lang="en-US" sz="1000" dirty="0">
+              <a:solidFill>
+                <a:schemeClr val="tx1"/>
+              </a:solidFill>
+            </a:endParaRPr>
+          </a:p>
+        </p:txBody>
+      </p:sp>
+      <p:sp>
+        <p:nvSpPr>
+          <p:cNvPr id="132" name="Rectangle 131"/>
+          <p:cNvSpPr/>
+          <p:nvPr/>
+        </p:nvSpPr>
+        <p:spPr>
+          <a:xfrm>
+            <a:off x="5569330" y="3597183"/>
+            <a:ext cx="279401" cy="330200"/>
+          </a:xfrm>
+          <a:prstGeom prst="rect">
+            <a:avLst/>
+          </a:prstGeom>
+          <a:solidFill>
+            <a:srgbClr val="21FF06">
+              <a:alpha val="70000"/>
+            </a:srgbClr>
+          </a:solidFill>
+          <a:ln>
+            <a:noFill/>
+          </a:ln>
+        </p:spPr>
+        <p:style>
+          <a:lnRef idx="1">
+            <a:schemeClr val="accent1"/>
+          </a:lnRef>
+          <a:fillRef idx="3">
+            <a:schemeClr val="accent1"/>
+          </a:fillRef>
+          <a:effectRef idx="2">
+            <a:schemeClr val="accent1"/>
+          </a:effectRef>
+          <a:fontRef idx="minor">
+            <a:schemeClr val="lt1"/>
+          </a:fontRef>
+        </p:style>
+        <p:txBody>
+          <a:bodyPr lIns="0" tIns="0" rIns="0" bIns="0" rtlCol="0" anchor="ctr"/>
+          <a:lstStyle/>
+          <a:p>
+            <a:pPr algn="ctr"/>
+            <a:r>
+              <a:rPr lang="en-US" sz="1000" dirty="0" smtClean="0">
+                <a:solidFill>
+                  <a:schemeClr val="tx1"/>
+                </a:solidFill>
+              </a:rPr>
+              <a:t>Q10</a:t>
+            </a:r>
+            <a:endParaRPr lang="en-US" sz="1000" dirty="0">
+              <a:solidFill>
+                <a:schemeClr val="tx1"/>
+              </a:solidFill>
+            </a:endParaRPr>
+          </a:p>
+        </p:txBody>
+      </p:sp>
+      <p:sp>
+        <p:nvSpPr>
+          <p:cNvPr id="133" name="Rectangle 132"/>
+          <p:cNvSpPr/>
+          <p:nvPr/>
+        </p:nvSpPr>
+        <p:spPr>
+          <a:xfrm>
+            <a:off x="6212795" y="3584483"/>
+            <a:ext cx="279401" cy="330200"/>
+          </a:xfrm>
+          <a:prstGeom prst="rect">
+            <a:avLst/>
+          </a:prstGeom>
+          <a:solidFill>
+            <a:srgbClr val="21FF06">
+              <a:alpha val="70000"/>
+            </a:srgbClr>
+          </a:solidFill>
+          <a:ln>
+            <a:noFill/>
+          </a:ln>
+        </p:spPr>
+        <p:style>
+          <a:lnRef idx="1">
+            <a:schemeClr val="accent1"/>
+          </a:lnRef>
+          <a:fillRef idx="3">
+            <a:schemeClr val="accent1"/>
+          </a:fillRef>
+          <a:effectRef idx="2">
+            <a:schemeClr val="accent1"/>
+          </a:effectRef>
+          <a:fontRef idx="minor">
+            <a:schemeClr val="lt1"/>
+          </a:fontRef>
+        </p:style>
+        <p:txBody>
+          <a:bodyPr lIns="0" tIns="0" rIns="0" bIns="0" rtlCol="0" anchor="ctr"/>
+          <a:lstStyle/>
+          <a:p>
+            <a:pPr algn="ctr"/>
+            <a:r>
+              <a:rPr lang="en-US" sz="1000" dirty="0" smtClean="0">
+                <a:solidFill>
+                  <a:schemeClr val="tx1"/>
+                </a:solidFill>
+              </a:rPr>
+              <a:t>Q11</a:t>
+            </a:r>
+          </a:p>
+        </p:txBody>
+      </p:sp>
+      <p:sp>
+        <p:nvSpPr>
+          <p:cNvPr id="134" name="Rectangle 133"/>
+          <p:cNvSpPr/>
+          <p:nvPr/>
+        </p:nvSpPr>
+        <p:spPr>
+          <a:xfrm>
+            <a:off x="6576860" y="3584483"/>
+            <a:ext cx="279401" cy="330200"/>
+          </a:xfrm>
+          <a:prstGeom prst="rect">
+            <a:avLst/>
+          </a:prstGeom>
+          <a:solidFill>
+            <a:srgbClr val="21FF06">
+              <a:alpha val="70000"/>
+            </a:srgbClr>
+          </a:solidFill>
+          <a:ln>
+            <a:noFill/>
+          </a:ln>
+        </p:spPr>
+        <p:style>
+          <a:lnRef idx="1">
+            <a:schemeClr val="accent1"/>
+          </a:lnRef>
+          <a:fillRef idx="3">
+            <a:schemeClr val="accent1"/>
+          </a:fillRef>
+          <a:effectRef idx="2">
+            <a:schemeClr val="accent1"/>
+          </a:effectRef>
+          <a:fontRef idx="minor">
+            <a:schemeClr val="lt1"/>
+          </a:fontRef>
+        </p:style>
+        <p:txBody>
+          <a:bodyPr lIns="0" tIns="0" rIns="0" bIns="0" rtlCol="0" anchor="ctr"/>
+          <a:lstStyle/>
+          <a:p>
+            <a:pPr algn="ctr"/>
+            <a:r>
+              <a:rPr lang="en-US" sz="1000" dirty="0" smtClean="0">
+                <a:solidFill>
+                  <a:schemeClr val="tx1"/>
+                </a:solidFill>
+              </a:rPr>
+              <a:t>Q12</a:t>
+            </a:r>
+            <a:endParaRPr lang="en-US" sz="1000" dirty="0">
+              <a:solidFill>
+                <a:schemeClr val="tx1"/>
+              </a:solidFill>
+            </a:endParaRPr>
+          </a:p>
+        </p:txBody>
+      </p:sp>
+      <p:sp>
+        <p:nvSpPr>
+          <p:cNvPr id="135" name="Rectangle 134"/>
+          <p:cNvSpPr/>
+          <p:nvPr/>
+        </p:nvSpPr>
+        <p:spPr>
+          <a:xfrm>
+            <a:off x="6940926" y="3584483"/>
+            <a:ext cx="279401" cy="330200"/>
+          </a:xfrm>
+          <a:prstGeom prst="rect">
+            <a:avLst/>
+          </a:prstGeom>
+          <a:solidFill>
+            <a:srgbClr val="21FF06">
+              <a:alpha val="70000"/>
+            </a:srgbClr>
+          </a:solidFill>
+          <a:ln>
+            <a:noFill/>
+          </a:ln>
+        </p:spPr>
+        <p:style>
+          <a:lnRef idx="1">
+            <a:schemeClr val="accent1"/>
+          </a:lnRef>
+          <a:fillRef idx="3">
+            <a:schemeClr val="accent1"/>
+          </a:fillRef>
+          <a:effectRef idx="2">
+            <a:schemeClr val="accent1"/>
+          </a:effectRef>
+          <a:fontRef idx="minor">
+            <a:schemeClr val="lt1"/>
+          </a:fontRef>
+        </p:style>
+        <p:txBody>
+          <a:bodyPr lIns="0" tIns="0" rIns="0" bIns="0" rtlCol="0" anchor="ctr"/>
+          <a:lstStyle/>
+          <a:p>
+            <a:pPr algn="ctr"/>
+            <a:r>
+              <a:rPr lang="en-US" sz="1000" dirty="0" smtClean="0">
+                <a:solidFill>
+                  <a:schemeClr val="tx1"/>
+                </a:solidFill>
+              </a:rPr>
+              <a:t>Q13</a:t>
+            </a:r>
+            <a:endParaRPr lang="en-US" sz="1000" dirty="0">
+              <a:solidFill>
+                <a:schemeClr val="tx1"/>
+              </a:solidFill>
+            </a:endParaRPr>
+          </a:p>
+        </p:txBody>
+      </p:sp>
+      <p:sp>
+        <p:nvSpPr>
+          <p:cNvPr id="136" name="Rectangle 135"/>
+          <p:cNvSpPr/>
+          <p:nvPr/>
+        </p:nvSpPr>
+        <p:spPr>
+          <a:xfrm>
+            <a:off x="7304993" y="3584483"/>
+            <a:ext cx="279401" cy="330200"/>
+          </a:xfrm>
+          <a:prstGeom prst="rect">
+            <a:avLst/>
+          </a:prstGeom>
+          <a:solidFill>
+            <a:srgbClr val="21FF06">
+              <a:alpha val="70000"/>
+            </a:srgbClr>
+          </a:solidFill>
+          <a:ln>
+            <a:noFill/>
+          </a:ln>
+        </p:spPr>
+        <p:style>
+          <a:lnRef idx="1">
+            <a:schemeClr val="accent1"/>
+          </a:lnRef>
+          <a:fillRef idx="3">
+            <a:schemeClr val="accent1"/>
+          </a:fillRef>
+          <a:effectRef idx="2">
+            <a:schemeClr val="accent1"/>
+          </a:effectRef>
+          <a:fontRef idx="minor">
+            <a:schemeClr val="lt1"/>
+          </a:fontRef>
+        </p:style>
+        <p:txBody>
+          <a:bodyPr lIns="0" tIns="0" rIns="0" bIns="0" rtlCol="0" anchor="ctr"/>
+          <a:lstStyle/>
+          <a:p>
+            <a:pPr algn="ctr"/>
+            <a:r>
+              <a:rPr lang="en-US" sz="1000" dirty="0" smtClean="0">
+                <a:solidFill>
+                  <a:schemeClr val="tx1"/>
+                </a:solidFill>
+              </a:rPr>
+              <a:t>Q14</a:t>
+            </a:r>
+            <a:endParaRPr lang="en-US" sz="1000" dirty="0">
+              <a:solidFill>
+                <a:schemeClr val="tx1"/>
+              </a:solidFill>
+            </a:endParaRPr>
+          </a:p>
+        </p:txBody>
+      </p:sp>
+      <p:sp>
+        <p:nvSpPr>
+          <p:cNvPr id="137" name="Rectangle 136"/>
+          <p:cNvSpPr/>
+          <p:nvPr/>
+        </p:nvSpPr>
+        <p:spPr>
+          <a:xfrm>
+            <a:off x="7669059" y="3584483"/>
+            <a:ext cx="279401" cy="330200"/>
+          </a:xfrm>
+          <a:prstGeom prst="rect">
+            <a:avLst/>
+          </a:prstGeom>
+          <a:solidFill>
+            <a:srgbClr val="21FF06">
+              <a:alpha val="70000"/>
+            </a:srgbClr>
+          </a:solidFill>
+          <a:ln>
+            <a:noFill/>
+          </a:ln>
+        </p:spPr>
+        <p:style>
+          <a:lnRef idx="1">
+            <a:schemeClr val="accent1"/>
+          </a:lnRef>
+          <a:fillRef idx="3">
+            <a:schemeClr val="accent1"/>
+          </a:fillRef>
+          <a:effectRef idx="2">
+            <a:schemeClr val="accent1"/>
+          </a:effectRef>
+          <a:fontRef idx="minor">
+            <a:schemeClr val="lt1"/>
+          </a:fontRef>
+        </p:style>
+        <p:txBody>
+          <a:bodyPr lIns="0" tIns="0" rIns="0" bIns="0" rtlCol="0" anchor="ctr"/>
+          <a:lstStyle/>
+          <a:p>
+            <a:pPr algn="ctr"/>
+            <a:r>
+              <a:rPr lang="en-US" sz="1000" dirty="0" smtClean="0">
+                <a:solidFill>
+                  <a:schemeClr val="tx1"/>
+                </a:solidFill>
+              </a:rPr>
+              <a:t>Q15</a:t>
+            </a:r>
+            <a:endParaRPr lang="en-US" sz="1000" dirty="0">
+              <a:solidFill>
+                <a:schemeClr val="tx1"/>
+              </a:solidFill>
+            </a:endParaRPr>
+          </a:p>
+        </p:txBody>
+      </p:sp>
+      <p:cxnSp>
+        <p:nvCxnSpPr>
+          <p:cNvPr id="138" name="Straight Arrow Connector 137"/>
+          <p:cNvCxnSpPr>
+            <a:stCxn id="91" idx="0"/>
+            <a:endCxn id="121" idx="2"/>
+          </p:cNvCxnSpPr>
+          <p:nvPr/>
+        </p:nvCxnSpPr>
+        <p:spPr>
+          <a:xfrm flipV="1">
+            <a:off x="2889667" y="3927383"/>
+            <a:ext cx="355569" cy="406400"/>
+          </a:xfrm>
+          <a:prstGeom prst="straightConnector1">
+            <a:avLst/>
+          </a:prstGeom>
+          <a:ln w="6350">
+            <a:solidFill>
+              <a:schemeClr val="tx1">
+                <a:lumMod val="50000"/>
+                <a:lumOff val="50000"/>
+              </a:schemeClr>
+            </a:solidFill>
+            <a:tailEnd type="stealth" w="lg" len="lg"/>
+          </a:ln>
+        </p:spPr>
+        <p:style>
+          <a:lnRef idx="2">
+            <a:schemeClr val="accent1"/>
+          </a:lnRef>
+          <a:fillRef idx="0">
+            <a:schemeClr val="accent1"/>
+          </a:fillRef>
+          <a:effectRef idx="1">
+            <a:schemeClr val="accent1"/>
+          </a:effectRef>
+          <a:fontRef idx="minor">
+            <a:schemeClr val="tx1"/>
+          </a:fontRef>
+        </p:style>
+      </p:cxnSp>
+      <p:cxnSp>
+        <p:nvCxnSpPr>
+          <p:cNvPr id="139" name="Straight Arrow Connector 138"/>
+          <p:cNvCxnSpPr>
+            <a:stCxn id="91" idx="0"/>
+            <a:endCxn id="128" idx="2"/>
+          </p:cNvCxnSpPr>
+          <p:nvPr/>
+        </p:nvCxnSpPr>
+        <p:spPr>
+          <a:xfrm flipV="1">
+            <a:off x="2889667" y="3927383"/>
+            <a:ext cx="1363100" cy="406400"/>
+          </a:xfrm>
+          <a:prstGeom prst="straightConnector1">
+            <a:avLst/>
+          </a:prstGeom>
+          <a:ln w="6350">
+            <a:solidFill>
+              <a:schemeClr val="tx1">
+                <a:lumMod val="50000"/>
+                <a:lumOff val="50000"/>
+              </a:schemeClr>
+            </a:solidFill>
+            <a:tailEnd type="stealth" w="lg" len="lg"/>
+          </a:ln>
+        </p:spPr>
+        <p:style>
+          <a:lnRef idx="2">
+            <a:schemeClr val="accent1"/>
+          </a:lnRef>
+          <a:fillRef idx="0">
+            <a:schemeClr val="accent1"/>
+          </a:fillRef>
+          <a:effectRef idx="1">
+            <a:schemeClr val="accent1"/>
+          </a:effectRef>
+          <a:fontRef idx="minor">
+            <a:schemeClr val="tx1"/>
+          </a:fontRef>
+        </p:style>
+      </p:cxnSp>
+      <p:cxnSp>
+        <p:nvCxnSpPr>
+          <p:cNvPr id="140" name="Straight Arrow Connector 139"/>
+          <p:cNvCxnSpPr>
+            <a:stCxn id="92" idx="0"/>
+            <a:endCxn id="122" idx="2"/>
+          </p:cNvCxnSpPr>
+          <p:nvPr/>
+        </p:nvCxnSpPr>
+        <p:spPr>
+          <a:xfrm flipV="1">
+            <a:off x="3253732" y="3927383"/>
+            <a:ext cx="355570" cy="406400"/>
+          </a:xfrm>
+          <a:prstGeom prst="straightConnector1">
+            <a:avLst/>
+          </a:prstGeom>
+          <a:ln w="6350">
+            <a:solidFill>
+              <a:schemeClr val="tx1">
+                <a:lumMod val="50000"/>
+                <a:lumOff val="50000"/>
+              </a:schemeClr>
+            </a:solidFill>
+            <a:tailEnd type="stealth" w="lg" len="lg"/>
+          </a:ln>
+        </p:spPr>
+        <p:style>
+          <a:lnRef idx="2">
+            <a:schemeClr val="accent1"/>
+          </a:lnRef>
+          <a:fillRef idx="0">
+            <a:schemeClr val="accent1"/>
+          </a:fillRef>
+          <a:effectRef idx="1">
+            <a:schemeClr val="accent1"/>
+          </a:effectRef>
+          <a:fontRef idx="minor">
+            <a:schemeClr val="tx1"/>
+          </a:fontRef>
+        </p:style>
+      </p:cxnSp>
+      <p:cxnSp>
+        <p:nvCxnSpPr>
+          <p:cNvPr id="141" name="Straight Arrow Connector 140"/>
+          <p:cNvCxnSpPr>
+            <a:stCxn id="92" idx="0"/>
+            <a:endCxn id="129" idx="2"/>
+          </p:cNvCxnSpPr>
+          <p:nvPr/>
+        </p:nvCxnSpPr>
+        <p:spPr>
+          <a:xfrm flipV="1">
+            <a:off x="3253732" y="3927383"/>
+            <a:ext cx="1363100" cy="406400"/>
+          </a:xfrm>
+          <a:prstGeom prst="straightConnector1">
+            <a:avLst/>
+          </a:prstGeom>
+          <a:ln w="6350">
+            <a:solidFill>
+              <a:schemeClr val="tx1">
+                <a:lumMod val="50000"/>
+                <a:lumOff val="50000"/>
+              </a:schemeClr>
+            </a:solidFill>
+            <a:tailEnd type="stealth" w="lg" len="lg"/>
+          </a:ln>
+        </p:spPr>
+        <p:style>
+          <a:lnRef idx="2">
+            <a:schemeClr val="accent1"/>
+          </a:lnRef>
+          <a:fillRef idx="0">
+            <a:schemeClr val="accent1"/>
+          </a:fillRef>
+          <a:effectRef idx="1">
+            <a:schemeClr val="accent1"/>
+          </a:effectRef>
+          <a:fontRef idx="minor">
+            <a:schemeClr val="tx1"/>
+          </a:fontRef>
+        </p:style>
+      </p:cxnSp>
+      <p:cxnSp>
+        <p:nvCxnSpPr>
+          <p:cNvPr id="144" name="Straight Arrow Connector 143"/>
+          <p:cNvCxnSpPr>
+            <a:stCxn id="93" idx="0"/>
+            <a:endCxn id="130" idx="2"/>
+          </p:cNvCxnSpPr>
+          <p:nvPr/>
+        </p:nvCxnSpPr>
+        <p:spPr>
+          <a:xfrm flipV="1">
+            <a:off x="3617798" y="3927383"/>
+            <a:ext cx="1363100" cy="406400"/>
+          </a:xfrm>
+          <a:prstGeom prst="straightConnector1">
+            <a:avLst/>
+          </a:prstGeom>
+          <a:ln w="6350">
+            <a:solidFill>
+              <a:schemeClr val="tx1">
+                <a:lumMod val="50000"/>
+                <a:lumOff val="50000"/>
+              </a:schemeClr>
+            </a:solidFill>
+            <a:tailEnd type="stealth" w="lg" len="lg"/>
+          </a:ln>
+        </p:spPr>
+        <p:style>
+          <a:lnRef idx="2">
+            <a:schemeClr val="accent1"/>
+          </a:lnRef>
+          <a:fillRef idx="0">
+            <a:schemeClr val="accent1"/>
+          </a:fillRef>
+          <a:effectRef idx="1">
+            <a:schemeClr val="accent1"/>
+          </a:effectRef>
+          <a:fontRef idx="minor">
+            <a:schemeClr val="tx1"/>
+          </a:fontRef>
+        </p:style>
+      </p:cxnSp>
+      <p:cxnSp>
+        <p:nvCxnSpPr>
+          <p:cNvPr id="147" name="Straight Arrow Connector 146"/>
+          <p:cNvCxnSpPr>
+            <a:stCxn id="109" idx="0"/>
+            <a:endCxn id="131" idx="2"/>
+          </p:cNvCxnSpPr>
+          <p:nvPr/>
+        </p:nvCxnSpPr>
+        <p:spPr>
+          <a:xfrm flipH="1" flipV="1">
+            <a:off x="5344965" y="3927383"/>
+            <a:ext cx="1007531" cy="406400"/>
+          </a:xfrm>
+          <a:prstGeom prst="straightConnector1">
+            <a:avLst/>
+          </a:prstGeom>
+          <a:ln w="6350">
+            <a:solidFill>
+              <a:schemeClr val="tx1">
+                <a:lumMod val="50000"/>
+                <a:lumOff val="50000"/>
+              </a:schemeClr>
+            </a:solidFill>
+            <a:tailEnd type="stealth" w="lg" len="lg"/>
+          </a:ln>
+        </p:spPr>
+        <p:style>
+          <a:lnRef idx="2">
+            <a:schemeClr val="accent1"/>
+          </a:lnRef>
+          <a:fillRef idx="0">
+            <a:schemeClr val="accent1"/>
+          </a:fillRef>
+          <a:effectRef idx="1">
+            <a:schemeClr val="accent1"/>
+          </a:effectRef>
+          <a:fontRef idx="minor">
+            <a:schemeClr val="tx1"/>
+          </a:fontRef>
+        </p:style>
+      </p:cxnSp>
+      <p:cxnSp>
+        <p:nvCxnSpPr>
+          <p:cNvPr id="150" name="Straight Arrow Connector 149"/>
+          <p:cNvCxnSpPr>
+            <a:stCxn id="109" idx="0"/>
+            <a:endCxn id="136" idx="2"/>
+          </p:cNvCxnSpPr>
+          <p:nvPr/>
+        </p:nvCxnSpPr>
+        <p:spPr>
+          <a:xfrm flipV="1">
+            <a:off x="6352496" y="3914683"/>
+            <a:ext cx="1092198" cy="419100"/>
+          </a:xfrm>
+          <a:prstGeom prst="straightConnector1">
+            <a:avLst/>
+          </a:prstGeom>
+          <a:ln w="6350">
+            <a:solidFill>
+              <a:schemeClr val="tx1">
+                <a:lumMod val="50000"/>
+                <a:lumOff val="50000"/>
+              </a:schemeClr>
+            </a:solidFill>
+            <a:tailEnd type="stealth" w="lg" len="lg"/>
+          </a:ln>
+        </p:spPr>
+        <p:style>
+          <a:lnRef idx="2">
+            <a:schemeClr val="accent1"/>
+          </a:lnRef>
+          <a:fillRef idx="0">
+            <a:schemeClr val="accent1"/>
+          </a:fillRef>
+          <a:effectRef idx="1">
+            <a:schemeClr val="accent1"/>
+          </a:effectRef>
+          <a:fontRef idx="minor">
+            <a:schemeClr val="tx1"/>
+          </a:fontRef>
+        </p:style>
+      </p:cxnSp>
+      <p:cxnSp>
+        <p:nvCxnSpPr>
+          <p:cNvPr id="153" name="Straight Arrow Connector 152"/>
+          <p:cNvCxnSpPr>
+            <a:stCxn id="110" idx="0"/>
+            <a:endCxn id="132" idx="2"/>
+          </p:cNvCxnSpPr>
+          <p:nvPr/>
+        </p:nvCxnSpPr>
+        <p:spPr>
+          <a:xfrm flipH="1" flipV="1">
+            <a:off x="5709031" y="3927383"/>
+            <a:ext cx="1007530" cy="406400"/>
+          </a:xfrm>
+          <a:prstGeom prst="straightConnector1">
+            <a:avLst/>
+          </a:prstGeom>
+          <a:ln w="6350">
+            <a:solidFill>
+              <a:schemeClr val="tx1">
+                <a:lumMod val="50000"/>
+                <a:lumOff val="50000"/>
+              </a:schemeClr>
+            </a:solidFill>
+            <a:tailEnd type="stealth" w="lg" len="lg"/>
+          </a:ln>
+        </p:spPr>
+        <p:style>
+          <a:lnRef idx="2">
+            <a:schemeClr val="accent1"/>
+          </a:lnRef>
+          <a:fillRef idx="0">
+            <a:schemeClr val="accent1"/>
+          </a:fillRef>
+          <a:effectRef idx="1">
+            <a:schemeClr val="accent1"/>
+          </a:effectRef>
+          <a:fontRef idx="minor">
+            <a:schemeClr val="tx1"/>
+          </a:fontRef>
+        </p:style>
+      </p:cxnSp>
+      <p:cxnSp>
+        <p:nvCxnSpPr>
+          <p:cNvPr id="156" name="Straight Arrow Connector 155"/>
+          <p:cNvCxnSpPr>
+            <a:stCxn id="110" idx="0"/>
+            <a:endCxn id="137" idx="2"/>
+          </p:cNvCxnSpPr>
+          <p:nvPr/>
+        </p:nvCxnSpPr>
+        <p:spPr>
+          <a:xfrm flipV="1">
+            <a:off x="6716561" y="3914683"/>
+            <a:ext cx="1092199" cy="419100"/>
+          </a:xfrm>
+          <a:prstGeom prst="straightConnector1">
+            <a:avLst/>
+          </a:prstGeom>
+          <a:ln w="6350">
+            <a:solidFill>
+              <a:schemeClr val="tx1">
+                <a:lumMod val="50000"/>
+                <a:lumOff val="50000"/>
+              </a:schemeClr>
+            </a:solidFill>
+            <a:tailEnd type="stealth" w="lg" len="lg"/>
+          </a:ln>
+        </p:spPr>
+        <p:style>
+          <a:lnRef idx="2">
+            <a:schemeClr val="accent1"/>
+          </a:lnRef>
+          <a:fillRef idx="0">
+            <a:schemeClr val="accent1"/>
+          </a:fillRef>
+          <a:effectRef idx="1">
+            <a:schemeClr val="accent1"/>
+          </a:effectRef>
+          <a:fontRef idx="minor">
+            <a:schemeClr val="tx1"/>
+          </a:fontRef>
+        </p:style>
+      </p:cxnSp>
+      <p:sp>
+        <p:nvSpPr>
+          <p:cNvPr id="159" name="TextBox 158"/>
+          <p:cNvSpPr txBox="1"/>
+          <p:nvPr/>
+        </p:nvSpPr>
+        <p:spPr>
+          <a:xfrm>
+            <a:off x="2628484" y="1732015"/>
+            <a:ext cx="512468" cy="246221"/>
+          </a:xfrm>
+          <a:prstGeom prst="rect">
+            <a:avLst/>
+          </a:prstGeom>
+          <a:noFill/>
+        </p:spPr>
+        <p:txBody>
+          <a:bodyPr wrap="none" rtlCol="0">
+            <a:spAutoFit/>
+          </a:bodyPr>
+          <a:lstStyle>
+            <a:defPPr>
+              <a:defRPr lang="en-US"/>
+            </a:defPPr>
+            <a:lvl1pPr algn="r">
+              <a:defRPr sz="1000"/>
+            </a:lvl1pPr>
+          </a:lstStyle>
+          <a:p>
+            <a:r>
+              <a:rPr lang="en-US" dirty="0"/>
+              <a:t>机房1</a:t>
+            </a:r>
+          </a:p>
+        </p:txBody>
+      </p:sp>
+      <p:sp>
+        <p:nvSpPr>
+          <p:cNvPr id="160" name="TextBox 159"/>
+          <p:cNvSpPr txBox="1"/>
+          <p:nvPr/>
+        </p:nvSpPr>
+        <p:spPr>
+          <a:xfrm>
+            <a:off x="4723926" y="1732015"/>
+            <a:ext cx="506143" cy="246221"/>
+          </a:xfrm>
+          <a:prstGeom prst="rect">
+            <a:avLst/>
+          </a:prstGeom>
+          <a:noFill/>
+        </p:spPr>
+        <p:txBody>
+          <a:bodyPr wrap="none" rtlCol="0">
+            <a:spAutoFit/>
+          </a:bodyPr>
+          <a:lstStyle>
+            <a:defPPr>
+              <a:defRPr lang="en-US"/>
+            </a:defPPr>
+            <a:lvl1pPr algn="r">
+              <a:defRPr sz="1000"/>
+            </a:lvl1pPr>
+          </a:lstStyle>
+          <a:p>
+            <a:r>
+              <a:rPr lang="en-US" dirty="0"/>
+              <a:t>机</a:t>
+            </a:r>
+            <a:r>
+              <a:rPr lang="en-US" dirty="0" smtClean="0"/>
+              <a:t>房2</a:t>
+            </a:r>
+            <a:endParaRPr lang="en-US" dirty="0"/>
+          </a:p>
+        </p:txBody>
+      </p:sp>
+      <p:sp>
+        <p:nvSpPr>
+          <p:cNvPr id="161" name="TextBox 160"/>
+          <p:cNvSpPr txBox="1"/>
+          <p:nvPr/>
+        </p:nvSpPr>
+        <p:spPr>
+          <a:xfrm>
+            <a:off x="6827555" y="1732015"/>
+            <a:ext cx="506143" cy="246221"/>
+          </a:xfrm>
+          <a:prstGeom prst="rect">
+            <a:avLst/>
+          </a:prstGeom>
+          <a:noFill/>
+        </p:spPr>
+        <p:txBody>
+          <a:bodyPr wrap="none" rtlCol="0">
+            <a:spAutoFit/>
+          </a:bodyPr>
+          <a:lstStyle>
+            <a:defPPr>
+              <a:defRPr lang="en-US"/>
+            </a:defPPr>
+            <a:lvl1pPr algn="r">
+              <a:defRPr sz="1000"/>
+            </a:lvl1pPr>
+          </a:lstStyle>
+          <a:p>
+            <a:r>
+              <a:rPr lang="en-US" dirty="0"/>
+              <a:t>机</a:t>
+            </a:r>
+            <a:r>
+              <a:rPr lang="en-US" dirty="0" smtClean="0"/>
+              <a:t>房3</a:t>
+            </a:r>
+            <a:endParaRPr lang="en-US" dirty="0"/>
+          </a:p>
+        </p:txBody>
+      </p:sp>
+      <p:sp>
+        <p:nvSpPr>
+          <p:cNvPr id="163" name="Rectangle 162"/>
+          <p:cNvSpPr/>
+          <p:nvPr/>
+        </p:nvSpPr>
+        <p:spPr>
+          <a:xfrm>
+            <a:off x="2970077" y="4773022"/>
+            <a:ext cx="4070257" cy="246221"/>
+          </a:xfrm>
+          <a:prstGeom prst="rect">
+            <a:avLst/>
+          </a:prstGeom>
+          <a:noFill/>
+        </p:spPr>
+        <p:txBody>
+          <a:bodyPr wrap="none" rtlCol="0">
+            <a:spAutoFit/>
+          </a:bodyPr>
+          <a:lstStyle/>
+          <a:p>
+            <a:pPr algn="r"/>
+            <a:r>
+              <a:rPr lang="en-US" sz="1000" dirty="0" err="1"/>
+              <a:t>AllocateMachineRoomNearby</a:t>
+            </a:r>
+            <a:r>
+              <a:rPr lang="en-US" sz="1000" dirty="0"/>
+              <a:t> </a:t>
+            </a:r>
+            <a:r>
+              <a:rPr lang="en-US" altLang="zh-CN" sz="1000" dirty="0" smtClean="0"/>
+              <a:t>(</a:t>
+            </a:r>
+            <a:r>
+              <a:rPr lang="en-US" sz="1000" dirty="0" err="1" smtClean="0"/>
+              <a:t>AllocateMessageQueueAveragelyByCircle</a:t>
+            </a:r>
+            <a:r>
+              <a:rPr lang="en-US" sz="1000" dirty="0" smtClean="0"/>
+              <a:t>)</a:t>
+            </a:r>
+            <a:endParaRPr lang="en-US" sz="1000" dirty="0"/>
+          </a:p>
+        </p:txBody>
+      </p:sp>
+    </p:spTree>
+    <p:extLst>
+      <p:ext uri="{BB962C8B-B14F-4D97-AF65-F5344CB8AC3E}">
+        <p14:creationId xmlns:p14="http://schemas.microsoft.com/office/powerpoint/2010/main" val="2149434491"/>
+      </p:ext>
+    </p:extLst>
+  </p:cSld>
+  <p:clrMapOvr>
+    <a:masterClrMapping/>
+  </p:clrMapOvr>
+</p:sld>
+</file>
+
+<file path=ppt/slides/slide4.xml><?xml version="1.0" encoding="utf-8"?>
+<p:sld xmlns:a="http://schemas.openxmlformats.org/drawingml/2006/main" xmlns:r="http://schemas.openxmlformats.org/officeDocument/2006/relationships" xmlns:p="http://schemas.openxmlformats.org/presentationml/2006/main">
+  <p:cSld>
+    <p:spTree>
+      <p:nvGrpSpPr>
+        <p:cNvPr id="1" name=""/>
+        <p:cNvGrpSpPr/>
+        <p:nvPr/>
+      </p:nvGrpSpPr>
+      <p:grpSpPr>
+        <a:xfrm>
+          <a:off x="0" y="0"/>
+          <a:ext cx="0" cy="0"/>
+          <a:chOff x="0" y="0"/>
+          <a:chExt cx="0" cy="0"/>
+        </a:xfrm>
+      </p:grpSpPr>
+      <p:sp>
+        <p:nvSpPr>
+          <p:cNvPr id="4" name="Rectangle 3"/>
+          <p:cNvSpPr/>
+          <p:nvPr/>
+        </p:nvSpPr>
+        <p:spPr>
+          <a:xfrm>
+            <a:off x="2013337" y="2081656"/>
+            <a:ext cx="279401" cy="330201"/>
+          </a:xfrm>
+          <a:prstGeom prst="rect">
+            <a:avLst/>
+          </a:prstGeom>
+          <a:solidFill>
+            <a:srgbClr val="21FF06">
+              <a:alpha val="70000"/>
+            </a:srgbClr>
+          </a:solidFill>
+          <a:ln>
+            <a:noFill/>
+          </a:ln>
+        </p:spPr>
+        <p:style>
+          <a:lnRef idx="1">
+            <a:schemeClr val="accent1"/>
+          </a:lnRef>
+          <a:fillRef idx="3">
+            <a:schemeClr val="accent1"/>
+          </a:fillRef>
+          <a:effectRef idx="2">
+            <a:schemeClr val="accent1"/>
+          </a:effectRef>
+          <a:fontRef idx="minor">
+            <a:schemeClr val="lt1"/>
+          </a:fontRef>
+        </p:style>
+        <p:txBody>
+          <a:bodyPr lIns="0" tIns="0" rIns="0" bIns="0" rtlCol="0" anchor="ctr"/>
+          <a:lstStyle/>
+          <a:p>
+            <a:pPr algn="ctr"/>
+            <a:r>
+              <a:rPr lang="en-US" sz="1000" dirty="0" smtClean="0">
+                <a:solidFill>
+                  <a:schemeClr val="tx1"/>
+                </a:solidFill>
+              </a:rPr>
+              <a:t>Q1</a:t>
+            </a:r>
+          </a:p>
+        </p:txBody>
+      </p:sp>
+      <p:sp>
+        <p:nvSpPr>
+          <p:cNvPr id="6" name="Rectangle 5"/>
+          <p:cNvSpPr/>
+          <p:nvPr/>
+        </p:nvSpPr>
+        <p:spPr>
+          <a:xfrm>
+            <a:off x="2377402" y="2081656"/>
+            <a:ext cx="279401" cy="330201"/>
+          </a:xfrm>
+          <a:prstGeom prst="rect">
+            <a:avLst/>
+          </a:prstGeom>
+          <a:solidFill>
+            <a:srgbClr val="21FF06">
+              <a:alpha val="70000"/>
+            </a:srgbClr>
+          </a:solidFill>
+          <a:ln>
+            <a:noFill/>
+          </a:ln>
+        </p:spPr>
+        <p:style>
+          <a:lnRef idx="1">
+            <a:schemeClr val="accent1"/>
+          </a:lnRef>
+          <a:fillRef idx="3">
+            <a:schemeClr val="accent1"/>
+          </a:fillRef>
+          <a:effectRef idx="2">
+            <a:schemeClr val="accent1"/>
+          </a:effectRef>
+          <a:fontRef idx="minor">
+            <a:schemeClr val="lt1"/>
+          </a:fontRef>
+        </p:style>
+        <p:txBody>
+          <a:bodyPr lIns="0" tIns="0" rIns="0" bIns="0" rtlCol="0" anchor="ctr"/>
+          <a:lstStyle/>
+          <a:p>
+            <a:pPr algn="ctr"/>
+            <a:r>
+              <a:rPr lang="en-US" sz="1000" dirty="0">
+                <a:solidFill>
+                  <a:schemeClr val="tx1"/>
+                </a:solidFill>
+              </a:rPr>
+              <a:t>Q2</a:t>
+            </a:r>
+          </a:p>
+        </p:txBody>
+      </p:sp>
+      <p:sp>
+        <p:nvSpPr>
+          <p:cNvPr id="7" name="Rectangle 6"/>
+          <p:cNvSpPr/>
+          <p:nvPr/>
+        </p:nvSpPr>
+        <p:spPr>
+          <a:xfrm>
+            <a:off x="2741468" y="2081656"/>
+            <a:ext cx="279401" cy="330201"/>
+          </a:xfrm>
+          <a:prstGeom prst="rect">
+            <a:avLst/>
+          </a:prstGeom>
+          <a:solidFill>
+            <a:srgbClr val="21FF06">
+              <a:alpha val="70000"/>
+            </a:srgbClr>
+          </a:solidFill>
+          <a:ln>
+            <a:noFill/>
+          </a:ln>
+        </p:spPr>
+        <p:style>
+          <a:lnRef idx="1">
+            <a:schemeClr val="accent1"/>
+          </a:lnRef>
+          <a:fillRef idx="3">
+            <a:schemeClr val="accent1"/>
+          </a:fillRef>
+          <a:effectRef idx="2">
+            <a:schemeClr val="accent1"/>
+          </a:effectRef>
+          <a:fontRef idx="minor">
+            <a:schemeClr val="lt1"/>
+          </a:fontRef>
+        </p:style>
+        <p:txBody>
+          <a:bodyPr lIns="0" tIns="0" rIns="0" bIns="0" rtlCol="0" anchor="ctr"/>
+          <a:lstStyle/>
+          <a:p>
+            <a:pPr algn="ctr"/>
+            <a:r>
+              <a:rPr lang="en-US" sz="1000" dirty="0" smtClean="0">
+                <a:solidFill>
+                  <a:schemeClr val="tx1"/>
+                </a:solidFill>
+              </a:rPr>
+              <a:t>Q3</a:t>
+            </a:r>
+            <a:endParaRPr lang="en-US" sz="1000" dirty="0">
+              <a:solidFill>
+                <a:schemeClr val="tx1"/>
+              </a:solidFill>
+            </a:endParaRPr>
+          </a:p>
+        </p:txBody>
+      </p:sp>
+      <p:sp>
+        <p:nvSpPr>
+          <p:cNvPr id="13" name="Rectangle 12"/>
+          <p:cNvSpPr/>
+          <p:nvPr/>
+        </p:nvSpPr>
+        <p:spPr>
+          <a:xfrm>
+            <a:off x="2013337" y="2818256"/>
+            <a:ext cx="279401" cy="330201"/>
+          </a:xfrm>
+          <a:prstGeom prst="rect">
+            <a:avLst/>
+          </a:prstGeom>
+          <a:solidFill>
+            <a:srgbClr val="CC66FF">
+              <a:alpha val="70000"/>
+            </a:srgbClr>
+          </a:solidFill>
+          <a:ln>
+            <a:noFill/>
+          </a:ln>
+        </p:spPr>
+        <p:style>
+          <a:lnRef idx="1">
+            <a:schemeClr val="accent1"/>
+          </a:lnRef>
+          <a:fillRef idx="3">
+            <a:schemeClr val="accent1"/>
+          </a:fillRef>
+          <a:effectRef idx="2">
+            <a:schemeClr val="accent1"/>
+          </a:effectRef>
+          <a:fontRef idx="minor">
+            <a:schemeClr val="lt1"/>
+          </a:fontRef>
+        </p:style>
+        <p:txBody>
+          <a:bodyPr lIns="0" tIns="0" rIns="0" bIns="0" rtlCol="0" anchor="ctr"/>
+          <a:lstStyle/>
+          <a:p>
+            <a:pPr algn="ctr"/>
+            <a:r>
+              <a:rPr lang="en-US" sz="1000" dirty="0">
+                <a:solidFill>
+                  <a:schemeClr val="tx1"/>
+                </a:solidFill>
+              </a:rPr>
+              <a:t>C</a:t>
+            </a:r>
+            <a:r>
+              <a:rPr lang="en-US" sz="1000" dirty="0" smtClean="0">
+                <a:solidFill>
+                  <a:schemeClr val="tx1"/>
+                </a:solidFill>
+              </a:rPr>
+              <a:t>1</a:t>
+            </a:r>
+          </a:p>
+        </p:txBody>
+      </p:sp>
+      <p:sp>
+        <p:nvSpPr>
+          <p:cNvPr id="14" name="Rectangle 13"/>
+          <p:cNvSpPr/>
+          <p:nvPr/>
+        </p:nvSpPr>
+        <p:spPr>
+          <a:xfrm>
+            <a:off x="2377402" y="2818256"/>
+            <a:ext cx="279401" cy="330201"/>
+          </a:xfrm>
+          <a:prstGeom prst="rect">
+            <a:avLst/>
+          </a:prstGeom>
+          <a:solidFill>
+            <a:srgbClr val="CC66FF">
+              <a:alpha val="70000"/>
+            </a:srgbClr>
+          </a:solidFill>
+          <a:ln>
+            <a:noFill/>
+          </a:ln>
+        </p:spPr>
+        <p:style>
+          <a:lnRef idx="1">
+            <a:schemeClr val="accent1"/>
+          </a:lnRef>
+          <a:fillRef idx="3">
+            <a:schemeClr val="accent1"/>
+          </a:fillRef>
+          <a:effectRef idx="2">
+            <a:schemeClr val="accent1"/>
+          </a:effectRef>
+          <a:fontRef idx="minor">
+            <a:schemeClr val="lt1"/>
+          </a:fontRef>
+        </p:style>
+        <p:txBody>
+          <a:bodyPr lIns="0" tIns="0" rIns="0" bIns="0" rtlCol="0" anchor="ctr"/>
+          <a:lstStyle/>
+          <a:p>
+            <a:pPr algn="ctr"/>
+            <a:r>
+              <a:rPr lang="en-US" sz="1000" dirty="0" smtClean="0">
+                <a:solidFill>
+                  <a:schemeClr val="tx1"/>
+                </a:solidFill>
+              </a:rPr>
+              <a:t>C2</a:t>
+            </a:r>
+            <a:endParaRPr lang="en-US" sz="1000" dirty="0">
+              <a:solidFill>
+                <a:schemeClr val="tx1"/>
+              </a:solidFill>
+            </a:endParaRPr>
+          </a:p>
+        </p:txBody>
+      </p:sp>
+      <p:sp>
+        <p:nvSpPr>
+          <p:cNvPr id="15" name="Rectangle 14"/>
+          <p:cNvSpPr/>
+          <p:nvPr/>
+        </p:nvSpPr>
+        <p:spPr>
+          <a:xfrm>
+            <a:off x="2741468" y="2818256"/>
+            <a:ext cx="279401" cy="330201"/>
+          </a:xfrm>
+          <a:prstGeom prst="rect">
+            <a:avLst/>
+          </a:prstGeom>
+          <a:solidFill>
+            <a:srgbClr val="CC66FF">
+              <a:alpha val="70000"/>
+            </a:srgbClr>
+          </a:solidFill>
+          <a:ln>
+            <a:noFill/>
+          </a:ln>
+        </p:spPr>
+        <p:style>
+          <a:lnRef idx="1">
+            <a:schemeClr val="accent1"/>
+          </a:lnRef>
+          <a:fillRef idx="3">
+            <a:schemeClr val="accent1"/>
+          </a:fillRef>
+          <a:effectRef idx="2">
+            <a:schemeClr val="accent1"/>
+          </a:effectRef>
+          <a:fontRef idx="minor">
+            <a:schemeClr val="lt1"/>
+          </a:fontRef>
+        </p:style>
+        <p:txBody>
+          <a:bodyPr lIns="0" tIns="0" rIns="0" bIns="0" rtlCol="0" anchor="ctr"/>
+          <a:lstStyle/>
+          <a:p>
+            <a:pPr algn="ctr"/>
+            <a:r>
+              <a:rPr lang="en-US" sz="1000" dirty="0" smtClean="0">
+                <a:solidFill>
+                  <a:schemeClr val="tx1"/>
+                </a:solidFill>
+              </a:rPr>
+              <a:t>C3</a:t>
+            </a:r>
+            <a:endParaRPr lang="en-US" sz="1000" dirty="0">
+              <a:solidFill>
+                <a:schemeClr val="tx1"/>
+              </a:solidFill>
+            </a:endParaRPr>
+          </a:p>
+        </p:txBody>
+      </p:sp>
+      <p:sp>
+        <p:nvSpPr>
+          <p:cNvPr id="16" name="TextBox 15"/>
+          <p:cNvSpPr txBox="1"/>
+          <p:nvPr/>
+        </p:nvSpPr>
+        <p:spPr>
+          <a:xfrm>
+            <a:off x="1117006" y="2129945"/>
+            <a:ext cx="697627" cy="246221"/>
+          </a:xfrm>
+          <a:prstGeom prst="rect">
+            <a:avLst/>
+          </a:prstGeom>
+          <a:noFill/>
+        </p:spPr>
+        <p:txBody>
+          <a:bodyPr wrap="none" rtlCol="0">
+            <a:spAutoFit/>
+          </a:bodyPr>
+          <a:lstStyle/>
+          <a:p>
+            <a:pPr algn="r"/>
+            <a:r>
+              <a:rPr lang="en-US" sz="1000" dirty="0" smtClean="0"/>
+              <a:t>消息队列</a:t>
+            </a:r>
+            <a:endParaRPr lang="en-US" sz="1000" dirty="0"/>
+          </a:p>
+        </p:txBody>
+      </p:sp>
+      <p:sp>
+        <p:nvSpPr>
+          <p:cNvPr id="17" name="TextBox 16"/>
+          <p:cNvSpPr txBox="1"/>
+          <p:nvPr/>
+        </p:nvSpPr>
+        <p:spPr>
+          <a:xfrm>
+            <a:off x="1253713" y="2875011"/>
+            <a:ext cx="569387" cy="246221"/>
+          </a:xfrm>
+          <a:prstGeom prst="rect">
+            <a:avLst/>
+          </a:prstGeom>
+          <a:noFill/>
+        </p:spPr>
+        <p:txBody>
+          <a:bodyPr wrap="none" rtlCol="0">
+            <a:spAutoFit/>
+          </a:bodyPr>
+          <a:lstStyle/>
+          <a:p>
+            <a:pPr algn="r"/>
+            <a:r>
+              <a:rPr lang="en-US" sz="1000" dirty="0" smtClean="0"/>
+              <a:t>消费者</a:t>
+            </a:r>
+            <a:endParaRPr lang="en-US" sz="1000" dirty="0"/>
+          </a:p>
+        </p:txBody>
+      </p:sp>
+      <p:cxnSp>
+        <p:nvCxnSpPr>
+          <p:cNvPr id="19" name="Straight Arrow Connector 18"/>
+          <p:cNvCxnSpPr>
+            <a:stCxn id="13" idx="0"/>
+            <a:endCxn id="4" idx="2"/>
+          </p:cNvCxnSpPr>
+          <p:nvPr/>
+        </p:nvCxnSpPr>
+        <p:spPr>
+          <a:xfrm flipV="1">
+            <a:off x="2153038" y="2411857"/>
+            <a:ext cx="0" cy="406399"/>
+          </a:xfrm>
+          <a:prstGeom prst="straightConnector1">
+            <a:avLst/>
+          </a:prstGeom>
+          <a:ln w="6350">
+            <a:solidFill>
+              <a:schemeClr val="tx1">
+                <a:lumMod val="50000"/>
+                <a:lumOff val="50000"/>
+              </a:schemeClr>
+            </a:solidFill>
+            <a:tailEnd type="stealth" w="lg" len="lg"/>
+          </a:ln>
+        </p:spPr>
+        <p:style>
+          <a:lnRef idx="2">
+            <a:schemeClr val="accent1"/>
+          </a:lnRef>
+          <a:fillRef idx="0">
+            <a:schemeClr val="accent1"/>
+          </a:fillRef>
+          <a:effectRef idx="1">
+            <a:schemeClr val="accent1"/>
+          </a:effectRef>
+          <a:fontRef idx="minor">
+            <a:schemeClr val="tx1"/>
+          </a:fontRef>
+        </p:style>
+      </p:cxnSp>
+      <p:cxnSp>
+        <p:nvCxnSpPr>
+          <p:cNvPr id="20" name="Straight Arrow Connector 19"/>
+          <p:cNvCxnSpPr>
+            <a:stCxn id="14" idx="0"/>
+            <a:endCxn id="6" idx="2"/>
+          </p:cNvCxnSpPr>
+          <p:nvPr/>
+        </p:nvCxnSpPr>
+        <p:spPr>
+          <a:xfrm flipV="1">
+            <a:off x="2517103" y="2411857"/>
+            <a:ext cx="0" cy="406399"/>
+          </a:xfrm>
+          <a:prstGeom prst="straightConnector1">
+            <a:avLst/>
+          </a:prstGeom>
+          <a:ln w="6350">
+            <a:solidFill>
+              <a:schemeClr val="tx1">
+                <a:lumMod val="50000"/>
+                <a:lumOff val="50000"/>
+              </a:schemeClr>
+            </a:solidFill>
+            <a:tailEnd type="stealth" w="lg" len="lg"/>
+          </a:ln>
+        </p:spPr>
+        <p:style>
+          <a:lnRef idx="2">
+            <a:schemeClr val="accent1"/>
+          </a:lnRef>
+          <a:fillRef idx="0">
+            <a:schemeClr val="accent1"/>
+          </a:fillRef>
+          <a:effectRef idx="1">
+            <a:schemeClr val="accent1"/>
+          </a:effectRef>
+          <a:fontRef idx="minor">
+            <a:schemeClr val="tx1"/>
+          </a:fontRef>
+        </p:style>
+      </p:cxnSp>
+      <p:cxnSp>
+        <p:nvCxnSpPr>
+          <p:cNvPr id="24" name="Straight Arrow Connector 23"/>
+          <p:cNvCxnSpPr>
+            <a:stCxn id="15" idx="0"/>
+            <a:endCxn id="7" idx="2"/>
+          </p:cNvCxnSpPr>
+          <p:nvPr/>
+        </p:nvCxnSpPr>
+        <p:spPr>
+          <a:xfrm flipV="1">
+            <a:off x="2881169" y="2411857"/>
+            <a:ext cx="0" cy="406399"/>
+          </a:xfrm>
+          <a:prstGeom prst="straightConnector1">
+            <a:avLst/>
+          </a:prstGeom>
+          <a:ln w="6350">
+            <a:solidFill>
+              <a:schemeClr val="tx1">
+                <a:lumMod val="50000"/>
+                <a:lumOff val="50000"/>
+              </a:schemeClr>
+            </a:solidFill>
+            <a:tailEnd type="stealth" w="lg" len="lg"/>
+          </a:ln>
+        </p:spPr>
+        <p:style>
+          <a:lnRef idx="2">
+            <a:schemeClr val="accent1"/>
+          </a:lnRef>
+          <a:fillRef idx="0">
+            <a:schemeClr val="accent1"/>
+          </a:fillRef>
+          <a:effectRef idx="1">
+            <a:schemeClr val="accent1"/>
+          </a:effectRef>
+          <a:fontRef idx="minor">
+            <a:schemeClr val="tx1"/>
+          </a:fontRef>
+        </p:style>
+      </p:cxnSp>
+      <p:sp>
+        <p:nvSpPr>
+          <p:cNvPr id="40" name="Rectangle 39"/>
+          <p:cNvSpPr/>
+          <p:nvPr/>
+        </p:nvSpPr>
+        <p:spPr>
+          <a:xfrm>
+            <a:off x="3105535" y="2818256"/>
+            <a:ext cx="279401" cy="330201"/>
+          </a:xfrm>
+          <a:prstGeom prst="rect">
+            <a:avLst/>
+          </a:prstGeom>
+          <a:solidFill>
+            <a:srgbClr val="CC66FF">
+              <a:alpha val="70000"/>
+            </a:srgbClr>
+          </a:solidFill>
+          <a:ln>
+            <a:noFill/>
+          </a:ln>
+        </p:spPr>
+        <p:style>
+          <a:lnRef idx="1">
+            <a:schemeClr val="accent1"/>
+          </a:lnRef>
+          <a:fillRef idx="3">
+            <a:schemeClr val="accent1"/>
+          </a:fillRef>
+          <a:effectRef idx="2">
+            <a:schemeClr val="accent1"/>
+          </a:effectRef>
+          <a:fontRef idx="minor">
+            <a:schemeClr val="lt1"/>
+          </a:fontRef>
+        </p:style>
+        <p:txBody>
+          <a:bodyPr lIns="0" tIns="0" rIns="0" bIns="0" rtlCol="0" anchor="ctr"/>
+          <a:lstStyle/>
+          <a:p>
+            <a:pPr algn="ctr"/>
+            <a:r>
+              <a:rPr lang="en-US" sz="1000" dirty="0" smtClean="0">
+                <a:solidFill>
+                  <a:schemeClr val="tx1"/>
+                </a:solidFill>
+              </a:rPr>
+              <a:t>C4</a:t>
+            </a:r>
+            <a:endParaRPr lang="en-US" sz="1000" dirty="0">
+              <a:solidFill>
+                <a:schemeClr val="tx1"/>
+              </a:solidFill>
+            </a:endParaRPr>
+          </a:p>
+        </p:txBody>
+      </p:sp>
+      <p:sp>
+        <p:nvSpPr>
+          <p:cNvPr id="41" name="Rectangle 40"/>
+          <p:cNvSpPr/>
+          <p:nvPr/>
+        </p:nvSpPr>
+        <p:spPr>
+          <a:xfrm>
+            <a:off x="3469601" y="2818256"/>
+            <a:ext cx="279401" cy="330201"/>
+          </a:xfrm>
+          <a:prstGeom prst="rect">
+            <a:avLst/>
+          </a:prstGeom>
+          <a:solidFill>
+            <a:srgbClr val="CC66FF">
+              <a:alpha val="70000"/>
+            </a:srgbClr>
+          </a:solidFill>
+          <a:ln>
+            <a:noFill/>
+          </a:ln>
+        </p:spPr>
+        <p:style>
+          <a:lnRef idx="1">
+            <a:schemeClr val="accent1"/>
+          </a:lnRef>
+          <a:fillRef idx="3">
+            <a:schemeClr val="accent1"/>
+          </a:fillRef>
+          <a:effectRef idx="2">
+            <a:schemeClr val="accent1"/>
+          </a:effectRef>
+          <a:fontRef idx="minor">
+            <a:schemeClr val="lt1"/>
+          </a:fontRef>
+        </p:style>
+        <p:txBody>
+          <a:bodyPr lIns="0" tIns="0" rIns="0" bIns="0" rtlCol="0" anchor="ctr"/>
+          <a:lstStyle/>
+          <a:p>
+            <a:pPr algn="ctr"/>
+            <a:r>
+              <a:rPr lang="en-US" sz="1000" dirty="0" smtClean="0">
+                <a:solidFill>
+                  <a:schemeClr val="tx1"/>
+                </a:solidFill>
+              </a:rPr>
+              <a:t>C5</a:t>
+            </a:r>
+            <a:endParaRPr lang="en-US" sz="1000" dirty="0">
+              <a:solidFill>
+                <a:schemeClr val="tx1"/>
+              </a:solidFill>
+            </a:endParaRPr>
+          </a:p>
+        </p:txBody>
+      </p:sp>
+      <p:sp>
+        <p:nvSpPr>
+          <p:cNvPr id="2" name="Rectangle 1"/>
+          <p:cNvSpPr/>
+          <p:nvPr/>
+        </p:nvSpPr>
+        <p:spPr>
+          <a:xfrm>
+            <a:off x="1916237" y="1979372"/>
+            <a:ext cx="1939458" cy="1269997"/>
+          </a:xfrm>
+          <a:prstGeom prst="rect">
+            <a:avLst/>
+          </a:prstGeom>
+          <a:noFill/>
+          <a:ln w="3175" cap="flat" cmpd="sng">
+            <a:solidFill>
+              <a:schemeClr val="tx1">
+                <a:lumMod val="65000"/>
+                <a:lumOff val="35000"/>
+              </a:schemeClr>
+            </a:solidFill>
+            <a:prstDash val="dash"/>
+          </a:ln>
+        </p:spPr>
+        <p:style>
+          <a:lnRef idx="1">
+            <a:schemeClr val="accent1"/>
+          </a:lnRef>
+          <a:fillRef idx="3">
+            <a:schemeClr val="accent1"/>
+          </a:fillRef>
+          <a:effectRef idx="2">
+            <a:schemeClr val="accent1"/>
+          </a:effectRef>
+          <a:fontRef idx="minor">
+            <a:schemeClr val="lt1"/>
+          </a:fontRef>
+        </p:style>
+        <p:txBody>
+          <a:bodyPr rtlCol="0" anchor="ctr"/>
+          <a:lstStyle/>
+          <a:p>
+            <a:pPr algn="ctr"/>
+            <a:endParaRPr lang="en-US"/>
+          </a:p>
+        </p:txBody>
+      </p:sp>
+      <p:cxnSp>
+        <p:nvCxnSpPr>
+          <p:cNvPr id="78" name="Straight Arrow Connector 77"/>
+          <p:cNvCxnSpPr>
+            <a:stCxn id="40" idx="0"/>
+            <a:endCxn id="72" idx="2"/>
+          </p:cNvCxnSpPr>
+          <p:nvPr/>
+        </p:nvCxnSpPr>
+        <p:spPr>
+          <a:xfrm flipV="1">
+            <a:off x="3245236" y="2418496"/>
+            <a:ext cx="1016706" cy="399760"/>
+          </a:xfrm>
+          <a:prstGeom prst="straightConnector1">
+            <a:avLst/>
+          </a:prstGeom>
+          <a:ln w="6350">
+            <a:solidFill>
+              <a:schemeClr val="tx1">
+                <a:lumMod val="50000"/>
+                <a:lumOff val="50000"/>
+              </a:schemeClr>
+            </a:solidFill>
+            <a:tailEnd type="stealth" w="lg" len="lg"/>
+          </a:ln>
+        </p:spPr>
+        <p:style>
+          <a:lnRef idx="2">
+            <a:schemeClr val="accent1"/>
+          </a:lnRef>
+          <a:fillRef idx="0">
+            <a:schemeClr val="accent1"/>
+          </a:fillRef>
+          <a:effectRef idx="1">
+            <a:schemeClr val="accent1"/>
+          </a:effectRef>
+          <a:fontRef idx="minor">
+            <a:schemeClr val="tx1"/>
+          </a:fontRef>
+        </p:style>
+      </p:cxnSp>
+      <p:cxnSp>
+        <p:nvCxnSpPr>
+          <p:cNvPr id="79" name="Straight Arrow Connector 78"/>
+          <p:cNvCxnSpPr>
+            <a:stCxn id="41" idx="0"/>
+            <a:endCxn id="73" idx="2"/>
+          </p:cNvCxnSpPr>
+          <p:nvPr/>
+        </p:nvCxnSpPr>
+        <p:spPr>
+          <a:xfrm flipV="1">
+            <a:off x="3609302" y="2418496"/>
+            <a:ext cx="1016705" cy="399760"/>
+          </a:xfrm>
+          <a:prstGeom prst="straightConnector1">
+            <a:avLst/>
+          </a:prstGeom>
+          <a:ln w="6350">
+            <a:solidFill>
+              <a:schemeClr val="tx1">
+                <a:lumMod val="50000"/>
+                <a:lumOff val="50000"/>
+              </a:schemeClr>
+            </a:solidFill>
+            <a:tailEnd type="stealth" w="lg" len="lg"/>
+          </a:ln>
+        </p:spPr>
+        <p:style>
+          <a:lnRef idx="2">
+            <a:schemeClr val="accent1"/>
+          </a:lnRef>
+          <a:fillRef idx="0">
+            <a:schemeClr val="accent1"/>
+          </a:fillRef>
+          <a:effectRef idx="1">
+            <a:schemeClr val="accent1"/>
+          </a:effectRef>
+          <a:fontRef idx="minor">
+            <a:schemeClr val="tx1"/>
+          </a:fontRef>
+        </p:style>
+      </p:cxnSp>
+      <p:sp>
+        <p:nvSpPr>
+          <p:cNvPr id="88" name="Rectangle 87"/>
+          <p:cNvSpPr/>
+          <p:nvPr/>
+        </p:nvSpPr>
+        <p:spPr>
+          <a:xfrm>
+            <a:off x="2013337" y="3597183"/>
+            <a:ext cx="279401" cy="330201"/>
+          </a:xfrm>
+          <a:prstGeom prst="rect">
+            <a:avLst/>
+          </a:prstGeom>
+          <a:solidFill>
+            <a:srgbClr val="21FF06">
+              <a:alpha val="70000"/>
+            </a:srgbClr>
+          </a:solidFill>
+          <a:ln>
+            <a:noFill/>
+          </a:ln>
+        </p:spPr>
+        <p:style>
+          <a:lnRef idx="1">
+            <a:schemeClr val="accent1"/>
+          </a:lnRef>
+          <a:fillRef idx="3">
+            <a:schemeClr val="accent1"/>
+          </a:fillRef>
+          <a:effectRef idx="2">
+            <a:schemeClr val="accent1"/>
+          </a:effectRef>
+          <a:fontRef idx="minor">
+            <a:schemeClr val="lt1"/>
+          </a:fontRef>
+        </p:style>
+        <p:txBody>
+          <a:bodyPr lIns="0" tIns="0" rIns="0" bIns="0" rtlCol="0" anchor="ctr"/>
+          <a:lstStyle/>
+          <a:p>
+            <a:pPr algn="ctr"/>
+            <a:r>
+              <a:rPr lang="en-US" sz="1000" dirty="0" smtClean="0">
+                <a:solidFill>
+                  <a:schemeClr val="tx1"/>
+                </a:solidFill>
+              </a:rPr>
+              <a:t>Q1</a:t>
+            </a:r>
+          </a:p>
+        </p:txBody>
+      </p:sp>
+      <p:sp>
+        <p:nvSpPr>
+          <p:cNvPr id="89" name="Rectangle 88"/>
+          <p:cNvSpPr/>
+          <p:nvPr/>
+        </p:nvSpPr>
+        <p:spPr>
+          <a:xfrm>
+            <a:off x="2377402" y="3597183"/>
+            <a:ext cx="279401" cy="330201"/>
+          </a:xfrm>
+          <a:prstGeom prst="rect">
+            <a:avLst/>
+          </a:prstGeom>
+          <a:solidFill>
+            <a:srgbClr val="21FF06">
+              <a:alpha val="70000"/>
+            </a:srgbClr>
+          </a:solidFill>
+          <a:ln>
+            <a:noFill/>
+          </a:ln>
+        </p:spPr>
+        <p:style>
+          <a:lnRef idx="1">
+            <a:schemeClr val="accent1"/>
+          </a:lnRef>
+          <a:fillRef idx="3">
+            <a:schemeClr val="accent1"/>
+          </a:fillRef>
+          <a:effectRef idx="2">
+            <a:schemeClr val="accent1"/>
+          </a:effectRef>
+          <a:fontRef idx="minor">
+            <a:schemeClr val="lt1"/>
+          </a:fontRef>
+        </p:style>
+        <p:txBody>
+          <a:bodyPr lIns="0" tIns="0" rIns="0" bIns="0" rtlCol="0" anchor="ctr"/>
+          <a:lstStyle/>
+          <a:p>
+            <a:pPr algn="ctr"/>
+            <a:r>
+              <a:rPr lang="en-US" sz="1000" dirty="0">
+                <a:solidFill>
+                  <a:schemeClr val="tx1"/>
+                </a:solidFill>
+              </a:rPr>
+              <a:t>Q2</a:t>
+            </a:r>
+          </a:p>
+        </p:txBody>
+      </p:sp>
+      <p:sp>
+        <p:nvSpPr>
+          <p:cNvPr id="90" name="Rectangle 89"/>
+          <p:cNvSpPr/>
+          <p:nvPr/>
+        </p:nvSpPr>
+        <p:spPr>
+          <a:xfrm>
+            <a:off x="2741468" y="3597183"/>
+            <a:ext cx="279401" cy="330201"/>
+          </a:xfrm>
+          <a:prstGeom prst="rect">
+            <a:avLst/>
+          </a:prstGeom>
+          <a:solidFill>
+            <a:srgbClr val="21FF06">
+              <a:alpha val="70000"/>
+            </a:srgbClr>
+          </a:solidFill>
+          <a:ln>
+            <a:noFill/>
+          </a:ln>
+        </p:spPr>
+        <p:style>
+          <a:lnRef idx="1">
+            <a:schemeClr val="accent1"/>
+          </a:lnRef>
+          <a:fillRef idx="3">
+            <a:schemeClr val="accent1"/>
+          </a:fillRef>
+          <a:effectRef idx="2">
+            <a:schemeClr val="accent1"/>
+          </a:effectRef>
+          <a:fontRef idx="minor">
+            <a:schemeClr val="lt1"/>
+          </a:fontRef>
+        </p:style>
+        <p:txBody>
+          <a:bodyPr lIns="0" tIns="0" rIns="0" bIns="0" rtlCol="0" anchor="ctr"/>
+          <a:lstStyle/>
+          <a:p>
+            <a:pPr algn="ctr"/>
+            <a:r>
+              <a:rPr lang="en-US" sz="1000" dirty="0" smtClean="0">
+                <a:solidFill>
+                  <a:schemeClr val="tx1"/>
+                </a:solidFill>
+              </a:rPr>
+              <a:t>Q3</a:t>
+            </a:r>
+            <a:endParaRPr lang="en-US" sz="1000" dirty="0">
+              <a:solidFill>
+                <a:schemeClr val="tx1"/>
+              </a:solidFill>
+            </a:endParaRPr>
+          </a:p>
+        </p:txBody>
+      </p:sp>
+      <p:sp>
+        <p:nvSpPr>
+          <p:cNvPr id="91" name="Rectangle 90"/>
+          <p:cNvSpPr/>
+          <p:nvPr/>
+        </p:nvSpPr>
+        <p:spPr>
+          <a:xfrm>
+            <a:off x="2749966" y="4333783"/>
+            <a:ext cx="279401" cy="330201"/>
+          </a:xfrm>
+          <a:prstGeom prst="rect">
+            <a:avLst/>
+          </a:prstGeom>
+          <a:solidFill>
+            <a:srgbClr val="CC66FF">
+              <a:alpha val="70000"/>
+            </a:srgbClr>
+          </a:solidFill>
+          <a:ln>
+            <a:noFill/>
+          </a:ln>
+        </p:spPr>
+        <p:style>
+          <a:lnRef idx="1">
+            <a:schemeClr val="accent1"/>
+          </a:lnRef>
+          <a:fillRef idx="3">
+            <a:schemeClr val="accent1"/>
+          </a:fillRef>
+          <a:effectRef idx="2">
+            <a:schemeClr val="accent1"/>
+          </a:effectRef>
+          <a:fontRef idx="minor">
+            <a:schemeClr val="lt1"/>
+          </a:fontRef>
+        </p:style>
+        <p:txBody>
+          <a:bodyPr lIns="0" tIns="0" rIns="0" bIns="0" rtlCol="0" anchor="ctr"/>
+          <a:lstStyle/>
+          <a:p>
+            <a:pPr algn="ctr"/>
+            <a:r>
+              <a:rPr lang="en-US" sz="1000" dirty="0">
+                <a:solidFill>
+                  <a:schemeClr val="tx1"/>
+                </a:solidFill>
+              </a:rPr>
+              <a:t>C</a:t>
+            </a:r>
+            <a:r>
+              <a:rPr lang="en-US" sz="1000" dirty="0" smtClean="0">
+                <a:solidFill>
+                  <a:schemeClr val="tx1"/>
+                </a:solidFill>
+              </a:rPr>
+              <a:t>1</a:t>
+            </a:r>
+          </a:p>
+        </p:txBody>
+      </p:sp>
+      <p:sp>
+        <p:nvSpPr>
+          <p:cNvPr id="92" name="Rectangle 91"/>
+          <p:cNvSpPr/>
+          <p:nvPr/>
+        </p:nvSpPr>
+        <p:spPr>
+          <a:xfrm>
+            <a:off x="3114031" y="4333783"/>
+            <a:ext cx="279401" cy="330201"/>
+          </a:xfrm>
+          <a:prstGeom prst="rect">
+            <a:avLst/>
+          </a:prstGeom>
+          <a:solidFill>
+            <a:srgbClr val="CC66FF">
+              <a:alpha val="70000"/>
+            </a:srgbClr>
+          </a:solidFill>
+          <a:ln>
+            <a:noFill/>
+          </a:ln>
+        </p:spPr>
+        <p:style>
+          <a:lnRef idx="1">
+            <a:schemeClr val="accent1"/>
+          </a:lnRef>
+          <a:fillRef idx="3">
+            <a:schemeClr val="accent1"/>
+          </a:fillRef>
+          <a:effectRef idx="2">
+            <a:schemeClr val="accent1"/>
+          </a:effectRef>
+          <a:fontRef idx="minor">
+            <a:schemeClr val="lt1"/>
+          </a:fontRef>
+        </p:style>
+        <p:txBody>
+          <a:bodyPr lIns="0" tIns="0" rIns="0" bIns="0" rtlCol="0" anchor="ctr"/>
+          <a:lstStyle/>
+          <a:p>
+            <a:pPr algn="ctr"/>
+            <a:r>
+              <a:rPr lang="en-US" sz="1000" dirty="0" smtClean="0">
+                <a:solidFill>
+                  <a:schemeClr val="tx1"/>
+                </a:solidFill>
+              </a:rPr>
+              <a:t>C2</a:t>
+            </a:r>
+            <a:endParaRPr lang="en-US" sz="1000" dirty="0">
+              <a:solidFill>
+                <a:schemeClr val="tx1"/>
+              </a:solidFill>
+            </a:endParaRPr>
+          </a:p>
+        </p:txBody>
+      </p:sp>
+      <p:sp>
+        <p:nvSpPr>
+          <p:cNvPr id="93" name="Rectangle 92"/>
+          <p:cNvSpPr/>
+          <p:nvPr/>
+        </p:nvSpPr>
+        <p:spPr>
+          <a:xfrm>
+            <a:off x="3478097" y="4333783"/>
+            <a:ext cx="279401" cy="330201"/>
+          </a:xfrm>
+          <a:prstGeom prst="rect">
+            <a:avLst/>
+          </a:prstGeom>
+          <a:solidFill>
+            <a:srgbClr val="CC66FF">
+              <a:alpha val="70000"/>
+            </a:srgbClr>
+          </a:solidFill>
+          <a:ln>
+            <a:noFill/>
+          </a:ln>
+        </p:spPr>
+        <p:style>
+          <a:lnRef idx="1">
+            <a:schemeClr val="accent1"/>
+          </a:lnRef>
+          <a:fillRef idx="3">
+            <a:schemeClr val="accent1"/>
+          </a:fillRef>
+          <a:effectRef idx="2">
+            <a:schemeClr val="accent1"/>
+          </a:effectRef>
+          <a:fontRef idx="minor">
+            <a:schemeClr val="lt1"/>
+          </a:fontRef>
+        </p:style>
+        <p:txBody>
+          <a:bodyPr lIns="0" tIns="0" rIns="0" bIns="0" rtlCol="0" anchor="ctr"/>
+          <a:lstStyle/>
+          <a:p>
+            <a:pPr algn="ctr"/>
+            <a:r>
+              <a:rPr lang="en-US" sz="1000" dirty="0" smtClean="0">
+                <a:solidFill>
+                  <a:schemeClr val="tx1"/>
+                </a:solidFill>
+              </a:rPr>
+              <a:t>C3</a:t>
+            </a:r>
+            <a:endParaRPr lang="en-US" sz="1000" dirty="0">
+              <a:solidFill>
+                <a:schemeClr val="tx1"/>
+              </a:solidFill>
+            </a:endParaRPr>
+          </a:p>
+        </p:txBody>
+      </p:sp>
+      <p:sp>
+        <p:nvSpPr>
+          <p:cNvPr id="94" name="TextBox 93"/>
+          <p:cNvSpPr txBox="1"/>
+          <p:nvPr/>
+        </p:nvSpPr>
+        <p:spPr>
+          <a:xfrm>
+            <a:off x="1117006" y="3645472"/>
+            <a:ext cx="697627" cy="246221"/>
+          </a:xfrm>
+          <a:prstGeom prst="rect">
+            <a:avLst/>
+          </a:prstGeom>
+          <a:noFill/>
+        </p:spPr>
+        <p:txBody>
+          <a:bodyPr wrap="none" rtlCol="0">
+            <a:spAutoFit/>
+          </a:bodyPr>
+          <a:lstStyle/>
+          <a:p>
+            <a:pPr algn="r"/>
+            <a:r>
+              <a:rPr lang="en-US" sz="1000" dirty="0" smtClean="0"/>
+              <a:t>消息队列</a:t>
+            </a:r>
+            <a:endParaRPr lang="en-US" sz="1000" dirty="0"/>
+          </a:p>
+        </p:txBody>
+      </p:sp>
+      <p:sp>
+        <p:nvSpPr>
+          <p:cNvPr id="95" name="TextBox 94"/>
+          <p:cNvSpPr txBox="1"/>
+          <p:nvPr/>
+        </p:nvSpPr>
+        <p:spPr>
+          <a:xfrm>
+            <a:off x="1253713" y="4390538"/>
+            <a:ext cx="569387" cy="246221"/>
+          </a:xfrm>
+          <a:prstGeom prst="rect">
+            <a:avLst/>
+          </a:prstGeom>
+          <a:noFill/>
+        </p:spPr>
+        <p:txBody>
+          <a:bodyPr wrap="none" rtlCol="0">
+            <a:spAutoFit/>
+          </a:bodyPr>
+          <a:lstStyle/>
+          <a:p>
+            <a:pPr algn="r"/>
+            <a:r>
+              <a:rPr lang="en-US" sz="1000" dirty="0" smtClean="0"/>
+              <a:t>消费者</a:t>
+            </a:r>
+            <a:endParaRPr lang="en-US" sz="1000" dirty="0"/>
+          </a:p>
+        </p:txBody>
+      </p:sp>
+      <p:cxnSp>
+        <p:nvCxnSpPr>
+          <p:cNvPr id="96" name="Straight Arrow Connector 95"/>
+          <p:cNvCxnSpPr>
+            <a:stCxn id="91" idx="0"/>
+            <a:endCxn id="88" idx="2"/>
+          </p:cNvCxnSpPr>
+          <p:nvPr/>
+        </p:nvCxnSpPr>
+        <p:spPr>
+          <a:xfrm flipH="1" flipV="1">
+            <a:off x="2153038" y="3927384"/>
+            <a:ext cx="736629" cy="406399"/>
+          </a:xfrm>
+          <a:prstGeom prst="straightConnector1">
+            <a:avLst/>
+          </a:prstGeom>
+          <a:ln w="6350">
+            <a:solidFill>
+              <a:schemeClr val="tx1">
+                <a:lumMod val="50000"/>
+                <a:lumOff val="50000"/>
+              </a:schemeClr>
+            </a:solidFill>
+            <a:tailEnd type="stealth" w="lg" len="lg"/>
+          </a:ln>
+        </p:spPr>
+        <p:style>
+          <a:lnRef idx="2">
+            <a:schemeClr val="accent1"/>
+          </a:lnRef>
+          <a:fillRef idx="0">
+            <a:schemeClr val="accent1"/>
+          </a:fillRef>
+          <a:effectRef idx="1">
+            <a:schemeClr val="accent1"/>
+          </a:effectRef>
+          <a:fontRef idx="minor">
+            <a:schemeClr val="tx1"/>
+          </a:fontRef>
+        </p:style>
+      </p:cxnSp>
+      <p:cxnSp>
+        <p:nvCxnSpPr>
+          <p:cNvPr id="97" name="Straight Arrow Connector 96"/>
+          <p:cNvCxnSpPr>
+            <a:stCxn id="92" idx="0"/>
+            <a:endCxn id="89" idx="2"/>
+          </p:cNvCxnSpPr>
+          <p:nvPr/>
+        </p:nvCxnSpPr>
+        <p:spPr>
+          <a:xfrm flipH="1" flipV="1">
+            <a:off x="2517103" y="3927384"/>
+            <a:ext cx="736629" cy="406399"/>
+          </a:xfrm>
+          <a:prstGeom prst="straightConnector1">
+            <a:avLst/>
+          </a:prstGeom>
+          <a:ln w="6350">
+            <a:solidFill>
+              <a:schemeClr val="tx1">
+                <a:lumMod val="50000"/>
+                <a:lumOff val="50000"/>
+              </a:schemeClr>
+            </a:solidFill>
+            <a:tailEnd type="stealth" w="lg" len="lg"/>
+          </a:ln>
+        </p:spPr>
+        <p:style>
+          <a:lnRef idx="2">
+            <a:schemeClr val="accent1"/>
+          </a:lnRef>
+          <a:fillRef idx="0">
+            <a:schemeClr val="accent1"/>
+          </a:fillRef>
+          <a:effectRef idx="1">
+            <a:schemeClr val="accent1"/>
+          </a:effectRef>
+          <a:fontRef idx="minor">
+            <a:schemeClr val="tx1"/>
+          </a:fontRef>
+        </p:style>
+      </p:cxnSp>
+      <p:cxnSp>
+        <p:nvCxnSpPr>
+          <p:cNvPr id="98" name="Straight Arrow Connector 97"/>
+          <p:cNvCxnSpPr>
+            <a:stCxn id="93" idx="0"/>
+            <a:endCxn id="90" idx="2"/>
+          </p:cNvCxnSpPr>
+          <p:nvPr/>
+        </p:nvCxnSpPr>
+        <p:spPr>
+          <a:xfrm flipH="1" flipV="1">
+            <a:off x="2881169" y="3927384"/>
+            <a:ext cx="736629" cy="406399"/>
+          </a:xfrm>
+          <a:prstGeom prst="straightConnector1">
+            <a:avLst/>
+          </a:prstGeom>
+          <a:ln w="6350">
+            <a:solidFill>
+              <a:schemeClr val="tx1">
+                <a:lumMod val="50000"/>
+                <a:lumOff val="50000"/>
+              </a:schemeClr>
+            </a:solidFill>
+            <a:tailEnd type="stealth" w="lg" len="lg"/>
+          </a:ln>
+        </p:spPr>
+        <p:style>
+          <a:lnRef idx="2">
+            <a:schemeClr val="accent1"/>
+          </a:lnRef>
+          <a:fillRef idx="0">
+            <a:schemeClr val="accent1"/>
+          </a:fillRef>
+          <a:effectRef idx="1">
+            <a:schemeClr val="accent1"/>
+          </a:effectRef>
+          <a:fontRef idx="minor">
+            <a:schemeClr val="tx1"/>
+          </a:fontRef>
+        </p:style>
+      </p:cxnSp>
+      <p:sp>
+        <p:nvSpPr>
+          <p:cNvPr id="101" name="Rectangle 100"/>
+          <p:cNvSpPr/>
+          <p:nvPr/>
+        </p:nvSpPr>
+        <p:spPr>
+          <a:xfrm>
+            <a:off x="1916237" y="3494899"/>
+            <a:ext cx="1939458" cy="1269997"/>
+          </a:xfrm>
+          <a:prstGeom prst="rect">
+            <a:avLst/>
+          </a:prstGeom>
+          <a:noFill/>
+          <a:ln w="3175" cap="flat" cmpd="sng">
+            <a:solidFill>
+              <a:schemeClr val="tx1">
+                <a:lumMod val="65000"/>
+                <a:lumOff val="35000"/>
+              </a:schemeClr>
+            </a:solidFill>
+            <a:prstDash val="dash"/>
+          </a:ln>
+        </p:spPr>
+        <p:style>
+          <a:lnRef idx="1">
+            <a:schemeClr val="accent1"/>
+          </a:lnRef>
+          <a:fillRef idx="3">
+            <a:schemeClr val="accent1"/>
+          </a:fillRef>
+          <a:effectRef idx="2">
+            <a:schemeClr val="accent1"/>
+          </a:effectRef>
+          <a:fontRef idx="minor">
+            <a:schemeClr val="lt1"/>
+          </a:fontRef>
+        </p:style>
+        <p:txBody>
+          <a:bodyPr rtlCol="0" anchor="ctr"/>
+          <a:lstStyle/>
+          <a:p>
+            <a:pPr algn="ctr"/>
+            <a:endParaRPr lang="en-US"/>
+          </a:p>
+        </p:txBody>
+      </p:sp>
+      <p:sp>
+        <p:nvSpPr>
+          <p:cNvPr id="121" name="Rectangle 120"/>
+          <p:cNvSpPr/>
+          <p:nvPr/>
+        </p:nvSpPr>
+        <p:spPr>
+          <a:xfrm>
+            <a:off x="3105535" y="3597183"/>
+            <a:ext cx="279401" cy="330201"/>
+          </a:xfrm>
+          <a:prstGeom prst="rect">
+            <a:avLst/>
+          </a:prstGeom>
+          <a:solidFill>
+            <a:srgbClr val="21FF06">
+              <a:alpha val="70000"/>
+            </a:srgbClr>
+          </a:solidFill>
+          <a:ln>
+            <a:noFill/>
+          </a:ln>
+        </p:spPr>
+        <p:style>
+          <a:lnRef idx="1">
+            <a:schemeClr val="accent1"/>
+          </a:lnRef>
+          <a:fillRef idx="3">
+            <a:schemeClr val="accent1"/>
+          </a:fillRef>
+          <a:effectRef idx="2">
+            <a:schemeClr val="accent1"/>
+          </a:effectRef>
+          <a:fontRef idx="minor">
+            <a:schemeClr val="lt1"/>
+          </a:fontRef>
+        </p:style>
+        <p:txBody>
+          <a:bodyPr lIns="0" tIns="0" rIns="0" bIns="0" rtlCol="0" anchor="ctr"/>
+          <a:lstStyle/>
+          <a:p>
+            <a:pPr algn="ctr"/>
+            <a:r>
+              <a:rPr lang="en-US" sz="1000" dirty="0" smtClean="0">
+                <a:solidFill>
+                  <a:schemeClr val="tx1"/>
+                </a:solidFill>
+              </a:rPr>
+              <a:t>Q4</a:t>
+            </a:r>
+            <a:endParaRPr lang="en-US" sz="1000" dirty="0">
+              <a:solidFill>
+                <a:schemeClr val="tx1"/>
+              </a:solidFill>
+            </a:endParaRPr>
+          </a:p>
+        </p:txBody>
+      </p:sp>
+      <p:sp>
+        <p:nvSpPr>
+          <p:cNvPr id="122" name="Rectangle 121"/>
+          <p:cNvSpPr/>
+          <p:nvPr/>
+        </p:nvSpPr>
+        <p:spPr>
+          <a:xfrm>
+            <a:off x="3469601" y="3597183"/>
+            <a:ext cx="279401" cy="330201"/>
+          </a:xfrm>
+          <a:prstGeom prst="rect">
+            <a:avLst/>
+          </a:prstGeom>
+          <a:solidFill>
+            <a:srgbClr val="21FF06">
+              <a:alpha val="70000"/>
+            </a:srgbClr>
+          </a:solidFill>
+          <a:ln>
+            <a:noFill/>
+          </a:ln>
+        </p:spPr>
+        <p:style>
+          <a:lnRef idx="1">
+            <a:schemeClr val="accent1"/>
+          </a:lnRef>
+          <a:fillRef idx="3">
+            <a:schemeClr val="accent1"/>
+          </a:fillRef>
+          <a:effectRef idx="2">
+            <a:schemeClr val="accent1"/>
+          </a:effectRef>
+          <a:fontRef idx="minor">
+            <a:schemeClr val="lt1"/>
+          </a:fontRef>
+        </p:style>
+        <p:txBody>
+          <a:bodyPr lIns="0" tIns="0" rIns="0" bIns="0" rtlCol="0" anchor="ctr"/>
+          <a:lstStyle/>
+          <a:p>
+            <a:pPr algn="ctr"/>
+            <a:r>
+              <a:rPr lang="en-US" sz="1000" dirty="0" smtClean="0">
+                <a:solidFill>
+                  <a:schemeClr val="tx1"/>
+                </a:solidFill>
+              </a:rPr>
+              <a:t>Q5</a:t>
+            </a:r>
+            <a:endParaRPr lang="en-US" sz="1000" dirty="0">
+              <a:solidFill>
+                <a:schemeClr val="tx1"/>
+              </a:solidFill>
+            </a:endParaRPr>
+          </a:p>
+        </p:txBody>
+      </p:sp>
+      <p:sp>
+        <p:nvSpPr>
+          <p:cNvPr id="105" name="Rectangle 104"/>
+          <p:cNvSpPr/>
+          <p:nvPr/>
+        </p:nvSpPr>
+        <p:spPr>
+          <a:xfrm>
+            <a:off x="6110898" y="3494899"/>
+            <a:ext cx="1939458" cy="1269997"/>
+          </a:xfrm>
+          <a:prstGeom prst="rect">
+            <a:avLst/>
+          </a:prstGeom>
+          <a:noFill/>
+          <a:ln w="3175" cap="flat" cmpd="sng">
+            <a:solidFill>
+              <a:schemeClr val="tx1">
+                <a:lumMod val="65000"/>
+                <a:lumOff val="35000"/>
+              </a:schemeClr>
+            </a:solidFill>
+            <a:prstDash val="dash"/>
+          </a:ln>
+        </p:spPr>
+        <p:style>
+          <a:lnRef idx="1">
+            <a:schemeClr val="accent1"/>
+          </a:lnRef>
+          <a:fillRef idx="3">
+            <a:schemeClr val="accent1"/>
+          </a:fillRef>
+          <a:effectRef idx="2">
+            <a:schemeClr val="accent1"/>
+          </a:effectRef>
+          <a:fontRef idx="minor">
+            <a:schemeClr val="lt1"/>
+          </a:fontRef>
+        </p:style>
+        <p:txBody>
+          <a:bodyPr rtlCol="0" anchor="ctr"/>
+          <a:lstStyle/>
+          <a:p>
+            <a:pPr algn="ctr"/>
+            <a:endParaRPr lang="en-US"/>
+          </a:p>
+        </p:txBody>
+      </p:sp>
+      <p:sp>
+        <p:nvSpPr>
+          <p:cNvPr id="128" name="Rectangle 127"/>
+          <p:cNvSpPr/>
+          <p:nvPr/>
+        </p:nvSpPr>
+        <p:spPr>
+          <a:xfrm>
+            <a:off x="6207998" y="3597183"/>
+            <a:ext cx="279401" cy="330201"/>
+          </a:xfrm>
+          <a:prstGeom prst="rect">
+            <a:avLst/>
+          </a:prstGeom>
+          <a:solidFill>
+            <a:srgbClr val="21FF06">
+              <a:alpha val="70000"/>
+            </a:srgbClr>
+          </a:solidFill>
+          <a:ln>
+            <a:noFill/>
+          </a:ln>
+        </p:spPr>
+        <p:style>
+          <a:lnRef idx="1">
+            <a:schemeClr val="accent1"/>
+          </a:lnRef>
+          <a:fillRef idx="3">
+            <a:schemeClr val="accent1"/>
+          </a:fillRef>
+          <a:effectRef idx="2">
+            <a:schemeClr val="accent1"/>
+          </a:effectRef>
+          <a:fontRef idx="minor">
+            <a:schemeClr val="lt1"/>
+          </a:fontRef>
+        </p:style>
+        <p:txBody>
+          <a:bodyPr lIns="0" tIns="0" rIns="0" bIns="0" rtlCol="0" anchor="ctr"/>
+          <a:lstStyle/>
+          <a:p>
+            <a:pPr algn="ctr"/>
+            <a:r>
+              <a:rPr lang="en-US" sz="1000" dirty="0" smtClean="0">
+                <a:solidFill>
+                  <a:schemeClr val="tx1"/>
+                </a:solidFill>
+              </a:rPr>
+              <a:t>Q11</a:t>
+            </a:r>
+          </a:p>
+        </p:txBody>
+      </p:sp>
+      <p:sp>
+        <p:nvSpPr>
+          <p:cNvPr id="129" name="Rectangle 128"/>
+          <p:cNvSpPr/>
+          <p:nvPr/>
+        </p:nvSpPr>
+        <p:spPr>
+          <a:xfrm>
+            <a:off x="6572063" y="3597183"/>
+            <a:ext cx="279401" cy="330201"/>
+          </a:xfrm>
+          <a:prstGeom prst="rect">
+            <a:avLst/>
+          </a:prstGeom>
+          <a:solidFill>
+            <a:srgbClr val="21FF06">
+              <a:alpha val="70000"/>
+            </a:srgbClr>
+          </a:solidFill>
+          <a:ln>
+            <a:noFill/>
+          </a:ln>
+        </p:spPr>
+        <p:style>
+          <a:lnRef idx="1">
+            <a:schemeClr val="accent1"/>
+          </a:lnRef>
+          <a:fillRef idx="3">
+            <a:schemeClr val="accent1"/>
+          </a:fillRef>
+          <a:effectRef idx="2">
+            <a:schemeClr val="accent1"/>
+          </a:effectRef>
+          <a:fontRef idx="minor">
+            <a:schemeClr val="lt1"/>
+          </a:fontRef>
+        </p:style>
+        <p:txBody>
+          <a:bodyPr lIns="0" tIns="0" rIns="0" bIns="0" rtlCol="0" anchor="ctr"/>
+          <a:lstStyle/>
+          <a:p>
+            <a:pPr algn="ctr"/>
+            <a:r>
+              <a:rPr lang="en-US" sz="1000" dirty="0" smtClean="0">
+                <a:solidFill>
+                  <a:schemeClr val="tx1"/>
+                </a:solidFill>
+              </a:rPr>
+              <a:t>Q12</a:t>
+            </a:r>
+            <a:endParaRPr lang="en-US" sz="1000" dirty="0">
+              <a:solidFill>
+                <a:schemeClr val="tx1"/>
+              </a:solidFill>
+            </a:endParaRPr>
+          </a:p>
+        </p:txBody>
+      </p:sp>
+      <p:sp>
+        <p:nvSpPr>
+          <p:cNvPr id="130" name="Rectangle 129"/>
+          <p:cNvSpPr/>
+          <p:nvPr/>
+        </p:nvSpPr>
+        <p:spPr>
+          <a:xfrm>
+            <a:off x="6936129" y="3597183"/>
+            <a:ext cx="279401" cy="330201"/>
+          </a:xfrm>
+          <a:prstGeom prst="rect">
+            <a:avLst/>
+          </a:prstGeom>
+          <a:solidFill>
+            <a:srgbClr val="21FF06">
+              <a:alpha val="70000"/>
+            </a:srgbClr>
+          </a:solidFill>
+          <a:ln>
+            <a:noFill/>
+          </a:ln>
+        </p:spPr>
+        <p:style>
+          <a:lnRef idx="1">
+            <a:schemeClr val="accent1"/>
+          </a:lnRef>
+          <a:fillRef idx="3">
+            <a:schemeClr val="accent1"/>
+          </a:fillRef>
+          <a:effectRef idx="2">
+            <a:schemeClr val="accent1"/>
+          </a:effectRef>
+          <a:fontRef idx="minor">
+            <a:schemeClr val="lt1"/>
+          </a:fontRef>
+        </p:style>
+        <p:txBody>
+          <a:bodyPr lIns="0" tIns="0" rIns="0" bIns="0" rtlCol="0" anchor="ctr"/>
+          <a:lstStyle/>
+          <a:p>
+            <a:pPr algn="ctr"/>
+            <a:r>
+              <a:rPr lang="en-US" sz="1000" dirty="0" smtClean="0">
+                <a:solidFill>
+                  <a:schemeClr val="tx1"/>
+                </a:solidFill>
+              </a:rPr>
+              <a:t>Q13</a:t>
+            </a:r>
+            <a:endParaRPr lang="en-US" sz="1000" dirty="0">
+              <a:solidFill>
+                <a:schemeClr val="tx1"/>
+              </a:solidFill>
+            </a:endParaRPr>
+          </a:p>
+        </p:txBody>
+      </p:sp>
+      <p:sp>
+        <p:nvSpPr>
+          <p:cNvPr id="131" name="Rectangle 130"/>
+          <p:cNvSpPr/>
+          <p:nvPr/>
+        </p:nvSpPr>
+        <p:spPr>
+          <a:xfrm>
+            <a:off x="7300196" y="3597183"/>
+            <a:ext cx="279401" cy="330201"/>
+          </a:xfrm>
+          <a:prstGeom prst="rect">
+            <a:avLst/>
+          </a:prstGeom>
+          <a:solidFill>
+            <a:srgbClr val="21FF06">
+              <a:alpha val="70000"/>
+            </a:srgbClr>
+          </a:solidFill>
+          <a:ln>
+            <a:noFill/>
+          </a:ln>
+        </p:spPr>
+        <p:style>
+          <a:lnRef idx="1">
+            <a:schemeClr val="accent1"/>
+          </a:lnRef>
+          <a:fillRef idx="3">
+            <a:schemeClr val="accent1"/>
+          </a:fillRef>
+          <a:effectRef idx="2">
+            <a:schemeClr val="accent1"/>
+          </a:effectRef>
+          <a:fontRef idx="minor">
+            <a:schemeClr val="lt1"/>
+          </a:fontRef>
+        </p:style>
+        <p:txBody>
+          <a:bodyPr lIns="0" tIns="0" rIns="0" bIns="0" rtlCol="0" anchor="ctr"/>
+          <a:lstStyle/>
+          <a:p>
+            <a:pPr algn="ctr"/>
+            <a:r>
+              <a:rPr lang="en-US" sz="1000" dirty="0" smtClean="0">
+                <a:solidFill>
+                  <a:schemeClr val="tx1"/>
+                </a:solidFill>
+              </a:rPr>
+              <a:t>Q14</a:t>
+            </a:r>
+            <a:endParaRPr lang="en-US" sz="1000" dirty="0">
+              <a:solidFill>
+                <a:schemeClr val="tx1"/>
+              </a:solidFill>
+            </a:endParaRPr>
+          </a:p>
+        </p:txBody>
+      </p:sp>
+      <p:sp>
+        <p:nvSpPr>
+          <p:cNvPr id="132" name="Rectangle 131"/>
+          <p:cNvSpPr/>
+          <p:nvPr/>
+        </p:nvSpPr>
+        <p:spPr>
+          <a:xfrm>
+            <a:off x="7664262" y="3597183"/>
+            <a:ext cx="279401" cy="330201"/>
+          </a:xfrm>
+          <a:prstGeom prst="rect">
+            <a:avLst/>
+          </a:prstGeom>
+          <a:solidFill>
+            <a:srgbClr val="21FF06">
+              <a:alpha val="70000"/>
+            </a:srgbClr>
+          </a:solidFill>
+          <a:ln>
+            <a:noFill/>
+          </a:ln>
+        </p:spPr>
+        <p:style>
+          <a:lnRef idx="1">
+            <a:schemeClr val="accent1"/>
+          </a:lnRef>
+          <a:fillRef idx="3">
+            <a:schemeClr val="accent1"/>
+          </a:fillRef>
+          <a:effectRef idx="2">
+            <a:schemeClr val="accent1"/>
+          </a:effectRef>
+          <a:fontRef idx="minor">
+            <a:schemeClr val="lt1"/>
+          </a:fontRef>
+        </p:style>
+        <p:txBody>
+          <a:bodyPr lIns="0" tIns="0" rIns="0" bIns="0" rtlCol="0" anchor="ctr"/>
+          <a:lstStyle/>
+          <a:p>
+            <a:pPr algn="ctr"/>
+            <a:r>
+              <a:rPr lang="en-US" sz="1000" dirty="0" smtClean="0">
+                <a:solidFill>
+                  <a:schemeClr val="tx1"/>
+                </a:solidFill>
+              </a:rPr>
+              <a:t>Q15</a:t>
+            </a:r>
+            <a:endParaRPr lang="en-US" sz="1000" dirty="0">
+              <a:solidFill>
+                <a:schemeClr val="tx1"/>
+              </a:solidFill>
+            </a:endParaRPr>
+          </a:p>
+        </p:txBody>
+      </p:sp>
+      <p:cxnSp>
+        <p:nvCxnSpPr>
+          <p:cNvPr id="139" name="Straight Arrow Connector 138"/>
+          <p:cNvCxnSpPr>
+            <a:stCxn id="91" idx="0"/>
+            <a:endCxn id="134" idx="2"/>
+          </p:cNvCxnSpPr>
+          <p:nvPr/>
+        </p:nvCxnSpPr>
+        <p:spPr>
+          <a:xfrm flipV="1">
+            <a:off x="2889667" y="3914684"/>
+            <a:ext cx="1727165" cy="419099"/>
+          </a:xfrm>
+          <a:prstGeom prst="straightConnector1">
+            <a:avLst/>
+          </a:prstGeom>
+          <a:ln w="6350">
+            <a:solidFill>
+              <a:schemeClr val="tx1">
+                <a:lumMod val="50000"/>
+                <a:lumOff val="50000"/>
+              </a:schemeClr>
+            </a:solidFill>
+            <a:tailEnd type="stealth" w="lg" len="lg"/>
+          </a:ln>
+        </p:spPr>
+        <p:style>
+          <a:lnRef idx="2">
+            <a:schemeClr val="accent1"/>
+          </a:lnRef>
+          <a:fillRef idx="0">
+            <a:schemeClr val="accent1"/>
+          </a:fillRef>
+          <a:effectRef idx="1">
+            <a:schemeClr val="accent1"/>
+          </a:effectRef>
+          <a:fontRef idx="minor">
+            <a:schemeClr val="tx1"/>
+          </a:fontRef>
+        </p:style>
+      </p:cxnSp>
+      <p:cxnSp>
+        <p:nvCxnSpPr>
+          <p:cNvPr id="141" name="Straight Arrow Connector 140"/>
+          <p:cNvCxnSpPr>
+            <a:stCxn id="92" idx="0"/>
+            <a:endCxn id="135" idx="2"/>
+          </p:cNvCxnSpPr>
+          <p:nvPr/>
+        </p:nvCxnSpPr>
+        <p:spPr>
+          <a:xfrm flipV="1">
+            <a:off x="3253732" y="3914684"/>
+            <a:ext cx="1727166" cy="419099"/>
+          </a:xfrm>
+          <a:prstGeom prst="straightConnector1">
+            <a:avLst/>
+          </a:prstGeom>
+          <a:ln w="6350">
+            <a:solidFill>
+              <a:schemeClr val="tx1">
+                <a:lumMod val="50000"/>
+                <a:lumOff val="50000"/>
+              </a:schemeClr>
+            </a:solidFill>
+            <a:tailEnd type="stealth" w="lg" len="lg"/>
+          </a:ln>
+        </p:spPr>
+        <p:style>
+          <a:lnRef idx="2">
+            <a:schemeClr val="accent1"/>
+          </a:lnRef>
+          <a:fillRef idx="0">
+            <a:schemeClr val="accent1"/>
+          </a:fillRef>
+          <a:effectRef idx="1">
+            <a:schemeClr val="accent1"/>
+          </a:effectRef>
+          <a:fontRef idx="minor">
+            <a:schemeClr val="tx1"/>
+          </a:fontRef>
+        </p:style>
+      </p:cxnSp>
+      <p:cxnSp>
+        <p:nvCxnSpPr>
+          <p:cNvPr id="144" name="Straight Arrow Connector 143"/>
+          <p:cNvCxnSpPr>
+            <a:stCxn id="93" idx="0"/>
+            <a:endCxn id="136" idx="2"/>
+          </p:cNvCxnSpPr>
+          <p:nvPr/>
+        </p:nvCxnSpPr>
+        <p:spPr>
+          <a:xfrm flipV="1">
+            <a:off x="3617798" y="3914684"/>
+            <a:ext cx="1727167" cy="419099"/>
+          </a:xfrm>
+          <a:prstGeom prst="straightConnector1">
+            <a:avLst/>
+          </a:prstGeom>
+          <a:ln w="6350">
+            <a:solidFill>
+              <a:schemeClr val="tx1">
+                <a:lumMod val="50000"/>
+                <a:lumOff val="50000"/>
+              </a:schemeClr>
+            </a:solidFill>
+            <a:tailEnd type="stealth" w="lg" len="lg"/>
+          </a:ln>
+        </p:spPr>
+        <p:style>
+          <a:lnRef idx="2">
+            <a:schemeClr val="accent1"/>
+          </a:lnRef>
+          <a:fillRef idx="0">
+            <a:schemeClr val="accent1"/>
+          </a:fillRef>
+          <a:effectRef idx="1">
+            <a:schemeClr val="accent1"/>
+          </a:effectRef>
+          <a:fontRef idx="minor">
+            <a:schemeClr val="tx1"/>
+          </a:fontRef>
+        </p:style>
+      </p:cxnSp>
+      <p:cxnSp>
+        <p:nvCxnSpPr>
+          <p:cNvPr id="147" name="Straight Arrow Connector 146"/>
+          <p:cNvCxnSpPr>
+            <a:stCxn id="109" idx="0"/>
+            <a:endCxn id="121" idx="2"/>
+          </p:cNvCxnSpPr>
+          <p:nvPr/>
+        </p:nvCxnSpPr>
+        <p:spPr>
+          <a:xfrm flipH="1" flipV="1">
+            <a:off x="3245236" y="3927384"/>
+            <a:ext cx="1007531" cy="406399"/>
+          </a:xfrm>
+          <a:prstGeom prst="straightConnector1">
+            <a:avLst/>
+          </a:prstGeom>
+          <a:ln w="6350">
+            <a:solidFill>
+              <a:schemeClr val="tx1">
+                <a:lumMod val="50000"/>
+                <a:lumOff val="50000"/>
+              </a:schemeClr>
+            </a:solidFill>
+            <a:tailEnd type="stealth" w="lg" len="lg"/>
+          </a:ln>
+        </p:spPr>
+        <p:style>
+          <a:lnRef idx="2">
+            <a:schemeClr val="accent1"/>
+          </a:lnRef>
+          <a:fillRef idx="0">
+            <a:schemeClr val="accent1"/>
+          </a:fillRef>
+          <a:effectRef idx="1">
+            <a:schemeClr val="accent1"/>
+          </a:effectRef>
+          <a:fontRef idx="minor">
+            <a:schemeClr val="tx1"/>
+          </a:fontRef>
+        </p:style>
+      </p:cxnSp>
+      <p:cxnSp>
+        <p:nvCxnSpPr>
+          <p:cNvPr id="153" name="Straight Arrow Connector 152"/>
+          <p:cNvCxnSpPr>
+            <a:stCxn id="110" idx="0"/>
+            <a:endCxn id="122" idx="2"/>
+          </p:cNvCxnSpPr>
+          <p:nvPr/>
+        </p:nvCxnSpPr>
+        <p:spPr>
+          <a:xfrm flipH="1" flipV="1">
+            <a:off x="3609302" y="3927384"/>
+            <a:ext cx="1007530" cy="406399"/>
+          </a:xfrm>
+          <a:prstGeom prst="straightConnector1">
+            <a:avLst/>
+          </a:prstGeom>
+          <a:ln w="6350">
+            <a:solidFill>
+              <a:schemeClr val="tx1">
+                <a:lumMod val="50000"/>
+                <a:lumOff val="50000"/>
+              </a:schemeClr>
+            </a:solidFill>
+            <a:tailEnd type="stealth" w="lg" len="lg"/>
+          </a:ln>
+        </p:spPr>
+        <p:style>
+          <a:lnRef idx="2">
+            <a:schemeClr val="accent1"/>
+          </a:lnRef>
+          <a:fillRef idx="0">
+            <a:schemeClr val="accent1"/>
+          </a:fillRef>
+          <a:effectRef idx="1">
+            <a:schemeClr val="accent1"/>
+          </a:effectRef>
+          <a:fontRef idx="minor">
+            <a:schemeClr val="tx1"/>
+          </a:fontRef>
+        </p:style>
+      </p:cxnSp>
+      <p:sp>
+        <p:nvSpPr>
+          <p:cNvPr id="159" name="TextBox 158"/>
+          <p:cNvSpPr txBox="1"/>
+          <p:nvPr/>
+        </p:nvSpPr>
+        <p:spPr>
+          <a:xfrm>
+            <a:off x="2628484" y="1723548"/>
+            <a:ext cx="512468" cy="246221"/>
+          </a:xfrm>
+          <a:prstGeom prst="rect">
+            <a:avLst/>
+          </a:prstGeom>
+          <a:noFill/>
+        </p:spPr>
+        <p:txBody>
+          <a:bodyPr wrap="none" rtlCol="0">
+            <a:spAutoFit/>
+          </a:bodyPr>
+          <a:lstStyle>
+            <a:defPPr>
+              <a:defRPr lang="en-US"/>
+            </a:defPPr>
+            <a:lvl1pPr algn="r">
+              <a:defRPr sz="1000"/>
+            </a:lvl1pPr>
+          </a:lstStyle>
+          <a:p>
+            <a:r>
+              <a:rPr lang="en-US" dirty="0"/>
+              <a:t>机房1</a:t>
+            </a:r>
+          </a:p>
+        </p:txBody>
+      </p:sp>
+      <p:sp>
+        <p:nvSpPr>
+          <p:cNvPr id="60" name="Rectangle 59"/>
+          <p:cNvSpPr/>
+          <p:nvPr/>
+        </p:nvSpPr>
+        <p:spPr>
+          <a:xfrm>
+            <a:off x="6207998" y="2088295"/>
+            <a:ext cx="279401" cy="330201"/>
+          </a:xfrm>
+          <a:prstGeom prst="rect">
+            <a:avLst/>
+          </a:prstGeom>
+          <a:solidFill>
+            <a:srgbClr val="21FF06">
+              <a:alpha val="70000"/>
+            </a:srgbClr>
+          </a:solidFill>
+          <a:ln>
+            <a:noFill/>
+          </a:ln>
+        </p:spPr>
+        <p:style>
+          <a:lnRef idx="1">
+            <a:schemeClr val="accent1"/>
+          </a:lnRef>
+          <a:fillRef idx="3">
+            <a:schemeClr val="accent1"/>
+          </a:fillRef>
+          <a:effectRef idx="2">
+            <a:schemeClr val="accent1"/>
+          </a:effectRef>
+          <a:fontRef idx="minor">
+            <a:schemeClr val="lt1"/>
+          </a:fontRef>
+        </p:style>
+        <p:txBody>
+          <a:bodyPr lIns="0" tIns="0" rIns="0" bIns="0" rtlCol="0" anchor="ctr"/>
+          <a:lstStyle/>
+          <a:p>
+            <a:pPr algn="ctr"/>
+            <a:r>
+              <a:rPr lang="en-US" sz="1000" dirty="0" smtClean="0">
+                <a:solidFill>
+                  <a:schemeClr val="tx1"/>
+                </a:solidFill>
+              </a:rPr>
+              <a:t>Q7</a:t>
+            </a:r>
+          </a:p>
+        </p:txBody>
+      </p:sp>
+      <p:sp>
+        <p:nvSpPr>
+          <p:cNvPr id="61" name="Rectangle 60"/>
+          <p:cNvSpPr/>
+          <p:nvPr/>
+        </p:nvSpPr>
+        <p:spPr>
+          <a:xfrm>
+            <a:off x="6572063" y="2088295"/>
+            <a:ext cx="279401" cy="330201"/>
+          </a:xfrm>
+          <a:prstGeom prst="rect">
+            <a:avLst/>
+          </a:prstGeom>
+          <a:solidFill>
+            <a:srgbClr val="21FF06">
+              <a:alpha val="70000"/>
+            </a:srgbClr>
+          </a:solidFill>
+          <a:ln>
+            <a:noFill/>
+          </a:ln>
+        </p:spPr>
+        <p:style>
+          <a:lnRef idx="1">
+            <a:schemeClr val="accent1"/>
+          </a:lnRef>
+          <a:fillRef idx="3">
+            <a:schemeClr val="accent1"/>
+          </a:fillRef>
+          <a:effectRef idx="2">
+            <a:schemeClr val="accent1"/>
+          </a:effectRef>
+          <a:fontRef idx="minor">
+            <a:schemeClr val="lt1"/>
+          </a:fontRef>
+        </p:style>
+        <p:txBody>
+          <a:bodyPr lIns="0" tIns="0" rIns="0" bIns="0" rtlCol="0" anchor="ctr"/>
+          <a:lstStyle/>
+          <a:p>
+            <a:pPr algn="ctr"/>
+            <a:r>
+              <a:rPr lang="en-US" sz="1000" dirty="0" smtClean="0">
+                <a:solidFill>
+                  <a:schemeClr val="tx1"/>
+                </a:solidFill>
+              </a:rPr>
+              <a:t>Q8</a:t>
+            </a:r>
+            <a:endParaRPr lang="en-US" sz="1000" dirty="0">
+              <a:solidFill>
+                <a:schemeClr val="tx1"/>
+              </a:solidFill>
+            </a:endParaRPr>
+          </a:p>
+        </p:txBody>
+      </p:sp>
+      <p:sp>
+        <p:nvSpPr>
+          <p:cNvPr id="62" name="Rectangle 61"/>
+          <p:cNvSpPr/>
+          <p:nvPr/>
+        </p:nvSpPr>
+        <p:spPr>
+          <a:xfrm>
+            <a:off x="6936129" y="2088295"/>
+            <a:ext cx="279401" cy="330201"/>
+          </a:xfrm>
+          <a:prstGeom prst="rect">
+            <a:avLst/>
+          </a:prstGeom>
+          <a:solidFill>
+            <a:srgbClr val="21FF06">
+              <a:alpha val="70000"/>
+            </a:srgbClr>
+          </a:solidFill>
+          <a:ln>
+            <a:noFill/>
+          </a:ln>
+        </p:spPr>
+        <p:style>
+          <a:lnRef idx="1">
+            <a:schemeClr val="accent1"/>
+          </a:lnRef>
+          <a:fillRef idx="3">
+            <a:schemeClr val="accent1"/>
+          </a:fillRef>
+          <a:effectRef idx="2">
+            <a:schemeClr val="accent1"/>
+          </a:effectRef>
+          <a:fontRef idx="minor">
+            <a:schemeClr val="lt1"/>
+          </a:fontRef>
+        </p:style>
+        <p:txBody>
+          <a:bodyPr lIns="0" tIns="0" rIns="0" bIns="0" rtlCol="0" anchor="ctr"/>
+          <a:lstStyle/>
+          <a:p>
+            <a:pPr algn="ctr"/>
+            <a:r>
+              <a:rPr lang="en-US" sz="1000" dirty="0" smtClean="0">
+                <a:solidFill>
+                  <a:schemeClr val="tx1"/>
+                </a:solidFill>
+              </a:rPr>
+              <a:t>Q9</a:t>
+            </a:r>
+            <a:endParaRPr lang="en-US" sz="1000" dirty="0">
+              <a:solidFill>
+                <a:schemeClr val="tx1"/>
+              </a:solidFill>
+            </a:endParaRPr>
+          </a:p>
+        </p:txBody>
+      </p:sp>
+      <p:sp>
+        <p:nvSpPr>
+          <p:cNvPr id="71" name="Rectangle 70"/>
+          <p:cNvSpPr/>
+          <p:nvPr/>
+        </p:nvSpPr>
+        <p:spPr>
+          <a:xfrm>
+            <a:off x="6110898" y="1986011"/>
+            <a:ext cx="1939458" cy="1269997"/>
+          </a:xfrm>
+          <a:prstGeom prst="rect">
+            <a:avLst/>
+          </a:prstGeom>
+          <a:noFill/>
+          <a:ln w="3175" cap="flat" cmpd="sng">
+            <a:solidFill>
+              <a:schemeClr val="tx1">
+                <a:lumMod val="65000"/>
+                <a:lumOff val="35000"/>
+              </a:schemeClr>
+            </a:solidFill>
+            <a:prstDash val="dash"/>
+          </a:ln>
+        </p:spPr>
+        <p:style>
+          <a:lnRef idx="1">
+            <a:schemeClr val="accent1"/>
+          </a:lnRef>
+          <a:fillRef idx="3">
+            <a:schemeClr val="accent1"/>
+          </a:fillRef>
+          <a:effectRef idx="2">
+            <a:schemeClr val="accent1"/>
+          </a:effectRef>
+          <a:fontRef idx="minor">
+            <a:schemeClr val="lt1"/>
+          </a:fontRef>
+        </p:style>
+        <p:txBody>
+          <a:bodyPr rtlCol="0" anchor="ctr"/>
+          <a:lstStyle/>
+          <a:p>
+            <a:pPr algn="ctr"/>
+            <a:endParaRPr lang="en-US"/>
+          </a:p>
+        </p:txBody>
+      </p:sp>
+      <p:sp>
+        <p:nvSpPr>
+          <p:cNvPr id="160" name="TextBox 159"/>
+          <p:cNvSpPr txBox="1"/>
+          <p:nvPr/>
+        </p:nvSpPr>
+        <p:spPr>
+          <a:xfrm>
+            <a:off x="6818858" y="1730187"/>
+            <a:ext cx="506143" cy="246221"/>
+          </a:xfrm>
+          <a:prstGeom prst="rect">
+            <a:avLst/>
+          </a:prstGeom>
+          <a:noFill/>
+        </p:spPr>
+        <p:txBody>
+          <a:bodyPr wrap="none" rtlCol="0">
+            <a:spAutoFit/>
+          </a:bodyPr>
+          <a:lstStyle>
+            <a:defPPr>
+              <a:defRPr lang="en-US"/>
+            </a:defPPr>
+            <a:lvl1pPr algn="r">
+              <a:defRPr sz="1000"/>
+            </a:lvl1pPr>
+          </a:lstStyle>
+          <a:p>
+            <a:r>
+              <a:rPr lang="en-US" dirty="0"/>
+              <a:t>机</a:t>
+            </a:r>
+            <a:r>
+              <a:rPr lang="en-US" dirty="0" smtClean="0"/>
+              <a:t>房3</a:t>
+            </a:r>
+            <a:endParaRPr lang="en-US" dirty="0"/>
+          </a:p>
+        </p:txBody>
+      </p:sp>
+      <p:sp>
+        <p:nvSpPr>
+          <p:cNvPr id="72" name="Rectangle 71"/>
+          <p:cNvSpPr/>
+          <p:nvPr/>
+        </p:nvSpPr>
+        <p:spPr>
+          <a:xfrm>
+            <a:off x="4122241" y="2088295"/>
+            <a:ext cx="279401" cy="330201"/>
+          </a:xfrm>
+          <a:prstGeom prst="rect">
+            <a:avLst/>
+          </a:prstGeom>
+          <a:solidFill>
+            <a:srgbClr val="21FF06">
+              <a:alpha val="70000"/>
+            </a:srgbClr>
+          </a:solidFill>
+          <a:ln>
+            <a:noFill/>
+          </a:ln>
+        </p:spPr>
+        <p:style>
+          <a:lnRef idx="1">
+            <a:schemeClr val="accent1"/>
+          </a:lnRef>
+          <a:fillRef idx="3">
+            <a:schemeClr val="accent1"/>
+          </a:fillRef>
+          <a:effectRef idx="2">
+            <a:schemeClr val="accent1"/>
+          </a:effectRef>
+          <a:fontRef idx="minor">
+            <a:schemeClr val="lt1"/>
+          </a:fontRef>
+        </p:style>
+        <p:txBody>
+          <a:bodyPr lIns="0" tIns="0" rIns="0" bIns="0" rtlCol="0" anchor="ctr"/>
+          <a:lstStyle/>
+          <a:p>
+            <a:pPr algn="ctr"/>
+            <a:r>
+              <a:rPr lang="en-US" sz="1000" dirty="0" smtClean="0">
+                <a:solidFill>
+                  <a:schemeClr val="tx1"/>
+                </a:solidFill>
+              </a:rPr>
+              <a:t>Q4</a:t>
+            </a:r>
+          </a:p>
+        </p:txBody>
+      </p:sp>
+      <p:sp>
+        <p:nvSpPr>
+          <p:cNvPr id="73" name="Rectangle 72"/>
+          <p:cNvSpPr/>
+          <p:nvPr/>
+        </p:nvSpPr>
+        <p:spPr>
+          <a:xfrm>
+            <a:off x="4486306" y="2088295"/>
+            <a:ext cx="279401" cy="330201"/>
+          </a:xfrm>
+          <a:prstGeom prst="rect">
+            <a:avLst/>
+          </a:prstGeom>
+          <a:solidFill>
+            <a:srgbClr val="21FF06">
+              <a:alpha val="70000"/>
+            </a:srgbClr>
+          </a:solidFill>
+          <a:ln>
+            <a:noFill/>
+          </a:ln>
+        </p:spPr>
+        <p:style>
+          <a:lnRef idx="1">
+            <a:schemeClr val="accent1"/>
+          </a:lnRef>
+          <a:fillRef idx="3">
+            <a:schemeClr val="accent1"/>
+          </a:fillRef>
+          <a:effectRef idx="2">
+            <a:schemeClr val="accent1"/>
+          </a:effectRef>
+          <a:fontRef idx="minor">
+            <a:schemeClr val="lt1"/>
+          </a:fontRef>
+        </p:style>
+        <p:txBody>
+          <a:bodyPr lIns="0" tIns="0" rIns="0" bIns="0" rtlCol="0" anchor="ctr"/>
+          <a:lstStyle/>
+          <a:p>
+            <a:pPr algn="ctr"/>
+            <a:r>
+              <a:rPr lang="en-US" sz="1000" dirty="0" smtClean="0">
+                <a:solidFill>
+                  <a:schemeClr val="tx1"/>
+                </a:solidFill>
+              </a:rPr>
+              <a:t>Q5</a:t>
+            </a:r>
+            <a:endParaRPr lang="en-US" sz="1000" dirty="0">
+              <a:solidFill>
+                <a:schemeClr val="tx1"/>
+              </a:solidFill>
+            </a:endParaRPr>
+          </a:p>
+        </p:txBody>
+      </p:sp>
+      <p:sp>
+        <p:nvSpPr>
+          <p:cNvPr id="74" name="Rectangle 73"/>
+          <p:cNvSpPr/>
+          <p:nvPr/>
+        </p:nvSpPr>
+        <p:spPr>
+          <a:xfrm>
+            <a:off x="4850372" y="2088295"/>
+            <a:ext cx="279401" cy="330201"/>
+          </a:xfrm>
+          <a:prstGeom prst="rect">
+            <a:avLst/>
+          </a:prstGeom>
+          <a:solidFill>
+            <a:srgbClr val="21FF06">
+              <a:alpha val="70000"/>
+            </a:srgbClr>
+          </a:solidFill>
+          <a:ln>
+            <a:noFill/>
+          </a:ln>
+        </p:spPr>
+        <p:style>
+          <a:lnRef idx="1">
+            <a:schemeClr val="accent1"/>
+          </a:lnRef>
+          <a:fillRef idx="3">
+            <a:schemeClr val="accent1"/>
+          </a:fillRef>
+          <a:effectRef idx="2">
+            <a:schemeClr val="accent1"/>
+          </a:effectRef>
+          <a:fontRef idx="minor">
+            <a:schemeClr val="lt1"/>
+          </a:fontRef>
+        </p:style>
+        <p:txBody>
+          <a:bodyPr lIns="0" tIns="0" rIns="0" bIns="0" rtlCol="0" anchor="ctr"/>
+          <a:lstStyle/>
+          <a:p>
+            <a:pPr algn="ctr"/>
+            <a:r>
+              <a:rPr lang="en-US" sz="1000" dirty="0" smtClean="0">
+                <a:solidFill>
+                  <a:schemeClr val="tx1"/>
+                </a:solidFill>
+              </a:rPr>
+              <a:t>Q6</a:t>
+            </a:r>
+            <a:endParaRPr lang="en-US" sz="1000" dirty="0">
+              <a:solidFill>
+                <a:schemeClr val="tx1"/>
+              </a:solidFill>
+            </a:endParaRPr>
+          </a:p>
+        </p:txBody>
+      </p:sp>
+      <p:sp>
+        <p:nvSpPr>
+          <p:cNvPr id="75" name="Rectangle 74"/>
+          <p:cNvSpPr/>
+          <p:nvPr/>
+        </p:nvSpPr>
+        <p:spPr>
+          <a:xfrm>
+            <a:off x="4122241" y="2824895"/>
+            <a:ext cx="279401" cy="330201"/>
+          </a:xfrm>
+          <a:prstGeom prst="rect">
+            <a:avLst/>
+          </a:prstGeom>
+          <a:solidFill>
+            <a:srgbClr val="CC66FF">
+              <a:alpha val="70000"/>
+            </a:srgbClr>
+          </a:solidFill>
+          <a:ln>
+            <a:noFill/>
+          </a:ln>
+        </p:spPr>
+        <p:style>
+          <a:lnRef idx="1">
+            <a:schemeClr val="accent1"/>
+          </a:lnRef>
+          <a:fillRef idx="3">
+            <a:schemeClr val="accent1"/>
+          </a:fillRef>
+          <a:effectRef idx="2">
+            <a:schemeClr val="accent1"/>
+          </a:effectRef>
+          <a:fontRef idx="minor">
+            <a:schemeClr val="lt1"/>
+          </a:fontRef>
+        </p:style>
+        <p:txBody>
+          <a:bodyPr lIns="0" tIns="0" rIns="0" bIns="0" rtlCol="0" anchor="ctr"/>
+          <a:lstStyle/>
+          <a:p>
+            <a:pPr algn="ctr"/>
+            <a:r>
+              <a:rPr lang="en-US" sz="1000" dirty="0" smtClean="0">
+                <a:solidFill>
+                  <a:schemeClr val="tx1"/>
+                </a:solidFill>
+              </a:rPr>
+              <a:t>C</a:t>
+            </a:r>
+            <a:r>
+              <a:rPr lang="en-US" sz="1000" dirty="0">
+                <a:solidFill>
+                  <a:schemeClr val="tx1"/>
+                </a:solidFill>
+              </a:rPr>
+              <a:t>6</a:t>
+            </a:r>
+            <a:endParaRPr lang="en-US" sz="1000" dirty="0" smtClean="0">
+              <a:solidFill>
+                <a:schemeClr val="tx1"/>
+              </a:solidFill>
+            </a:endParaRPr>
+          </a:p>
+        </p:txBody>
+      </p:sp>
+      <p:sp>
+        <p:nvSpPr>
+          <p:cNvPr id="76" name="Rectangle 75"/>
+          <p:cNvSpPr/>
+          <p:nvPr/>
+        </p:nvSpPr>
+        <p:spPr>
+          <a:xfrm>
+            <a:off x="4486306" y="2824895"/>
+            <a:ext cx="279401" cy="330201"/>
+          </a:xfrm>
+          <a:prstGeom prst="rect">
+            <a:avLst/>
+          </a:prstGeom>
+          <a:solidFill>
+            <a:srgbClr val="CC66FF">
+              <a:alpha val="70000"/>
+            </a:srgbClr>
+          </a:solidFill>
+          <a:ln>
+            <a:noFill/>
+          </a:ln>
+        </p:spPr>
+        <p:style>
+          <a:lnRef idx="1">
+            <a:schemeClr val="accent1"/>
+          </a:lnRef>
+          <a:fillRef idx="3">
+            <a:schemeClr val="accent1"/>
+          </a:fillRef>
+          <a:effectRef idx="2">
+            <a:schemeClr val="accent1"/>
+          </a:effectRef>
+          <a:fontRef idx="minor">
+            <a:schemeClr val="lt1"/>
+          </a:fontRef>
+        </p:style>
+        <p:txBody>
+          <a:bodyPr lIns="0" tIns="0" rIns="0" bIns="0" rtlCol="0" anchor="ctr"/>
+          <a:lstStyle/>
+          <a:p>
+            <a:pPr algn="ctr"/>
+            <a:r>
+              <a:rPr lang="en-US" sz="1000" dirty="0" smtClean="0">
+                <a:solidFill>
+                  <a:schemeClr val="tx1"/>
+                </a:solidFill>
+              </a:rPr>
+              <a:t>C7</a:t>
+            </a:r>
+            <a:endParaRPr lang="en-US" sz="1000" dirty="0">
+              <a:solidFill>
+                <a:schemeClr val="tx1"/>
+              </a:solidFill>
+            </a:endParaRPr>
+          </a:p>
+        </p:txBody>
+      </p:sp>
+      <p:sp>
+        <p:nvSpPr>
+          <p:cNvPr id="77" name="Rectangle 76"/>
+          <p:cNvSpPr/>
+          <p:nvPr/>
+        </p:nvSpPr>
+        <p:spPr>
+          <a:xfrm>
+            <a:off x="4850372" y="2824895"/>
+            <a:ext cx="279401" cy="330201"/>
+          </a:xfrm>
+          <a:prstGeom prst="rect">
+            <a:avLst/>
+          </a:prstGeom>
+          <a:solidFill>
+            <a:srgbClr val="CC66FF">
+              <a:alpha val="70000"/>
+            </a:srgbClr>
+          </a:solidFill>
+          <a:ln>
+            <a:noFill/>
+          </a:ln>
+        </p:spPr>
+        <p:style>
+          <a:lnRef idx="1">
+            <a:schemeClr val="accent1"/>
+          </a:lnRef>
+          <a:fillRef idx="3">
+            <a:schemeClr val="accent1"/>
+          </a:fillRef>
+          <a:effectRef idx="2">
+            <a:schemeClr val="accent1"/>
+          </a:effectRef>
+          <a:fontRef idx="minor">
+            <a:schemeClr val="lt1"/>
+          </a:fontRef>
+        </p:style>
+        <p:txBody>
+          <a:bodyPr lIns="0" tIns="0" rIns="0" bIns="0" rtlCol="0" anchor="ctr"/>
+          <a:lstStyle/>
+          <a:p>
+            <a:pPr algn="ctr"/>
+            <a:r>
+              <a:rPr lang="en-US" sz="1000" dirty="0" smtClean="0">
+                <a:solidFill>
+                  <a:schemeClr val="tx1"/>
+                </a:solidFill>
+              </a:rPr>
+              <a:t>C8</a:t>
+            </a:r>
+            <a:endParaRPr lang="en-US" sz="1000" dirty="0">
+              <a:solidFill>
+                <a:schemeClr val="tx1"/>
+              </a:solidFill>
+            </a:endParaRPr>
+          </a:p>
+        </p:txBody>
+      </p:sp>
+      <p:cxnSp>
+        <p:nvCxnSpPr>
+          <p:cNvPr id="80" name="Straight Arrow Connector 79"/>
+          <p:cNvCxnSpPr>
+            <a:stCxn id="75" idx="0"/>
+            <a:endCxn id="74" idx="2"/>
+          </p:cNvCxnSpPr>
+          <p:nvPr/>
+        </p:nvCxnSpPr>
+        <p:spPr>
+          <a:xfrm flipV="1">
+            <a:off x="4261942" y="2418496"/>
+            <a:ext cx="728131" cy="406399"/>
+          </a:xfrm>
+          <a:prstGeom prst="straightConnector1">
+            <a:avLst/>
+          </a:prstGeom>
+          <a:ln w="6350">
+            <a:solidFill>
+              <a:schemeClr val="tx1">
+                <a:lumMod val="50000"/>
+                <a:lumOff val="50000"/>
+              </a:schemeClr>
+            </a:solidFill>
+            <a:tailEnd type="stealth" w="lg" len="lg"/>
+          </a:ln>
+        </p:spPr>
+        <p:style>
+          <a:lnRef idx="2">
+            <a:schemeClr val="accent1"/>
+          </a:lnRef>
+          <a:fillRef idx="0">
+            <a:schemeClr val="accent1"/>
+          </a:fillRef>
+          <a:effectRef idx="1">
+            <a:schemeClr val="accent1"/>
+          </a:effectRef>
+          <a:fontRef idx="minor">
+            <a:schemeClr val="tx1"/>
+          </a:fontRef>
+        </p:style>
+      </p:cxnSp>
+      <p:sp>
+        <p:nvSpPr>
+          <p:cNvPr id="81" name="Rectangle 80"/>
+          <p:cNvSpPr/>
+          <p:nvPr/>
+        </p:nvSpPr>
+        <p:spPr>
+          <a:xfrm>
+            <a:off x="5214439" y="2824895"/>
+            <a:ext cx="279401" cy="330201"/>
+          </a:xfrm>
+          <a:prstGeom prst="rect">
+            <a:avLst/>
+          </a:prstGeom>
+          <a:solidFill>
+            <a:srgbClr val="CC66FF">
+              <a:alpha val="70000"/>
+            </a:srgbClr>
+          </a:solidFill>
+          <a:ln>
+            <a:noFill/>
+          </a:ln>
+        </p:spPr>
+        <p:style>
+          <a:lnRef idx="1">
+            <a:schemeClr val="accent1"/>
+          </a:lnRef>
+          <a:fillRef idx="3">
+            <a:schemeClr val="accent1"/>
+          </a:fillRef>
+          <a:effectRef idx="2">
+            <a:schemeClr val="accent1"/>
+          </a:effectRef>
+          <a:fontRef idx="minor">
+            <a:schemeClr val="lt1"/>
+          </a:fontRef>
+        </p:style>
+        <p:txBody>
+          <a:bodyPr lIns="0" tIns="0" rIns="0" bIns="0" rtlCol="0" anchor="ctr"/>
+          <a:lstStyle/>
+          <a:p>
+            <a:pPr algn="ctr"/>
+            <a:r>
+              <a:rPr lang="en-US" sz="1000" dirty="0" smtClean="0">
+                <a:solidFill>
+                  <a:schemeClr val="tx1"/>
+                </a:solidFill>
+              </a:rPr>
+              <a:t>C9</a:t>
+            </a:r>
+            <a:endParaRPr lang="en-US" sz="1000" dirty="0">
+              <a:solidFill>
+                <a:schemeClr val="tx1"/>
+              </a:solidFill>
+            </a:endParaRPr>
+          </a:p>
+        </p:txBody>
+      </p:sp>
+      <p:sp>
+        <p:nvSpPr>
+          <p:cNvPr id="82" name="Rectangle 81"/>
+          <p:cNvSpPr/>
+          <p:nvPr/>
+        </p:nvSpPr>
+        <p:spPr>
+          <a:xfrm>
+            <a:off x="5578505" y="2824895"/>
+            <a:ext cx="279401" cy="330201"/>
+          </a:xfrm>
+          <a:prstGeom prst="rect">
+            <a:avLst/>
+          </a:prstGeom>
+          <a:solidFill>
+            <a:srgbClr val="CC66FF">
+              <a:alpha val="70000"/>
+            </a:srgbClr>
+          </a:solidFill>
+          <a:ln>
+            <a:noFill/>
+          </a:ln>
+        </p:spPr>
+        <p:style>
+          <a:lnRef idx="1">
+            <a:schemeClr val="accent1"/>
+          </a:lnRef>
+          <a:fillRef idx="3">
+            <a:schemeClr val="accent1"/>
+          </a:fillRef>
+          <a:effectRef idx="2">
+            <a:schemeClr val="accent1"/>
+          </a:effectRef>
+          <a:fontRef idx="minor">
+            <a:schemeClr val="lt1"/>
+          </a:fontRef>
+        </p:style>
+        <p:txBody>
+          <a:bodyPr lIns="0" tIns="0" rIns="0" bIns="0" rtlCol="0" anchor="ctr"/>
+          <a:lstStyle/>
+          <a:p>
+            <a:pPr algn="ctr"/>
+            <a:r>
+              <a:rPr lang="en-US" sz="1000" dirty="0" smtClean="0">
+                <a:solidFill>
+                  <a:schemeClr val="tx1"/>
+                </a:solidFill>
+              </a:rPr>
+              <a:t>C10</a:t>
+            </a:r>
+            <a:endParaRPr lang="en-US" sz="1000" dirty="0">
+              <a:solidFill>
+                <a:schemeClr val="tx1"/>
+              </a:solidFill>
+            </a:endParaRPr>
+          </a:p>
+        </p:txBody>
+      </p:sp>
+      <p:sp>
+        <p:nvSpPr>
+          <p:cNvPr id="83" name="Rectangle 82"/>
+          <p:cNvSpPr/>
+          <p:nvPr/>
+        </p:nvSpPr>
+        <p:spPr>
+          <a:xfrm>
+            <a:off x="4025141" y="1986011"/>
+            <a:ext cx="1939458" cy="1269997"/>
+          </a:xfrm>
+          <a:prstGeom prst="rect">
+            <a:avLst/>
+          </a:prstGeom>
+          <a:noFill/>
+          <a:ln w="3175" cap="flat" cmpd="sng">
+            <a:solidFill>
+              <a:schemeClr val="tx1">
+                <a:lumMod val="65000"/>
+                <a:lumOff val="35000"/>
+              </a:schemeClr>
+            </a:solidFill>
+            <a:prstDash val="dash"/>
+          </a:ln>
+        </p:spPr>
+        <p:style>
+          <a:lnRef idx="1">
+            <a:schemeClr val="accent1"/>
+          </a:lnRef>
+          <a:fillRef idx="3">
+            <a:schemeClr val="accent1"/>
+          </a:fillRef>
+          <a:effectRef idx="2">
+            <a:schemeClr val="accent1"/>
+          </a:effectRef>
+          <a:fontRef idx="minor">
+            <a:schemeClr val="lt1"/>
+          </a:fontRef>
+        </p:style>
+        <p:txBody>
+          <a:bodyPr rtlCol="0" anchor="ctr"/>
+          <a:lstStyle/>
+          <a:p>
+            <a:pPr algn="ctr"/>
+            <a:endParaRPr lang="en-US"/>
+          </a:p>
+        </p:txBody>
+      </p:sp>
+      <p:sp>
+        <p:nvSpPr>
+          <p:cNvPr id="161" name="TextBox 160"/>
+          <p:cNvSpPr txBox="1"/>
+          <p:nvPr/>
+        </p:nvSpPr>
+        <p:spPr>
+          <a:xfrm>
+            <a:off x="4737001" y="1730187"/>
+            <a:ext cx="506143" cy="246221"/>
+          </a:xfrm>
+          <a:prstGeom prst="rect">
+            <a:avLst/>
+          </a:prstGeom>
+          <a:noFill/>
+        </p:spPr>
+        <p:txBody>
+          <a:bodyPr wrap="none" rtlCol="0">
+            <a:spAutoFit/>
+          </a:bodyPr>
+          <a:lstStyle>
+            <a:defPPr>
+              <a:defRPr lang="en-US"/>
+            </a:defPPr>
+            <a:lvl1pPr algn="r">
+              <a:defRPr sz="1000"/>
+            </a:lvl1pPr>
+          </a:lstStyle>
+          <a:p>
+            <a:r>
+              <a:rPr lang="en-US" dirty="0"/>
+              <a:t>机</a:t>
+            </a:r>
+            <a:r>
+              <a:rPr lang="en-US" dirty="0" smtClean="0"/>
+              <a:t>房2</a:t>
+            </a:r>
+            <a:endParaRPr lang="en-US" dirty="0"/>
+          </a:p>
+        </p:txBody>
+      </p:sp>
+      <p:sp>
+        <p:nvSpPr>
+          <p:cNvPr id="163" name="Rectangle 162"/>
+          <p:cNvSpPr/>
+          <p:nvPr/>
+        </p:nvSpPr>
+        <p:spPr>
+          <a:xfrm>
+            <a:off x="3836166" y="4773022"/>
+            <a:ext cx="2304199" cy="246221"/>
+          </a:xfrm>
+          <a:prstGeom prst="rect">
+            <a:avLst/>
+          </a:prstGeom>
+          <a:noFill/>
+        </p:spPr>
+        <p:txBody>
+          <a:bodyPr wrap="none" rtlCol="0">
+            <a:spAutoFit/>
+          </a:bodyPr>
+          <a:lstStyle/>
+          <a:p>
+            <a:pPr algn="r"/>
+            <a:r>
+              <a:rPr lang="en-US" sz="1000" dirty="0" err="1" smtClean="0"/>
+              <a:t>AllocateMessageQueueByMachineRoom</a:t>
+            </a:r>
+            <a:endParaRPr lang="en-US" sz="1000" dirty="0"/>
+          </a:p>
+        </p:txBody>
+      </p:sp>
+      <p:sp>
+        <p:nvSpPr>
+          <p:cNvPr id="109" name="Rectangle 108"/>
+          <p:cNvSpPr/>
+          <p:nvPr/>
+        </p:nvSpPr>
+        <p:spPr>
+          <a:xfrm>
+            <a:off x="4113066" y="4333783"/>
+            <a:ext cx="279401" cy="330201"/>
+          </a:xfrm>
+          <a:prstGeom prst="rect">
+            <a:avLst/>
+          </a:prstGeom>
+          <a:solidFill>
+            <a:srgbClr val="CC66FF">
+              <a:alpha val="70000"/>
+            </a:srgbClr>
+          </a:solidFill>
+          <a:ln>
+            <a:noFill/>
+          </a:ln>
+        </p:spPr>
+        <p:style>
+          <a:lnRef idx="1">
+            <a:schemeClr val="accent1"/>
+          </a:lnRef>
+          <a:fillRef idx="3">
+            <a:schemeClr val="accent1"/>
+          </a:fillRef>
+          <a:effectRef idx="2">
+            <a:schemeClr val="accent1"/>
+          </a:effectRef>
+          <a:fontRef idx="minor">
+            <a:schemeClr val="lt1"/>
+          </a:fontRef>
+        </p:style>
+        <p:txBody>
+          <a:bodyPr lIns="0" tIns="0" rIns="0" bIns="0" rtlCol="0" anchor="ctr"/>
+          <a:lstStyle/>
+          <a:p>
+            <a:pPr algn="ctr"/>
+            <a:r>
+              <a:rPr lang="en-US" sz="1000" dirty="0" smtClean="0">
+                <a:solidFill>
+                  <a:schemeClr val="tx1"/>
+                </a:solidFill>
+              </a:rPr>
+              <a:t>C4</a:t>
+            </a:r>
+          </a:p>
+        </p:txBody>
+      </p:sp>
+      <p:sp>
+        <p:nvSpPr>
+          <p:cNvPr id="110" name="Rectangle 109"/>
+          <p:cNvSpPr/>
+          <p:nvPr/>
+        </p:nvSpPr>
+        <p:spPr>
+          <a:xfrm>
+            <a:off x="4477131" y="4333783"/>
+            <a:ext cx="279401" cy="330201"/>
+          </a:xfrm>
+          <a:prstGeom prst="rect">
+            <a:avLst/>
+          </a:prstGeom>
+          <a:solidFill>
+            <a:srgbClr val="CC66FF">
+              <a:alpha val="70000"/>
+            </a:srgbClr>
+          </a:solidFill>
+          <a:ln>
+            <a:noFill/>
+          </a:ln>
+        </p:spPr>
+        <p:style>
+          <a:lnRef idx="1">
+            <a:schemeClr val="accent1"/>
+          </a:lnRef>
+          <a:fillRef idx="3">
+            <a:schemeClr val="accent1"/>
+          </a:fillRef>
+          <a:effectRef idx="2">
+            <a:schemeClr val="accent1"/>
+          </a:effectRef>
+          <a:fontRef idx="minor">
+            <a:schemeClr val="lt1"/>
+          </a:fontRef>
+        </p:style>
+        <p:txBody>
+          <a:bodyPr lIns="0" tIns="0" rIns="0" bIns="0" rtlCol="0" anchor="ctr"/>
+          <a:lstStyle/>
+          <a:p>
+            <a:pPr algn="ctr"/>
+            <a:r>
+              <a:rPr lang="en-US" sz="1000" dirty="0" smtClean="0">
+                <a:solidFill>
+                  <a:schemeClr val="tx1"/>
+                </a:solidFill>
+              </a:rPr>
+              <a:t>C5</a:t>
+            </a:r>
+            <a:endParaRPr lang="en-US" sz="1000" dirty="0">
+              <a:solidFill>
+                <a:schemeClr val="tx1"/>
+              </a:solidFill>
+            </a:endParaRPr>
+          </a:p>
+        </p:txBody>
+      </p:sp>
+      <p:sp>
+        <p:nvSpPr>
+          <p:cNvPr id="111" name="Rectangle 110"/>
+          <p:cNvSpPr/>
+          <p:nvPr/>
+        </p:nvSpPr>
+        <p:spPr>
+          <a:xfrm>
+            <a:off x="4841197" y="4333783"/>
+            <a:ext cx="279401" cy="330201"/>
+          </a:xfrm>
+          <a:prstGeom prst="rect">
+            <a:avLst/>
+          </a:prstGeom>
+          <a:solidFill>
+            <a:srgbClr val="CC66FF">
+              <a:alpha val="70000"/>
+            </a:srgbClr>
+          </a:solidFill>
+          <a:ln>
+            <a:noFill/>
+          </a:ln>
+        </p:spPr>
+        <p:style>
+          <a:lnRef idx="1">
+            <a:schemeClr val="accent1"/>
+          </a:lnRef>
+          <a:fillRef idx="3">
+            <a:schemeClr val="accent1"/>
+          </a:fillRef>
+          <a:effectRef idx="2">
+            <a:schemeClr val="accent1"/>
+          </a:effectRef>
+          <a:fontRef idx="minor">
+            <a:schemeClr val="lt1"/>
+          </a:fontRef>
+        </p:style>
+        <p:txBody>
+          <a:bodyPr lIns="0" tIns="0" rIns="0" bIns="0" rtlCol="0" anchor="ctr"/>
+          <a:lstStyle/>
+          <a:p>
+            <a:pPr algn="ctr"/>
+            <a:r>
+              <a:rPr lang="en-US" sz="1000" dirty="0" smtClean="0">
+                <a:solidFill>
+                  <a:schemeClr val="tx1"/>
+                </a:solidFill>
+              </a:rPr>
+              <a:t>C6</a:t>
+            </a:r>
+            <a:endParaRPr lang="en-US" sz="1000" dirty="0">
+              <a:solidFill>
+                <a:schemeClr val="tx1"/>
+              </a:solidFill>
+            </a:endParaRPr>
+          </a:p>
+        </p:txBody>
+      </p:sp>
+      <p:cxnSp>
+        <p:nvCxnSpPr>
+          <p:cNvPr id="114" name="Straight Arrow Connector 113"/>
+          <p:cNvCxnSpPr>
+            <a:stCxn id="111" idx="0"/>
+            <a:endCxn id="133" idx="2"/>
+          </p:cNvCxnSpPr>
+          <p:nvPr/>
+        </p:nvCxnSpPr>
+        <p:spPr>
+          <a:xfrm flipH="1" flipV="1">
+            <a:off x="4252767" y="3914684"/>
+            <a:ext cx="728131" cy="419099"/>
+          </a:xfrm>
+          <a:prstGeom prst="straightConnector1">
+            <a:avLst/>
+          </a:prstGeom>
+          <a:ln w="6350">
+            <a:solidFill>
+              <a:schemeClr val="tx1">
+                <a:lumMod val="50000"/>
+                <a:lumOff val="50000"/>
+              </a:schemeClr>
+            </a:solidFill>
+            <a:tailEnd type="stealth" w="lg" len="lg"/>
+          </a:ln>
+        </p:spPr>
+        <p:style>
+          <a:lnRef idx="2">
+            <a:schemeClr val="accent1"/>
+          </a:lnRef>
+          <a:fillRef idx="0">
+            <a:schemeClr val="accent1"/>
+          </a:fillRef>
+          <a:effectRef idx="1">
+            <a:schemeClr val="accent1"/>
+          </a:effectRef>
+          <a:fontRef idx="minor">
+            <a:schemeClr val="tx1"/>
+          </a:fontRef>
+        </p:style>
+      </p:cxnSp>
+      <p:sp>
+        <p:nvSpPr>
+          <p:cNvPr id="117" name="Rectangle 116"/>
+          <p:cNvSpPr/>
+          <p:nvPr/>
+        </p:nvSpPr>
+        <p:spPr>
+          <a:xfrm>
+            <a:off x="4015966" y="3494899"/>
+            <a:ext cx="1939458" cy="1269997"/>
+          </a:xfrm>
+          <a:prstGeom prst="rect">
+            <a:avLst/>
+          </a:prstGeom>
+          <a:noFill/>
+          <a:ln w="3175" cap="flat" cmpd="sng">
+            <a:solidFill>
+              <a:schemeClr val="tx1">
+                <a:lumMod val="65000"/>
+                <a:lumOff val="35000"/>
+              </a:schemeClr>
+            </a:solidFill>
+            <a:prstDash val="dash"/>
+          </a:ln>
+        </p:spPr>
+        <p:style>
+          <a:lnRef idx="1">
+            <a:schemeClr val="accent1"/>
+          </a:lnRef>
+          <a:fillRef idx="3">
+            <a:schemeClr val="accent1"/>
+          </a:fillRef>
+          <a:effectRef idx="2">
+            <a:schemeClr val="accent1"/>
+          </a:effectRef>
+          <a:fontRef idx="minor">
+            <a:schemeClr val="lt1"/>
+          </a:fontRef>
+        </p:style>
+        <p:txBody>
+          <a:bodyPr rtlCol="0" anchor="ctr"/>
+          <a:lstStyle/>
+          <a:p>
+            <a:pPr algn="ctr"/>
+            <a:endParaRPr lang="en-US"/>
+          </a:p>
+        </p:txBody>
+      </p:sp>
+      <p:sp>
+        <p:nvSpPr>
+          <p:cNvPr id="133" name="Rectangle 132"/>
+          <p:cNvSpPr/>
+          <p:nvPr/>
+        </p:nvSpPr>
+        <p:spPr>
+          <a:xfrm>
+            <a:off x="4113066" y="3584483"/>
+            <a:ext cx="279401" cy="330201"/>
+          </a:xfrm>
+          <a:prstGeom prst="rect">
+            <a:avLst/>
+          </a:prstGeom>
+          <a:solidFill>
+            <a:srgbClr val="21FF06">
+              <a:alpha val="70000"/>
+            </a:srgbClr>
+          </a:solidFill>
+          <a:ln>
+            <a:noFill/>
+          </a:ln>
+        </p:spPr>
+        <p:style>
+          <a:lnRef idx="1">
+            <a:schemeClr val="accent1"/>
+          </a:lnRef>
+          <a:fillRef idx="3">
+            <a:schemeClr val="accent1"/>
+          </a:fillRef>
+          <a:effectRef idx="2">
+            <a:schemeClr val="accent1"/>
+          </a:effectRef>
+          <a:fontRef idx="minor">
+            <a:schemeClr val="lt1"/>
+          </a:fontRef>
+        </p:style>
+        <p:txBody>
+          <a:bodyPr lIns="0" tIns="0" rIns="0" bIns="0" rtlCol="0" anchor="ctr"/>
+          <a:lstStyle/>
+          <a:p>
+            <a:pPr algn="ctr"/>
+            <a:r>
+              <a:rPr lang="en-US" sz="1000" dirty="0" smtClean="0">
+                <a:solidFill>
+                  <a:schemeClr val="tx1"/>
+                </a:solidFill>
+              </a:rPr>
+              <a:t>Q6</a:t>
+            </a:r>
+          </a:p>
+        </p:txBody>
+      </p:sp>
+      <p:sp>
+        <p:nvSpPr>
+          <p:cNvPr id="134" name="Rectangle 133"/>
+          <p:cNvSpPr/>
+          <p:nvPr/>
+        </p:nvSpPr>
+        <p:spPr>
+          <a:xfrm>
+            <a:off x="4477131" y="3584483"/>
+            <a:ext cx="279401" cy="330201"/>
+          </a:xfrm>
+          <a:prstGeom prst="rect">
+            <a:avLst/>
+          </a:prstGeom>
+          <a:solidFill>
+            <a:srgbClr val="21FF06">
+              <a:alpha val="70000"/>
+            </a:srgbClr>
+          </a:solidFill>
+          <a:ln>
+            <a:noFill/>
+          </a:ln>
+        </p:spPr>
+        <p:style>
+          <a:lnRef idx="1">
+            <a:schemeClr val="accent1"/>
+          </a:lnRef>
+          <a:fillRef idx="3">
+            <a:schemeClr val="accent1"/>
+          </a:fillRef>
+          <a:effectRef idx="2">
+            <a:schemeClr val="accent1"/>
+          </a:effectRef>
+          <a:fontRef idx="minor">
+            <a:schemeClr val="lt1"/>
+          </a:fontRef>
+        </p:style>
+        <p:txBody>
+          <a:bodyPr lIns="0" tIns="0" rIns="0" bIns="0" rtlCol="0" anchor="ctr"/>
+          <a:lstStyle/>
+          <a:p>
+            <a:pPr algn="ctr"/>
+            <a:r>
+              <a:rPr lang="en-US" sz="1000" dirty="0" smtClean="0">
+                <a:solidFill>
+                  <a:schemeClr val="tx1"/>
+                </a:solidFill>
+              </a:rPr>
+              <a:t>Q7</a:t>
+            </a:r>
+            <a:endParaRPr lang="en-US" sz="1000" dirty="0">
+              <a:solidFill>
+                <a:schemeClr val="tx1"/>
+              </a:solidFill>
+            </a:endParaRPr>
+          </a:p>
+        </p:txBody>
+      </p:sp>
+      <p:sp>
+        <p:nvSpPr>
+          <p:cNvPr id="135" name="Rectangle 134"/>
+          <p:cNvSpPr/>
+          <p:nvPr/>
+        </p:nvSpPr>
+        <p:spPr>
+          <a:xfrm>
+            <a:off x="4841197" y="3584483"/>
+            <a:ext cx="279401" cy="330201"/>
+          </a:xfrm>
+          <a:prstGeom prst="rect">
+            <a:avLst/>
+          </a:prstGeom>
+          <a:solidFill>
+            <a:srgbClr val="21FF06">
+              <a:alpha val="70000"/>
+            </a:srgbClr>
+          </a:solidFill>
+          <a:ln>
+            <a:noFill/>
+          </a:ln>
+        </p:spPr>
+        <p:style>
+          <a:lnRef idx="1">
+            <a:schemeClr val="accent1"/>
+          </a:lnRef>
+          <a:fillRef idx="3">
+            <a:schemeClr val="accent1"/>
+          </a:fillRef>
+          <a:effectRef idx="2">
+            <a:schemeClr val="accent1"/>
+          </a:effectRef>
+          <a:fontRef idx="minor">
+            <a:schemeClr val="lt1"/>
+          </a:fontRef>
+        </p:style>
+        <p:txBody>
+          <a:bodyPr lIns="0" tIns="0" rIns="0" bIns="0" rtlCol="0" anchor="ctr"/>
+          <a:lstStyle/>
+          <a:p>
+            <a:pPr algn="ctr"/>
+            <a:r>
+              <a:rPr lang="en-US" sz="1000" dirty="0" smtClean="0">
+                <a:solidFill>
+                  <a:schemeClr val="tx1"/>
+                </a:solidFill>
+              </a:rPr>
+              <a:t>Q8</a:t>
+            </a:r>
+            <a:endParaRPr lang="en-US" sz="1000" dirty="0">
+              <a:solidFill>
+                <a:schemeClr val="tx1"/>
+              </a:solidFill>
+            </a:endParaRPr>
+          </a:p>
+        </p:txBody>
+      </p:sp>
+      <p:sp>
+        <p:nvSpPr>
+          <p:cNvPr id="136" name="Rectangle 135"/>
+          <p:cNvSpPr/>
+          <p:nvPr/>
+        </p:nvSpPr>
+        <p:spPr>
+          <a:xfrm>
+            <a:off x="5205264" y="3584483"/>
+            <a:ext cx="279401" cy="330201"/>
+          </a:xfrm>
+          <a:prstGeom prst="rect">
+            <a:avLst/>
+          </a:prstGeom>
+          <a:solidFill>
+            <a:srgbClr val="21FF06">
+              <a:alpha val="70000"/>
+            </a:srgbClr>
+          </a:solidFill>
+          <a:ln>
+            <a:noFill/>
+          </a:ln>
+        </p:spPr>
+        <p:style>
+          <a:lnRef idx="1">
+            <a:schemeClr val="accent1"/>
+          </a:lnRef>
+          <a:fillRef idx="3">
+            <a:schemeClr val="accent1"/>
+          </a:fillRef>
+          <a:effectRef idx="2">
+            <a:schemeClr val="accent1"/>
+          </a:effectRef>
+          <a:fontRef idx="minor">
+            <a:schemeClr val="lt1"/>
+          </a:fontRef>
+        </p:style>
+        <p:txBody>
+          <a:bodyPr lIns="0" tIns="0" rIns="0" bIns="0" rtlCol="0" anchor="ctr"/>
+          <a:lstStyle/>
+          <a:p>
+            <a:pPr algn="ctr"/>
+            <a:r>
+              <a:rPr lang="en-US" sz="1000" dirty="0" smtClean="0">
+                <a:solidFill>
+                  <a:schemeClr val="tx1"/>
+                </a:solidFill>
+              </a:rPr>
+              <a:t>Q9</a:t>
+            </a:r>
+            <a:endParaRPr lang="en-US" sz="1000" dirty="0">
+              <a:solidFill>
+                <a:schemeClr val="tx1"/>
+              </a:solidFill>
+            </a:endParaRPr>
+          </a:p>
+        </p:txBody>
+      </p:sp>
+      <p:sp>
+        <p:nvSpPr>
+          <p:cNvPr id="137" name="Rectangle 136"/>
+          <p:cNvSpPr/>
+          <p:nvPr/>
+        </p:nvSpPr>
+        <p:spPr>
+          <a:xfrm>
+            <a:off x="5569330" y="3584483"/>
+            <a:ext cx="279401" cy="330201"/>
+          </a:xfrm>
+          <a:prstGeom prst="rect">
+            <a:avLst/>
+          </a:prstGeom>
+          <a:solidFill>
+            <a:srgbClr val="21FF06">
+              <a:alpha val="70000"/>
+            </a:srgbClr>
+          </a:solidFill>
+          <a:ln>
+            <a:noFill/>
+          </a:ln>
+        </p:spPr>
+        <p:style>
+          <a:lnRef idx="1">
+            <a:schemeClr val="accent1"/>
+          </a:lnRef>
+          <a:fillRef idx="3">
+            <a:schemeClr val="accent1"/>
+          </a:fillRef>
+          <a:effectRef idx="2">
+            <a:schemeClr val="accent1"/>
+          </a:effectRef>
+          <a:fontRef idx="minor">
+            <a:schemeClr val="lt1"/>
+          </a:fontRef>
+        </p:style>
+        <p:txBody>
+          <a:bodyPr lIns="0" tIns="0" rIns="0" bIns="0" rtlCol="0" anchor="ctr"/>
+          <a:lstStyle/>
+          <a:p>
+            <a:pPr algn="ctr"/>
+            <a:r>
+              <a:rPr lang="en-US" sz="1000" dirty="0" smtClean="0">
+                <a:solidFill>
+                  <a:schemeClr val="tx1"/>
+                </a:solidFill>
+              </a:rPr>
+              <a:t>Q10</a:t>
+            </a:r>
+            <a:endParaRPr lang="en-US" sz="1000" dirty="0">
+              <a:solidFill>
+                <a:schemeClr val="tx1"/>
+              </a:solidFill>
+            </a:endParaRPr>
+          </a:p>
+        </p:txBody>
+      </p:sp>
+      <p:cxnSp>
+        <p:nvCxnSpPr>
+          <p:cNvPr id="118" name="Straight Arrow Connector 117"/>
+          <p:cNvCxnSpPr>
+            <a:stCxn id="109" idx="0"/>
+            <a:endCxn id="137" idx="2"/>
+          </p:cNvCxnSpPr>
+          <p:nvPr/>
+        </p:nvCxnSpPr>
+        <p:spPr>
+          <a:xfrm flipV="1">
+            <a:off x="4252767" y="3914684"/>
+            <a:ext cx="1456264" cy="419099"/>
+          </a:xfrm>
+          <a:prstGeom prst="straightConnector1">
+            <a:avLst/>
+          </a:prstGeom>
+          <a:ln w="6350">
+            <a:solidFill>
+              <a:schemeClr val="tx1">
+                <a:lumMod val="50000"/>
+                <a:lumOff val="50000"/>
+              </a:schemeClr>
+            </a:solidFill>
+            <a:tailEnd type="stealth" w="lg" len="lg"/>
+          </a:ln>
+        </p:spPr>
+        <p:style>
+          <a:lnRef idx="2">
+            <a:schemeClr val="accent1"/>
+          </a:lnRef>
+          <a:fillRef idx="0">
+            <a:schemeClr val="accent1"/>
+          </a:fillRef>
+          <a:effectRef idx="1">
+            <a:schemeClr val="accent1"/>
+          </a:effectRef>
+          <a:fontRef idx="minor">
+            <a:schemeClr val="tx1"/>
+          </a:fontRef>
+        </p:style>
+      </p:cxnSp>
+    </p:spTree>
+    <p:extLst>
+      <p:ext uri="{BB962C8B-B14F-4D97-AF65-F5344CB8AC3E}">
+        <p14:creationId xmlns:p14="http://schemas.microsoft.com/office/powerpoint/2010/main" val="1294768856"/>
       </p:ext>
     </p:extLst>
   </p:cSld>
